--- a/modules/mmap_chunks/mmap.pptx
+++ b/modules/mmap_chunks/mmap.pptx
@@ -16850,7 +16850,7 @@
           <a:p>
             <a:fld id="{2DA23E8D-1792-1541-9147-970A8DD8A355}" type="datetimeFigureOut">
               <a:rPr lang="en-US" smtClean="0"/>
-              <a:t>5/24/21</a:t>
+              <a:t>8/31/21</a:t>
             </a:fld>
             <a:endParaRPr lang="en-US" dirty="0"/>
           </a:p>
@@ -17572,7 +17572,7 @@
                 <a:latin typeface="Calibri"/>
               </a:rPr>
               <a:pPr/>
-              <a:t>5/24/21</a:t>
+              <a:t>8/31/21</a:t>
             </a:fld>
             <a:endParaRPr lang="en-US" dirty="0">
               <a:solidFill>
@@ -17825,7 +17825,7 @@
                 <a:latin typeface="Calibri"/>
               </a:rPr>
               <a:pPr/>
-              <a:t>5/24/21</a:t>
+              <a:t>8/31/21</a:t>
             </a:fld>
             <a:endParaRPr lang="en-US" dirty="0">
               <a:solidFill>
@@ -18040,7 +18040,7 @@
                 <a:latin typeface="Calibri"/>
               </a:rPr>
               <a:pPr/>
-              <a:t>5/24/21</a:t>
+              <a:t>8/31/21</a:t>
             </a:fld>
             <a:endParaRPr lang="en-US" dirty="0">
               <a:solidFill>
@@ -18324,7 +18324,7 @@
                 <a:latin typeface="Calibri"/>
               </a:rPr>
               <a:pPr/>
-              <a:t>5/24/21</a:t>
+              <a:t>8/31/21</a:t>
             </a:fld>
             <a:endParaRPr lang="en-US" dirty="0">
               <a:solidFill>
@@ -18666,7 +18666,7 @@
                 <a:latin typeface="Calibri"/>
               </a:rPr>
               <a:pPr/>
-              <a:t>5/24/21</a:t>
+              <a:t>8/31/21</a:t>
             </a:fld>
             <a:endParaRPr lang="en-US" dirty="0">
               <a:solidFill>
@@ -18994,7 +18994,7 @@
                 <a:latin typeface="Calibri"/>
               </a:rPr>
               <a:pPr/>
-              <a:t>5/24/21</a:t>
+              <a:t>8/31/21</a:t>
             </a:fld>
             <a:endParaRPr lang="en-US" dirty="0">
               <a:solidFill>
@@ -19483,7 +19483,7 @@
                 <a:latin typeface="Calibri"/>
               </a:rPr>
               <a:pPr/>
-              <a:t>5/24/21</a:t>
+              <a:t>8/31/21</a:t>
             </a:fld>
             <a:endParaRPr lang="en-US" dirty="0">
               <a:solidFill>
@@ -19666,7 +19666,7 @@
                 <a:latin typeface="Calibri"/>
               </a:rPr>
               <a:pPr/>
-              <a:t>5/24/21</a:t>
+              <a:t>8/31/21</a:t>
             </a:fld>
             <a:endParaRPr lang="en-US" dirty="0">
               <a:solidFill>
@@ -19912,7 +19912,7 @@
                 <a:latin typeface="Calibri"/>
               </a:rPr>
               <a:pPr/>
-              <a:t>5/24/21</a:t>
+              <a:t>8/31/21</a:t>
             </a:fld>
             <a:endParaRPr lang="en-US" dirty="0">
               <a:solidFill>
@@ -20254,7 +20254,7 @@
                 <a:latin typeface="Calibri"/>
               </a:rPr>
               <a:pPr/>
-              <a:t>5/24/21</a:t>
+              <a:t>8/31/21</a:t>
             </a:fld>
             <a:endParaRPr lang="en-US" dirty="0">
               <a:solidFill>
@@ -20546,7 +20546,7 @@
                 <a:latin typeface="Calibri"/>
               </a:rPr>
               <a:pPr/>
-              <a:t>5/24/21</a:t>
+              <a:t>8/31/21</a:t>
             </a:fld>
             <a:endParaRPr lang="en-US" dirty="0">
               <a:solidFill>
@@ -20796,7 +20796,7 @@
                 <a:latin typeface="Calibri"/>
               </a:rPr>
               <a:pPr defTabSz="914400"/>
-              <a:t>5/24/21</a:t>
+              <a:t>8/31/21</a:t>
             </a:fld>
             <a:endParaRPr lang="en-US" dirty="0">
               <a:solidFill>
@@ -30470,15 +30470,6 @@
           <a:solidFill>
             <a:srgbClr val="FFFFFF"/>
           </a:solidFill>
-          <a:extLst>
-            <a:ext uri="{909E8E84-426E-40DD-AFC4-6F175D3DCCD1}">
-              <a14:hiddenFill xmlns:a14="http://schemas.microsoft.com/office/drawing/2010/main">
-                <a:solidFill>
-                  <a:srgbClr val="FFFFFF"/>
-                </a:solidFill>
-              </a14:hiddenFill>
-            </a:ext>
-          </a:extLst>
         </p:spPr>
       </p:pic>
     </p:spTree>
@@ -31126,15 +31117,6 @@
           <a:solidFill>
             <a:srgbClr val="FFFFFF"/>
           </a:solidFill>
-          <a:extLst>
-            <a:ext uri="{909E8E84-426E-40DD-AFC4-6F175D3DCCD1}">
-              <a14:hiddenFill xmlns:a14="http://schemas.microsoft.com/office/drawing/2010/main">
-                <a:solidFill>
-                  <a:srgbClr val="FFFFFF"/>
-                </a:solidFill>
-              </a14:hiddenFill>
-            </a:ext>
-          </a:extLst>
         </p:spPr>
       </p:pic>
     </p:spTree>
@@ -33192,15 +33174,6 @@
           <a:solidFill>
             <a:srgbClr val="FFFFFF"/>
           </a:solidFill>
-          <a:extLst>
-            <a:ext uri="{909E8E84-426E-40DD-AFC4-6F175D3DCCD1}">
-              <a14:hiddenFill xmlns:a14="http://schemas.microsoft.com/office/drawing/2010/main">
-                <a:solidFill>
-                  <a:srgbClr val="FFFFFF"/>
-                </a:solidFill>
-              </a14:hiddenFill>
-            </a:ext>
-          </a:extLst>
         </p:spPr>
       </p:pic>
     </p:spTree>
@@ -34408,6 +34381,13 @@
             <a:r>
               <a:rPr lang="en-US" dirty="0" err="1"/>
               <a:t>Muney</a:t>
+            </a:r>
+            <a:endParaRPr lang="en-US" dirty="0"/>
+          </a:p>
+          <a:p>
+            <a:r>
+              <a:rPr lang="en-US"/>
+              <a:t>TODO</a:t>
             </a:r>
             <a:endParaRPr lang="en-US" dirty="0"/>
           </a:p>

--- a/modules/mmap_chunks/mmap.pptx
+++ b/modules/mmap_chunks/mmap.pptx
@@ -16850,7 +16850,7 @@
           <a:p>
             <a:fld id="{2DA23E8D-1792-1541-9147-970A8DD8A355}" type="datetimeFigureOut">
               <a:rPr lang="en-US" smtClean="0"/>
-              <a:t>8/31/21</a:t>
+              <a:t>9/26/21</a:t>
             </a:fld>
             <a:endParaRPr lang="en-US" dirty="0"/>
           </a:p>
@@ -17161,7 +17161,10 @@
           <a:bodyPr/>
           <a:lstStyle/>
           <a:p>
-            <a:endParaRPr lang="en-US" dirty="0"/>
+            <a:r>
+              <a:rPr lang="en-US" dirty="0"/>
+              <a:t>The till for the ‘m’ bit is NOW!</a:t>
+            </a:r>
           </a:p>
         </p:txBody>
       </p:sp>
@@ -17182,7 +17185,7 @@
           <a:p>
             <a:fld id="{AC55928C-CD14-454C-B617-1AFCF9A58596}" type="slidenum">
               <a:rPr lang="en-US" smtClean="0"/>
-              <a:t>24</a:t>
+              <a:t>3</a:t>
             </a:fld>
             <a:endParaRPr lang="en-US" dirty="0"/>
           </a:p>
@@ -17191,7 +17194,7 @@
     </p:spTree>
     <p:extLst>
       <p:ext uri="{BB962C8B-B14F-4D97-AF65-F5344CB8AC3E}">
-        <p14:creationId xmlns:p14="http://schemas.microsoft.com/office/powerpoint/2010/main" val="2229390188"/>
+        <p14:creationId xmlns:p14="http://schemas.microsoft.com/office/powerpoint/2010/main" val="738635072"/>
       </p:ext>
     </p:extLst>
   </p:cSld>
@@ -17266,6 +17269,90 @@
           <a:p>
             <a:fld id="{AC55928C-CD14-454C-B617-1AFCF9A58596}" type="slidenum">
               <a:rPr lang="en-US" smtClean="0"/>
+              <a:t>24</a:t>
+            </a:fld>
+            <a:endParaRPr lang="en-US" dirty="0"/>
+          </a:p>
+        </p:txBody>
+      </p:sp>
+    </p:spTree>
+    <p:extLst>
+      <p:ext uri="{BB962C8B-B14F-4D97-AF65-F5344CB8AC3E}">
+        <p14:creationId xmlns:p14="http://schemas.microsoft.com/office/powerpoint/2010/main" val="2229390188"/>
+      </p:ext>
+    </p:extLst>
+  </p:cSld>
+  <p:clrMapOvr>
+    <a:masterClrMapping/>
+  </p:clrMapOvr>
+</p:notes>
+</file>
+
+<file path=ppt/notesSlides/notesSlide3.xml><?xml version="1.0" encoding="utf-8"?>
+<p:notes xmlns:a="http://schemas.openxmlformats.org/drawingml/2006/main" xmlns:r="http://schemas.openxmlformats.org/officeDocument/2006/relationships" xmlns:p="http://schemas.openxmlformats.org/presentationml/2006/main">
+  <p:cSld>
+    <p:spTree>
+      <p:nvGrpSpPr>
+        <p:cNvPr id="1" name=""/>
+        <p:cNvGrpSpPr/>
+        <p:nvPr/>
+      </p:nvGrpSpPr>
+      <p:grpSpPr>
+        <a:xfrm>
+          <a:off x="0" y="0"/>
+          <a:ext cx="0" cy="0"/>
+          <a:chOff x="0" y="0"/>
+          <a:chExt cx="0" cy="0"/>
+        </a:xfrm>
+      </p:grpSpPr>
+      <p:sp>
+        <p:nvSpPr>
+          <p:cNvPr id="2" name="Slide Image Placeholder 1"/>
+          <p:cNvSpPr>
+            <a:spLocks noGrp="1" noRot="1" noChangeAspect="1"/>
+          </p:cNvSpPr>
+          <p:nvPr>
+            <p:ph type="sldImg"/>
+          </p:nvPr>
+        </p:nvSpPr>
+        <p:spPr/>
+      </p:sp>
+      <p:sp>
+        <p:nvSpPr>
+          <p:cNvPr id="3" name="Notes Placeholder 2"/>
+          <p:cNvSpPr>
+            <a:spLocks noGrp="1"/>
+          </p:cNvSpPr>
+          <p:nvPr>
+            <p:ph type="body" idx="1"/>
+          </p:nvPr>
+        </p:nvSpPr>
+        <p:spPr/>
+        <p:txBody>
+          <a:bodyPr/>
+          <a:lstStyle/>
+          <a:p>
+            <a:endParaRPr lang="en-US" dirty="0"/>
+          </a:p>
+        </p:txBody>
+      </p:sp>
+      <p:sp>
+        <p:nvSpPr>
+          <p:cNvPr id="4" name="Slide Number Placeholder 3"/>
+          <p:cNvSpPr>
+            <a:spLocks noGrp="1"/>
+          </p:cNvSpPr>
+          <p:nvPr>
+            <p:ph type="sldNum" sz="quarter" idx="5"/>
+          </p:nvPr>
+        </p:nvSpPr>
+        <p:spPr/>
+        <p:txBody>
+          <a:bodyPr/>
+          <a:lstStyle/>
+          <a:p>
+            <a:fld id="{AC55928C-CD14-454C-B617-1AFCF9A58596}" type="slidenum">
+              <a:rPr lang="en-US" smtClean="0"/>
               <a:t>41</a:t>
             </a:fld>
             <a:endParaRPr lang="en-US" dirty="0"/>
@@ -17285,7 +17372,94 @@
 </p:notes>
 </file>
 
-<file path=ppt/notesSlides/notesSlide3.xml><?xml version="1.0" encoding="utf-8"?>
+<file path=ppt/notesSlides/notesSlide4.xml><?xml version="1.0" encoding="utf-8"?>
+<p:notes xmlns:a="http://schemas.openxmlformats.org/drawingml/2006/main" xmlns:r="http://schemas.openxmlformats.org/officeDocument/2006/relationships" xmlns:p="http://schemas.openxmlformats.org/presentationml/2006/main">
+  <p:cSld>
+    <p:spTree>
+      <p:nvGrpSpPr>
+        <p:cNvPr id="1" name=""/>
+        <p:cNvGrpSpPr/>
+        <p:nvPr/>
+      </p:nvGrpSpPr>
+      <p:grpSpPr>
+        <a:xfrm>
+          <a:off x="0" y="0"/>
+          <a:ext cx="0" cy="0"/>
+          <a:chOff x="0" y="0"/>
+          <a:chExt cx="0" cy="0"/>
+        </a:xfrm>
+      </p:grpSpPr>
+      <p:sp>
+        <p:nvSpPr>
+          <p:cNvPr id="2" name="Slide Image Placeholder 1"/>
+          <p:cNvSpPr>
+            <a:spLocks noGrp="1" noRot="1" noChangeAspect="1"/>
+          </p:cNvSpPr>
+          <p:nvPr>
+            <p:ph type="sldImg"/>
+          </p:nvPr>
+        </p:nvSpPr>
+        <p:spPr/>
+      </p:sp>
+      <p:sp>
+        <p:nvSpPr>
+          <p:cNvPr id="3" name="Notes Placeholder 2"/>
+          <p:cNvSpPr>
+            <a:spLocks noGrp="1"/>
+          </p:cNvSpPr>
+          <p:nvPr>
+            <p:ph type="body" idx="1"/>
+          </p:nvPr>
+        </p:nvSpPr>
+        <p:spPr/>
+        <p:txBody>
+          <a:bodyPr/>
+          <a:lstStyle/>
+          <a:p>
+            <a:r>
+              <a:rPr lang="en-US" dirty="0"/>
+              <a:t>My POC on the how2heap website of this technique</a:t>
+            </a:r>
+          </a:p>
+        </p:txBody>
+      </p:sp>
+      <p:sp>
+        <p:nvSpPr>
+          <p:cNvPr id="4" name="Slide Number Placeholder 3"/>
+          <p:cNvSpPr>
+            <a:spLocks noGrp="1"/>
+          </p:cNvSpPr>
+          <p:nvPr>
+            <p:ph type="sldNum" sz="quarter" idx="5"/>
+          </p:nvPr>
+        </p:nvSpPr>
+        <p:spPr/>
+        <p:txBody>
+          <a:bodyPr/>
+          <a:lstStyle/>
+          <a:p>
+            <a:fld id="{AC55928C-CD14-454C-B617-1AFCF9A58596}" type="slidenum">
+              <a:rPr lang="en-US" smtClean="0"/>
+              <a:t>52</a:t>
+            </a:fld>
+            <a:endParaRPr lang="en-US" dirty="0"/>
+          </a:p>
+        </p:txBody>
+      </p:sp>
+    </p:spTree>
+    <p:extLst>
+      <p:ext uri="{BB962C8B-B14F-4D97-AF65-F5344CB8AC3E}">
+        <p14:creationId xmlns:p14="http://schemas.microsoft.com/office/powerpoint/2010/main" val="4249073691"/>
+      </p:ext>
+    </p:extLst>
+  </p:cSld>
+  <p:clrMapOvr>
+    <a:masterClrMapping/>
+  </p:clrMapOvr>
+</p:notes>
+</file>
+
+<file path=ppt/notesSlides/notesSlide5.xml><?xml version="1.0" encoding="utf-8"?>
 <p:notes xmlns:a="http://schemas.openxmlformats.org/drawingml/2006/main" xmlns:r="http://schemas.openxmlformats.org/officeDocument/2006/relationships" xmlns:p="http://schemas.openxmlformats.org/presentationml/2006/main">
   <p:cSld>
     <p:spTree>
@@ -17572,7 +17746,7 @@
                 <a:latin typeface="Calibri"/>
               </a:rPr>
               <a:pPr/>
-              <a:t>8/31/21</a:t>
+              <a:t>9/26/21</a:t>
             </a:fld>
             <a:endParaRPr lang="en-US" dirty="0">
               <a:solidFill>
@@ -17825,7 +17999,7 @@
                 <a:latin typeface="Calibri"/>
               </a:rPr>
               <a:pPr/>
-              <a:t>8/31/21</a:t>
+              <a:t>9/26/21</a:t>
             </a:fld>
             <a:endParaRPr lang="en-US" dirty="0">
               <a:solidFill>
@@ -18040,7 +18214,7 @@
                 <a:latin typeface="Calibri"/>
               </a:rPr>
               <a:pPr/>
-              <a:t>8/31/21</a:t>
+              <a:t>9/26/21</a:t>
             </a:fld>
             <a:endParaRPr lang="en-US" dirty="0">
               <a:solidFill>
@@ -18324,7 +18498,7 @@
                 <a:latin typeface="Calibri"/>
               </a:rPr>
               <a:pPr/>
-              <a:t>8/31/21</a:t>
+              <a:t>9/26/21</a:t>
             </a:fld>
             <a:endParaRPr lang="en-US" dirty="0">
               <a:solidFill>
@@ -18666,7 +18840,7 @@
                 <a:latin typeface="Calibri"/>
               </a:rPr>
               <a:pPr/>
-              <a:t>8/31/21</a:t>
+              <a:t>9/26/21</a:t>
             </a:fld>
             <a:endParaRPr lang="en-US" dirty="0">
               <a:solidFill>
@@ -18994,7 +19168,7 @@
                 <a:latin typeface="Calibri"/>
               </a:rPr>
               <a:pPr/>
-              <a:t>8/31/21</a:t>
+              <a:t>9/26/21</a:t>
             </a:fld>
             <a:endParaRPr lang="en-US" dirty="0">
               <a:solidFill>
@@ -19483,7 +19657,7 @@
                 <a:latin typeface="Calibri"/>
               </a:rPr>
               <a:pPr/>
-              <a:t>8/31/21</a:t>
+              <a:t>9/26/21</a:t>
             </a:fld>
             <a:endParaRPr lang="en-US" dirty="0">
               <a:solidFill>
@@ -19666,7 +19840,7 @@
                 <a:latin typeface="Calibri"/>
               </a:rPr>
               <a:pPr/>
-              <a:t>8/31/21</a:t>
+              <a:t>9/26/21</a:t>
             </a:fld>
             <a:endParaRPr lang="en-US" dirty="0">
               <a:solidFill>
@@ -19912,7 +20086,7 @@
                 <a:latin typeface="Calibri"/>
               </a:rPr>
               <a:pPr/>
-              <a:t>8/31/21</a:t>
+              <a:t>9/26/21</a:t>
             </a:fld>
             <a:endParaRPr lang="en-US" dirty="0">
               <a:solidFill>
@@ -20254,7 +20428,7 @@
                 <a:latin typeface="Calibri"/>
               </a:rPr>
               <a:pPr/>
-              <a:t>8/31/21</a:t>
+              <a:t>9/26/21</a:t>
             </a:fld>
             <a:endParaRPr lang="en-US" dirty="0">
               <a:solidFill>
@@ -20546,7 +20720,7 @@
                 <a:latin typeface="Calibri"/>
               </a:rPr>
               <a:pPr/>
-              <a:t>8/31/21</a:t>
+              <a:t>9/26/21</a:t>
             </a:fld>
             <a:endParaRPr lang="en-US" dirty="0">
               <a:solidFill>
@@ -20796,7 +20970,7 @@
                 <a:latin typeface="Calibri"/>
               </a:rPr>
               <a:pPr defTabSz="914400"/>
-              <a:t>8/31/21</a:t>
+              <a:t>9/26/21</a:t>
             </a:fld>
             <a:endParaRPr lang="en-US" dirty="0">
               <a:solidFill>
@@ -25030,7 +25204,7 @@
           <a:p>
             <a:pPr lvl="1"/>
             <a:r>
-              <a:rPr lang="en-US" dirty="0"/>
+              <a:rPr lang="en-US" b="1" dirty="0"/>
               <a:t>n &amp; m (will touch on later) – usually set to 0</a:t>
             </a:r>
           </a:p>
@@ -25059,7 +25233,7 @@
           <p:nvPr/>
         </p:nvPicPr>
         <p:blipFill>
-          <a:blip r:embed="rId2"/>
+          <a:blip r:embed="rId3"/>
           <a:stretch>
             <a:fillRect/>
           </a:stretch>
@@ -30319,7 +30493,7 @@
           </p:nvPr>
         </p:nvPicPr>
         <p:blipFill>
-          <a:blip r:embed="rId2"/>
+          <a:blip r:embed="rId3"/>
           <a:stretch>
             <a:fillRect/>
           </a:stretch>

--- a/modules/mmap_chunks/mmap.pptx
+++ b/modules/mmap_chunks/mmap.pptx
@@ -5,7 +5,7 @@
     <p:sldMasterId id="2147483660" r:id="rId1"/>
   </p:sldMasterIdLst>
   <p:notesMasterIdLst>
-    <p:notesMasterId r:id="rId76"/>
+    <p:notesMasterId r:id="rId77"/>
   </p:notesMasterIdLst>
   <p:sldIdLst>
     <p:sldId id="327" r:id="rId2"/>
@@ -19,69 +19,70 @@
     <p:sldId id="497" r:id="rId10"/>
     <p:sldId id="471" r:id="rId11"/>
     <p:sldId id="507" r:id="rId12"/>
-    <p:sldId id="506" r:id="rId13"/>
-    <p:sldId id="508" r:id="rId14"/>
-    <p:sldId id="510" r:id="rId15"/>
-    <p:sldId id="441" r:id="rId16"/>
-    <p:sldId id="453" r:id="rId17"/>
-    <p:sldId id="454" r:id="rId18"/>
-    <p:sldId id="509" r:id="rId19"/>
-    <p:sldId id="461" r:id="rId20"/>
-    <p:sldId id="462" r:id="rId21"/>
-    <p:sldId id="513" r:id="rId22"/>
-    <p:sldId id="512" r:id="rId23"/>
-    <p:sldId id="514" r:id="rId24"/>
-    <p:sldId id="515" r:id="rId25"/>
-    <p:sldId id="516" r:id="rId26"/>
-    <p:sldId id="517" r:id="rId27"/>
-    <p:sldId id="518" r:id="rId28"/>
-    <p:sldId id="519" r:id="rId29"/>
-    <p:sldId id="563" r:id="rId30"/>
-    <p:sldId id="564" r:id="rId31"/>
-    <p:sldId id="520" r:id="rId32"/>
-    <p:sldId id="521" r:id="rId33"/>
-    <p:sldId id="529" r:id="rId34"/>
-    <p:sldId id="528" r:id="rId35"/>
-    <p:sldId id="552" r:id="rId36"/>
-    <p:sldId id="530" r:id="rId37"/>
-    <p:sldId id="531" r:id="rId38"/>
-    <p:sldId id="532" r:id="rId39"/>
-    <p:sldId id="556" r:id="rId40"/>
-    <p:sldId id="533" r:id="rId41"/>
-    <p:sldId id="534" r:id="rId42"/>
-    <p:sldId id="535" r:id="rId43"/>
-    <p:sldId id="536" r:id="rId44"/>
-    <p:sldId id="537" r:id="rId45"/>
-    <p:sldId id="538" r:id="rId46"/>
-    <p:sldId id="539" r:id="rId47"/>
-    <p:sldId id="540" r:id="rId48"/>
-    <p:sldId id="541" r:id="rId49"/>
-    <p:sldId id="542" r:id="rId50"/>
-    <p:sldId id="543" r:id="rId51"/>
-    <p:sldId id="544" r:id="rId52"/>
-    <p:sldId id="545" r:id="rId53"/>
-    <p:sldId id="549" r:id="rId54"/>
-    <p:sldId id="547" r:id="rId55"/>
-    <p:sldId id="548" r:id="rId56"/>
-    <p:sldId id="546" r:id="rId57"/>
-    <p:sldId id="550" r:id="rId58"/>
-    <p:sldId id="553" r:id="rId59"/>
-    <p:sldId id="551" r:id="rId60"/>
-    <p:sldId id="554" r:id="rId61"/>
-    <p:sldId id="557" r:id="rId62"/>
-    <p:sldId id="558" r:id="rId63"/>
-    <p:sldId id="559" r:id="rId64"/>
-    <p:sldId id="560" r:id="rId65"/>
-    <p:sldId id="561" r:id="rId66"/>
-    <p:sldId id="565" r:id="rId67"/>
-    <p:sldId id="500" r:id="rId68"/>
-    <p:sldId id="524" r:id="rId69"/>
-    <p:sldId id="525" r:id="rId70"/>
-    <p:sldId id="522" r:id="rId71"/>
-    <p:sldId id="526" r:id="rId72"/>
-    <p:sldId id="527" r:id="rId73"/>
-    <p:sldId id="566" r:id="rId74"/>
-    <p:sldId id="503" r:id="rId75"/>
+    <p:sldId id="508" r:id="rId13"/>
+    <p:sldId id="506" r:id="rId14"/>
+    <p:sldId id="566" r:id="rId15"/>
+    <p:sldId id="510" r:id="rId16"/>
+    <p:sldId id="441" r:id="rId17"/>
+    <p:sldId id="453" r:id="rId18"/>
+    <p:sldId id="454" r:id="rId19"/>
+    <p:sldId id="509" r:id="rId20"/>
+    <p:sldId id="461" r:id="rId21"/>
+    <p:sldId id="462" r:id="rId22"/>
+    <p:sldId id="513" r:id="rId23"/>
+    <p:sldId id="512" r:id="rId24"/>
+    <p:sldId id="514" r:id="rId25"/>
+    <p:sldId id="515" r:id="rId26"/>
+    <p:sldId id="516" r:id="rId27"/>
+    <p:sldId id="517" r:id="rId28"/>
+    <p:sldId id="518" r:id="rId29"/>
+    <p:sldId id="519" r:id="rId30"/>
+    <p:sldId id="563" r:id="rId31"/>
+    <p:sldId id="564" r:id="rId32"/>
+    <p:sldId id="520" r:id="rId33"/>
+    <p:sldId id="521" r:id="rId34"/>
+    <p:sldId id="567" r:id="rId35"/>
+    <p:sldId id="529" r:id="rId36"/>
+    <p:sldId id="528" r:id="rId37"/>
+    <p:sldId id="552" r:id="rId38"/>
+    <p:sldId id="530" r:id="rId39"/>
+    <p:sldId id="531" r:id="rId40"/>
+    <p:sldId id="532" r:id="rId41"/>
+    <p:sldId id="556" r:id="rId42"/>
+    <p:sldId id="533" r:id="rId43"/>
+    <p:sldId id="534" r:id="rId44"/>
+    <p:sldId id="535" r:id="rId45"/>
+    <p:sldId id="536" r:id="rId46"/>
+    <p:sldId id="537" r:id="rId47"/>
+    <p:sldId id="538" r:id="rId48"/>
+    <p:sldId id="539" r:id="rId49"/>
+    <p:sldId id="540" r:id="rId50"/>
+    <p:sldId id="541" r:id="rId51"/>
+    <p:sldId id="542" r:id="rId52"/>
+    <p:sldId id="543" r:id="rId53"/>
+    <p:sldId id="544" r:id="rId54"/>
+    <p:sldId id="545" r:id="rId55"/>
+    <p:sldId id="549" r:id="rId56"/>
+    <p:sldId id="547" r:id="rId57"/>
+    <p:sldId id="548" r:id="rId58"/>
+    <p:sldId id="546" r:id="rId59"/>
+    <p:sldId id="550" r:id="rId60"/>
+    <p:sldId id="553" r:id="rId61"/>
+    <p:sldId id="551" r:id="rId62"/>
+    <p:sldId id="554" r:id="rId63"/>
+    <p:sldId id="557" r:id="rId64"/>
+    <p:sldId id="558" r:id="rId65"/>
+    <p:sldId id="559" r:id="rId66"/>
+    <p:sldId id="560" r:id="rId67"/>
+    <p:sldId id="561" r:id="rId68"/>
+    <p:sldId id="565" r:id="rId69"/>
+    <p:sldId id="500" r:id="rId70"/>
+    <p:sldId id="524" r:id="rId71"/>
+    <p:sldId id="525" r:id="rId72"/>
+    <p:sldId id="522" r:id="rId73"/>
+    <p:sldId id="526" r:id="rId74"/>
+    <p:sldId id="527" r:id="rId75"/>
+    <p:sldId id="503" r:id="rId76"/>
   </p:sldIdLst>
   <p:sldSz cx="9144000" cy="5143500" type="screen16x9"/>
   <p:notesSz cx="6858000" cy="9144000"/>
@@ -4840,16 +4841,24 @@
             <a:defRPr b="1"/>
           </a:pPr>
           <a:r>
-            <a:rPr lang="en-US"/>
+            <a:rPr lang="en-US" dirty="0"/>
             <a:t>Freed via </a:t>
           </a:r>
           <a:r>
-            <a:rPr lang="en-US" b="1" i="1"/>
+            <a:rPr lang="en-US" b="1" i="1" dirty="0" err="1"/>
             <a:t>munmap</a:t>
           </a:r>
           <a:r>
-            <a:rPr lang="en-US"/>
-            <a:t> syscall: </a:t>
+            <a:rPr lang="en-US" dirty="0"/>
+            <a:t> </a:t>
+          </a:r>
+          <a:r>
+            <a:rPr lang="en-US" dirty="0" err="1"/>
+            <a:t>syscall</a:t>
+          </a:r>
+          <a:r>
+            <a:rPr lang="en-US" dirty="0"/>
+            <a:t> </a:t>
           </a:r>
         </a:p>
       </dgm:t>
@@ -6915,16 +6924,24 @@
             <a:defRPr b="1"/>
           </a:pPr>
           <a:r>
-            <a:rPr lang="en-US" sz="1900" kern="1200"/>
+            <a:rPr lang="en-US" sz="1900" kern="1200" dirty="0"/>
             <a:t>Freed via </a:t>
           </a:r>
           <a:r>
-            <a:rPr lang="en-US" sz="1900" b="1" i="1" kern="1200"/>
+            <a:rPr lang="en-US" sz="1900" b="1" i="1" kern="1200" dirty="0" err="1"/>
             <a:t>munmap</a:t>
           </a:r>
           <a:r>
-            <a:rPr lang="en-US" sz="1900" kern="1200"/>
-            <a:t> syscall: </a:t>
+            <a:rPr lang="en-US" sz="1900" kern="1200" dirty="0"/>
+            <a:t> </a:t>
+          </a:r>
+          <a:r>
+            <a:rPr lang="en-US" sz="1900" kern="1200" dirty="0" err="1"/>
+            <a:t>syscall</a:t>
+          </a:r>
+          <a:r>
+            <a:rPr lang="en-US" sz="1900" kern="1200" dirty="0"/>
+            <a:t> </a:t>
           </a:r>
         </a:p>
       </dsp:txBody>
@@ -16850,7 +16867,7 @@
           <a:p>
             <a:fld id="{2DA23E8D-1792-1541-9147-970A8DD8A355}" type="datetimeFigureOut">
               <a:rPr lang="en-US" smtClean="0"/>
-              <a:t>9/26/21</a:t>
+              <a:t>7/7/22</a:t>
             </a:fld>
             <a:endParaRPr lang="en-US" dirty="0"/>
           </a:p>
@@ -17204,6 +17221,174 @@
 </p:notes>
 </file>
 
+<file path=ppt/notesSlides/notesSlide10.xml><?xml version="1.0" encoding="utf-8"?>
+<p:notes xmlns:a="http://schemas.openxmlformats.org/drawingml/2006/main" xmlns:r="http://schemas.openxmlformats.org/officeDocument/2006/relationships" xmlns:p="http://schemas.openxmlformats.org/presentationml/2006/main">
+  <p:cSld>
+    <p:spTree>
+      <p:nvGrpSpPr>
+        <p:cNvPr id="1" name=""/>
+        <p:cNvGrpSpPr/>
+        <p:nvPr/>
+      </p:nvGrpSpPr>
+      <p:grpSpPr>
+        <a:xfrm>
+          <a:off x="0" y="0"/>
+          <a:ext cx="0" cy="0"/>
+          <a:chOff x="0" y="0"/>
+          <a:chExt cx="0" cy="0"/>
+        </a:xfrm>
+      </p:grpSpPr>
+      <p:sp>
+        <p:nvSpPr>
+          <p:cNvPr id="2" name="Slide Image Placeholder 1"/>
+          <p:cNvSpPr>
+            <a:spLocks noGrp="1" noRot="1" noChangeAspect="1"/>
+          </p:cNvSpPr>
+          <p:nvPr>
+            <p:ph type="sldImg"/>
+          </p:nvPr>
+        </p:nvSpPr>
+        <p:spPr/>
+      </p:sp>
+      <p:sp>
+        <p:nvSpPr>
+          <p:cNvPr id="3" name="Notes Placeholder 2"/>
+          <p:cNvSpPr>
+            <a:spLocks noGrp="1"/>
+          </p:cNvSpPr>
+          <p:nvPr>
+            <p:ph type="body" idx="1"/>
+          </p:nvPr>
+        </p:nvSpPr>
+        <p:spPr/>
+        <p:txBody>
+          <a:bodyPr/>
+          <a:lstStyle/>
+          <a:p>
+            <a:endParaRPr lang="en-US" dirty="0"/>
+          </a:p>
+        </p:txBody>
+      </p:sp>
+      <p:sp>
+        <p:nvSpPr>
+          <p:cNvPr id="4" name="Slide Number Placeholder 3"/>
+          <p:cNvSpPr>
+            <a:spLocks noGrp="1"/>
+          </p:cNvSpPr>
+          <p:nvPr>
+            <p:ph type="sldNum" sz="quarter" idx="5"/>
+          </p:nvPr>
+        </p:nvSpPr>
+        <p:spPr/>
+        <p:txBody>
+          <a:bodyPr/>
+          <a:lstStyle/>
+          <a:p>
+            <a:fld id="{AC55928C-CD14-454C-B617-1AFCF9A58596}" type="slidenum">
+              <a:rPr lang="en-US" smtClean="0"/>
+              <a:t>63</a:t>
+            </a:fld>
+            <a:endParaRPr lang="en-US" dirty="0"/>
+          </a:p>
+        </p:txBody>
+      </p:sp>
+    </p:spTree>
+    <p:extLst>
+      <p:ext uri="{BB962C8B-B14F-4D97-AF65-F5344CB8AC3E}">
+        <p14:creationId xmlns:p14="http://schemas.microsoft.com/office/powerpoint/2010/main" val="3039099997"/>
+      </p:ext>
+    </p:extLst>
+  </p:cSld>
+  <p:clrMapOvr>
+    <a:masterClrMapping/>
+  </p:clrMapOvr>
+</p:notes>
+</file>
+
+<file path=ppt/notesSlides/notesSlide11.xml><?xml version="1.0" encoding="utf-8"?>
+<p:notes xmlns:a="http://schemas.openxmlformats.org/drawingml/2006/main" xmlns:r="http://schemas.openxmlformats.org/officeDocument/2006/relationships" xmlns:p="http://schemas.openxmlformats.org/presentationml/2006/main">
+  <p:cSld>
+    <p:spTree>
+      <p:nvGrpSpPr>
+        <p:cNvPr id="1" name=""/>
+        <p:cNvGrpSpPr/>
+        <p:nvPr/>
+      </p:nvGrpSpPr>
+      <p:grpSpPr>
+        <a:xfrm>
+          <a:off x="0" y="0"/>
+          <a:ext cx="0" cy="0"/>
+          <a:chOff x="0" y="0"/>
+          <a:chExt cx="0" cy="0"/>
+        </a:xfrm>
+      </p:grpSpPr>
+      <p:sp>
+        <p:nvSpPr>
+          <p:cNvPr id="2" name="Slide Image Placeholder 1"/>
+          <p:cNvSpPr>
+            <a:spLocks noGrp="1" noRot="1" noChangeAspect="1"/>
+          </p:cNvSpPr>
+          <p:nvPr>
+            <p:ph type="sldImg"/>
+          </p:nvPr>
+        </p:nvSpPr>
+        <p:spPr/>
+      </p:sp>
+      <p:sp>
+        <p:nvSpPr>
+          <p:cNvPr id="3" name="Notes Placeholder 2"/>
+          <p:cNvSpPr>
+            <a:spLocks noGrp="1"/>
+          </p:cNvSpPr>
+          <p:nvPr>
+            <p:ph type="body" idx="1"/>
+          </p:nvPr>
+        </p:nvSpPr>
+        <p:spPr/>
+        <p:txBody>
+          <a:bodyPr/>
+          <a:lstStyle/>
+          <a:p>
+            <a:endParaRPr lang="en-US" dirty="0"/>
+          </a:p>
+        </p:txBody>
+      </p:sp>
+      <p:sp>
+        <p:nvSpPr>
+          <p:cNvPr id="4" name="Slide Number Placeholder 3"/>
+          <p:cNvSpPr>
+            <a:spLocks noGrp="1"/>
+          </p:cNvSpPr>
+          <p:nvPr>
+            <p:ph type="sldNum" sz="quarter" idx="5"/>
+          </p:nvPr>
+        </p:nvSpPr>
+        <p:spPr/>
+        <p:txBody>
+          <a:bodyPr/>
+          <a:lstStyle/>
+          <a:p>
+            <a:fld id="{AC55928C-CD14-454C-B617-1AFCF9A58596}" type="slidenum">
+              <a:rPr lang="en-US" smtClean="0"/>
+              <a:t>70</a:t>
+            </a:fld>
+            <a:endParaRPr lang="en-US" dirty="0"/>
+          </a:p>
+        </p:txBody>
+      </p:sp>
+    </p:spTree>
+    <p:extLst>
+      <p:ext uri="{BB962C8B-B14F-4D97-AF65-F5344CB8AC3E}">
+        <p14:creationId xmlns:p14="http://schemas.microsoft.com/office/powerpoint/2010/main" val="2069835012"/>
+      </p:ext>
+    </p:extLst>
+  </p:cSld>
+  <p:clrMapOvr>
+    <a:masterClrMapping/>
+  </p:clrMapOvr>
+</p:notes>
+</file>
+
 <file path=ppt/notesSlides/notesSlide2.xml><?xml version="1.0" encoding="utf-8"?>
 <p:notes xmlns:a="http://schemas.openxmlformats.org/drawingml/2006/main" xmlns:r="http://schemas.openxmlformats.org/officeDocument/2006/relationships" xmlns:p="http://schemas.openxmlformats.org/presentationml/2006/main">
   <p:cSld>
@@ -17248,6 +17433,89 @@
           <a:bodyPr/>
           <a:lstStyle/>
           <a:p>
+            <a:r>
+              <a:rPr lang="en-US" dirty="0"/>
+              <a:t>- Used </a:t>
+            </a:r>
+            <a:r>
+              <a:rPr lang="en-US" dirty="0" err="1"/>
+              <a:t>primarly</a:t>
+            </a:r>
+            <a:r>
+              <a:rPr lang="en-US" dirty="0"/>
+              <a:t> in the '</a:t>
+            </a:r>
+            <a:r>
+              <a:rPr lang="en-US" dirty="0" err="1"/>
+              <a:t>memalign</a:t>
+            </a:r>
+            <a:r>
+              <a:rPr lang="en-US" dirty="0"/>
+              <a:t>' function at https://</a:t>
+            </a:r>
+            <a:r>
+              <a:rPr lang="en-US" dirty="0" err="1"/>
+              <a:t>elixir.bootlin.com</a:t>
+            </a:r>
+            <a:r>
+              <a:rPr lang="en-US" dirty="0"/>
+              <a:t>/</a:t>
+            </a:r>
+            <a:r>
+              <a:rPr lang="en-US" dirty="0" err="1"/>
+              <a:t>glibc</a:t>
+            </a:r>
+            <a:r>
+              <a:rPr lang="en-US" dirty="0"/>
+              <a:t>/glibc-2.35/source/malloc/malloc.c#L4996</a:t>
+            </a:r>
+          </a:p>
+          <a:p>
+            <a:endParaRPr lang="en-US" dirty="0"/>
+          </a:p>
+          <a:p>
+            <a:r>
+              <a:rPr lang="en-US" dirty="0"/>
+              <a:t>- Chunk2mem usage of </a:t>
+            </a:r>
+            <a:r>
+              <a:rPr lang="en-US" dirty="0" err="1"/>
+              <a:t>sysmalloc</a:t>
+            </a:r>
+            <a:r>
+              <a:rPr lang="en-US" dirty="0"/>
+              <a:t>: </a:t>
+            </a:r>
+          </a:p>
+          <a:p>
+            <a:r>
+              <a:rPr lang="en-US" dirty="0"/>
+              <a:t>	- Probably NEVER applicable unless you are doing some crazy things though.</a:t>
+            </a:r>
+          </a:p>
+          <a:p>
+            <a:r>
+              <a:rPr lang="en-US" dirty="0"/>
+              <a:t>	- https://</a:t>
+            </a:r>
+            <a:r>
+              <a:rPr lang="en-US" dirty="0" err="1"/>
+              <a:t>elixir.bootlin.com</a:t>
+            </a:r>
+            <a:r>
+              <a:rPr lang="en-US" dirty="0"/>
+              <a:t>/</a:t>
+            </a:r>
+            <a:r>
+              <a:rPr lang="en-US" dirty="0" err="1"/>
+              <a:t>glibc</a:t>
+            </a:r>
+            <a:r>
+              <a:rPr lang="en-US" dirty="0"/>
+              <a:t>/glibc-2.31/source/malloc/malloc.c#L2322</a:t>
+            </a:r>
+          </a:p>
+          <a:p>
             <a:endParaRPr lang="en-US" dirty="0"/>
           </a:p>
         </p:txBody>
@@ -17269,7 +17537,7 @@
           <a:p>
             <a:fld id="{AC55928C-CD14-454C-B617-1AFCF9A58596}" type="slidenum">
               <a:rPr lang="en-US" smtClean="0"/>
-              <a:t>24</a:t>
+              <a:t>11</a:t>
             </a:fld>
             <a:endParaRPr lang="en-US" dirty="0"/>
           </a:p>
@@ -17278,7 +17546,7 @@
     </p:spTree>
     <p:extLst>
       <p:ext uri="{BB962C8B-B14F-4D97-AF65-F5344CB8AC3E}">
-        <p14:creationId xmlns:p14="http://schemas.microsoft.com/office/powerpoint/2010/main" val="2229390188"/>
+        <p14:creationId xmlns:p14="http://schemas.microsoft.com/office/powerpoint/2010/main" val="3267628048"/>
       </p:ext>
     </p:extLst>
   </p:cSld>
@@ -17332,6 +17600,37 @@
           <a:bodyPr/>
           <a:lstStyle/>
           <a:p>
+            <a:pPr marL="171450" indent="-171450">
+              <a:buFontTx/>
+              <a:buChar char="-"/>
+            </a:pPr>
+            <a:r>
+              <a:rPr lang="en-US" dirty="0"/>
+              <a:t>block: The memory starting point to be </a:t>
+            </a:r>
+            <a:r>
+              <a:rPr lang="en-US" dirty="0" err="1"/>
+              <a:t>munmapped</a:t>
+            </a:r>
+            <a:endParaRPr lang="en-US" dirty="0"/>
+          </a:p>
+          <a:p>
+            <a:pPr marL="171450" indent="-171450">
+              <a:buFontTx/>
+              <a:buChar char="-"/>
+            </a:pPr>
+            <a:r>
+              <a:rPr lang="en-US" dirty="0" err="1"/>
+              <a:t>Total_size</a:t>
+            </a:r>
+            <a:r>
+              <a:rPr lang="en-US" dirty="0"/>
+              <a:t>: the amount of memory to </a:t>
+            </a:r>
+            <a:r>
+              <a:rPr lang="en-US" dirty="0" err="1"/>
+              <a:t>munmap</a:t>
+            </a:r>
             <a:endParaRPr lang="en-US" dirty="0"/>
           </a:p>
         </p:txBody>
@@ -17353,7 +17652,7 @@
           <a:p>
             <a:fld id="{AC55928C-CD14-454C-B617-1AFCF9A58596}" type="slidenum">
               <a:rPr lang="en-US" smtClean="0"/>
-              <a:t>41</a:t>
+              <a:t>12</a:t>
             </a:fld>
             <a:endParaRPr lang="en-US" dirty="0"/>
           </a:p>
@@ -17362,7 +17661,7 @@
     </p:spTree>
     <p:extLst>
       <p:ext uri="{BB962C8B-B14F-4D97-AF65-F5344CB8AC3E}">
-        <p14:creationId xmlns:p14="http://schemas.microsoft.com/office/powerpoint/2010/main" val="1687798469"/>
+        <p14:creationId xmlns:p14="http://schemas.microsoft.com/office/powerpoint/2010/main" val="3425456922"/>
       </p:ext>
     </p:extLst>
   </p:cSld>
@@ -17416,10 +17715,7 @@
           <a:bodyPr/>
           <a:lstStyle/>
           <a:p>
-            <a:r>
-              <a:rPr lang="en-US" dirty="0"/>
-              <a:t>My POC on the how2heap website of this technique</a:t>
-            </a:r>
+            <a:endParaRPr lang="en-US" dirty="0"/>
           </a:p>
         </p:txBody>
       </p:sp>
@@ -17440,7 +17736,7 @@
           <a:p>
             <a:fld id="{AC55928C-CD14-454C-B617-1AFCF9A58596}" type="slidenum">
               <a:rPr lang="en-US" smtClean="0"/>
-              <a:t>52</a:t>
+              <a:t>25</a:t>
             </a:fld>
             <a:endParaRPr lang="en-US" dirty="0"/>
           </a:p>
@@ -17449,7 +17745,7 @@
     </p:spTree>
     <p:extLst>
       <p:ext uri="{BB962C8B-B14F-4D97-AF65-F5344CB8AC3E}">
-        <p14:creationId xmlns:p14="http://schemas.microsoft.com/office/powerpoint/2010/main" val="4249073691"/>
+        <p14:creationId xmlns:p14="http://schemas.microsoft.com/office/powerpoint/2010/main" val="2229390188"/>
       </p:ext>
     </p:extLst>
   </p:cSld>
@@ -17503,7 +17799,27 @@
           <a:bodyPr/>
           <a:lstStyle/>
           <a:p>
-            <a:endParaRPr lang="en-US" dirty="0"/>
+            <a:pPr marL="0" marR="0" lvl="0" indent="0" algn="l" defTabSz="457200" rtl="0" eaLnBrk="1" fontAlgn="auto" latinLnBrk="0" hangingPunct="1">
+              <a:lnSpc>
+                <a:spcPct val="100000"/>
+              </a:lnSpc>
+              <a:spcBef>
+                <a:spcPts val="0"/>
+              </a:spcBef>
+              <a:spcAft>
+                <a:spcPts val="0"/>
+              </a:spcAft>
+              <a:buClrTx/>
+              <a:buSzTx/>
+              <a:buFontTx/>
+              <a:buNone/>
+              <a:tabLst/>
+              <a:defRPr/>
+            </a:pPr>
+            <a:r>
+              <a:rPr lang="en-US" dirty="0"/>
+              <a:t>Questions? </a:t>
+            </a:r>
           </a:p>
         </p:txBody>
       </p:sp>
@@ -17524,7 +17840,7 @@
           <a:p>
             <a:fld id="{AC55928C-CD14-454C-B617-1AFCF9A58596}" type="slidenum">
               <a:rPr lang="en-US" smtClean="0"/>
-              <a:t>61</a:t>
+              <a:t>31</a:t>
             </a:fld>
             <a:endParaRPr lang="en-US" dirty="0"/>
           </a:p>
@@ -17533,7 +17849,349 @@
     </p:spTree>
     <p:extLst>
       <p:ext uri="{BB962C8B-B14F-4D97-AF65-F5344CB8AC3E}">
-        <p14:creationId xmlns:p14="http://schemas.microsoft.com/office/powerpoint/2010/main" val="3039099997"/>
+        <p14:creationId xmlns:p14="http://schemas.microsoft.com/office/powerpoint/2010/main" val="273639318"/>
+      </p:ext>
+    </p:extLst>
+  </p:cSld>
+  <p:clrMapOvr>
+    <a:masterClrMapping/>
+  </p:clrMapOvr>
+</p:notes>
+</file>
+
+<file path=ppt/notesSlides/notesSlide6.xml><?xml version="1.0" encoding="utf-8"?>
+<p:notes xmlns:a="http://schemas.openxmlformats.org/drawingml/2006/main" xmlns:r="http://schemas.openxmlformats.org/officeDocument/2006/relationships" xmlns:p="http://schemas.openxmlformats.org/presentationml/2006/main">
+  <p:cSld>
+    <p:spTree>
+      <p:nvGrpSpPr>
+        <p:cNvPr id="1" name=""/>
+        <p:cNvGrpSpPr/>
+        <p:nvPr/>
+      </p:nvGrpSpPr>
+      <p:grpSpPr>
+        <a:xfrm>
+          <a:off x="0" y="0"/>
+          <a:ext cx="0" cy="0"/>
+          <a:chOff x="0" y="0"/>
+          <a:chExt cx="0" cy="0"/>
+        </a:xfrm>
+      </p:grpSpPr>
+      <p:sp>
+        <p:nvSpPr>
+          <p:cNvPr id="2" name="Slide Image Placeholder 1"/>
+          <p:cNvSpPr>
+            <a:spLocks noGrp="1" noRot="1" noChangeAspect="1"/>
+          </p:cNvSpPr>
+          <p:nvPr>
+            <p:ph type="sldImg"/>
+          </p:nvPr>
+        </p:nvSpPr>
+        <p:spPr/>
+      </p:sp>
+      <p:sp>
+        <p:nvSpPr>
+          <p:cNvPr id="3" name="Notes Placeholder 2"/>
+          <p:cNvSpPr>
+            <a:spLocks noGrp="1"/>
+          </p:cNvSpPr>
+          <p:nvPr>
+            <p:ph type="body" idx="1"/>
+          </p:nvPr>
+        </p:nvSpPr>
+        <p:spPr/>
+        <p:txBody>
+          <a:bodyPr/>
+          <a:lstStyle/>
+          <a:p>
+            <a:endParaRPr lang="en-US" dirty="0"/>
+          </a:p>
+        </p:txBody>
+      </p:sp>
+      <p:sp>
+        <p:nvSpPr>
+          <p:cNvPr id="4" name="Slide Number Placeholder 3"/>
+          <p:cNvSpPr>
+            <a:spLocks noGrp="1"/>
+          </p:cNvSpPr>
+          <p:nvPr>
+            <p:ph type="sldNum" sz="quarter" idx="5"/>
+          </p:nvPr>
+        </p:nvSpPr>
+        <p:spPr/>
+        <p:txBody>
+          <a:bodyPr/>
+          <a:lstStyle/>
+          <a:p>
+            <a:fld id="{AC55928C-CD14-454C-B617-1AFCF9A58596}" type="slidenum">
+              <a:rPr lang="en-US" smtClean="0"/>
+              <a:t>32</a:t>
+            </a:fld>
+            <a:endParaRPr lang="en-US" dirty="0"/>
+          </a:p>
+        </p:txBody>
+      </p:sp>
+    </p:spTree>
+    <p:extLst>
+      <p:ext uri="{BB962C8B-B14F-4D97-AF65-F5344CB8AC3E}">
+        <p14:creationId xmlns:p14="http://schemas.microsoft.com/office/powerpoint/2010/main" val="2501079493"/>
+      </p:ext>
+    </p:extLst>
+  </p:cSld>
+  <p:clrMapOvr>
+    <a:masterClrMapping/>
+  </p:clrMapOvr>
+</p:notes>
+</file>
+
+<file path=ppt/notesSlides/notesSlide7.xml><?xml version="1.0" encoding="utf-8"?>
+<p:notes xmlns:a="http://schemas.openxmlformats.org/drawingml/2006/main" xmlns:r="http://schemas.openxmlformats.org/officeDocument/2006/relationships" xmlns:p="http://schemas.openxmlformats.org/presentationml/2006/main">
+  <p:cSld>
+    <p:spTree>
+      <p:nvGrpSpPr>
+        <p:cNvPr id="1" name=""/>
+        <p:cNvGrpSpPr/>
+        <p:nvPr/>
+      </p:nvGrpSpPr>
+      <p:grpSpPr>
+        <a:xfrm>
+          <a:off x="0" y="0"/>
+          <a:ext cx="0" cy="0"/>
+          <a:chOff x="0" y="0"/>
+          <a:chExt cx="0" cy="0"/>
+        </a:xfrm>
+      </p:grpSpPr>
+      <p:sp>
+        <p:nvSpPr>
+          <p:cNvPr id="2" name="Slide Image Placeholder 1"/>
+          <p:cNvSpPr>
+            <a:spLocks noGrp="1" noRot="1" noChangeAspect="1"/>
+          </p:cNvSpPr>
+          <p:nvPr>
+            <p:ph type="sldImg"/>
+          </p:nvPr>
+        </p:nvSpPr>
+        <p:spPr/>
+      </p:sp>
+      <p:sp>
+        <p:nvSpPr>
+          <p:cNvPr id="3" name="Notes Placeholder 2"/>
+          <p:cNvSpPr>
+            <a:spLocks noGrp="1"/>
+          </p:cNvSpPr>
+          <p:nvPr>
+            <p:ph type="body" idx="1"/>
+          </p:nvPr>
+        </p:nvSpPr>
+        <p:spPr/>
+        <p:txBody>
+          <a:bodyPr/>
+          <a:lstStyle/>
+          <a:p>
+            <a:endParaRPr lang="en-US" dirty="0"/>
+          </a:p>
+        </p:txBody>
+      </p:sp>
+      <p:sp>
+        <p:nvSpPr>
+          <p:cNvPr id="4" name="Slide Number Placeholder 3"/>
+          <p:cNvSpPr>
+            <a:spLocks noGrp="1"/>
+          </p:cNvSpPr>
+          <p:nvPr>
+            <p:ph type="sldNum" sz="quarter" idx="5"/>
+          </p:nvPr>
+        </p:nvSpPr>
+        <p:spPr/>
+        <p:txBody>
+          <a:bodyPr/>
+          <a:lstStyle/>
+          <a:p>
+            <a:fld id="{AC55928C-CD14-454C-B617-1AFCF9A58596}" type="slidenum">
+              <a:rPr lang="en-US" smtClean="0"/>
+              <a:t>43</a:t>
+            </a:fld>
+            <a:endParaRPr lang="en-US" dirty="0"/>
+          </a:p>
+        </p:txBody>
+      </p:sp>
+    </p:spTree>
+    <p:extLst>
+      <p:ext uri="{BB962C8B-B14F-4D97-AF65-F5344CB8AC3E}">
+        <p14:creationId xmlns:p14="http://schemas.microsoft.com/office/powerpoint/2010/main" val="1687798469"/>
+      </p:ext>
+    </p:extLst>
+  </p:cSld>
+  <p:clrMapOvr>
+    <a:masterClrMapping/>
+  </p:clrMapOvr>
+</p:notes>
+</file>
+
+<file path=ppt/notesSlides/notesSlide8.xml><?xml version="1.0" encoding="utf-8"?>
+<p:notes xmlns:a="http://schemas.openxmlformats.org/drawingml/2006/main" xmlns:r="http://schemas.openxmlformats.org/officeDocument/2006/relationships" xmlns:p="http://schemas.openxmlformats.org/presentationml/2006/main">
+  <p:cSld>
+    <p:spTree>
+      <p:nvGrpSpPr>
+        <p:cNvPr id="1" name=""/>
+        <p:cNvGrpSpPr/>
+        <p:nvPr/>
+      </p:nvGrpSpPr>
+      <p:grpSpPr>
+        <a:xfrm>
+          <a:off x="0" y="0"/>
+          <a:ext cx="0" cy="0"/>
+          <a:chOff x="0" y="0"/>
+          <a:chExt cx="0" cy="0"/>
+        </a:xfrm>
+      </p:grpSpPr>
+      <p:sp>
+        <p:nvSpPr>
+          <p:cNvPr id="2" name="Slide Image Placeholder 1"/>
+          <p:cNvSpPr>
+            <a:spLocks noGrp="1" noRot="1" noChangeAspect="1"/>
+          </p:cNvSpPr>
+          <p:nvPr>
+            <p:ph type="sldImg"/>
+          </p:nvPr>
+        </p:nvSpPr>
+        <p:spPr/>
+      </p:sp>
+      <p:sp>
+        <p:nvSpPr>
+          <p:cNvPr id="3" name="Notes Placeholder 2"/>
+          <p:cNvSpPr>
+            <a:spLocks noGrp="1"/>
+          </p:cNvSpPr>
+          <p:nvPr>
+            <p:ph type="body" idx="1"/>
+          </p:nvPr>
+        </p:nvSpPr>
+        <p:spPr/>
+        <p:txBody>
+          <a:bodyPr/>
+          <a:lstStyle/>
+          <a:p>
+            <a:r>
+              <a:rPr lang="en-US" dirty="0"/>
+              <a:t>My POC on the how2heap website of this technique</a:t>
+            </a:r>
+          </a:p>
+        </p:txBody>
+      </p:sp>
+      <p:sp>
+        <p:nvSpPr>
+          <p:cNvPr id="4" name="Slide Number Placeholder 3"/>
+          <p:cNvSpPr>
+            <a:spLocks noGrp="1"/>
+          </p:cNvSpPr>
+          <p:nvPr>
+            <p:ph type="sldNum" sz="quarter" idx="5"/>
+          </p:nvPr>
+        </p:nvSpPr>
+        <p:spPr/>
+        <p:txBody>
+          <a:bodyPr/>
+          <a:lstStyle/>
+          <a:p>
+            <a:fld id="{AC55928C-CD14-454C-B617-1AFCF9A58596}" type="slidenum">
+              <a:rPr lang="en-US" smtClean="0"/>
+              <a:t>54</a:t>
+            </a:fld>
+            <a:endParaRPr lang="en-US" dirty="0"/>
+          </a:p>
+        </p:txBody>
+      </p:sp>
+    </p:spTree>
+    <p:extLst>
+      <p:ext uri="{BB962C8B-B14F-4D97-AF65-F5344CB8AC3E}">
+        <p14:creationId xmlns:p14="http://schemas.microsoft.com/office/powerpoint/2010/main" val="4249073691"/>
+      </p:ext>
+    </p:extLst>
+  </p:cSld>
+  <p:clrMapOvr>
+    <a:masterClrMapping/>
+  </p:clrMapOvr>
+</p:notes>
+</file>
+
+<file path=ppt/notesSlides/notesSlide9.xml><?xml version="1.0" encoding="utf-8"?>
+<p:notes xmlns:a="http://schemas.openxmlformats.org/drawingml/2006/main" xmlns:r="http://schemas.openxmlformats.org/officeDocument/2006/relationships" xmlns:p="http://schemas.openxmlformats.org/presentationml/2006/main">
+  <p:cSld>
+    <p:spTree>
+      <p:nvGrpSpPr>
+        <p:cNvPr id="1" name=""/>
+        <p:cNvGrpSpPr/>
+        <p:nvPr/>
+      </p:nvGrpSpPr>
+      <p:grpSpPr>
+        <a:xfrm>
+          <a:off x="0" y="0"/>
+          <a:ext cx="0" cy="0"/>
+          <a:chOff x="0" y="0"/>
+          <a:chExt cx="0" cy="0"/>
+        </a:xfrm>
+      </p:grpSpPr>
+      <p:sp>
+        <p:nvSpPr>
+          <p:cNvPr id="2" name="Slide Image Placeholder 1"/>
+          <p:cNvSpPr>
+            <a:spLocks noGrp="1" noRot="1" noChangeAspect="1"/>
+          </p:cNvSpPr>
+          <p:nvPr>
+            <p:ph type="sldImg"/>
+          </p:nvPr>
+        </p:nvSpPr>
+        <p:spPr/>
+      </p:sp>
+      <p:sp>
+        <p:nvSpPr>
+          <p:cNvPr id="3" name="Notes Placeholder 2"/>
+          <p:cNvSpPr>
+            <a:spLocks noGrp="1"/>
+          </p:cNvSpPr>
+          <p:nvPr>
+            <p:ph type="body" idx="1"/>
+          </p:nvPr>
+        </p:nvSpPr>
+        <p:spPr/>
+        <p:txBody>
+          <a:bodyPr/>
+          <a:lstStyle/>
+          <a:p>
+            <a:r>
+              <a:rPr lang="en-US" dirty="0"/>
+              <a:t>- Run ‘grab solution’ in order to get the solution C file to use. </a:t>
+            </a:r>
+          </a:p>
+        </p:txBody>
+      </p:sp>
+      <p:sp>
+        <p:nvSpPr>
+          <p:cNvPr id="4" name="Slide Number Placeholder 3"/>
+          <p:cNvSpPr>
+            <a:spLocks noGrp="1"/>
+          </p:cNvSpPr>
+          <p:nvPr>
+            <p:ph type="sldNum" sz="quarter" idx="5"/>
+          </p:nvPr>
+        </p:nvSpPr>
+        <p:spPr/>
+        <p:txBody>
+          <a:bodyPr/>
+          <a:lstStyle/>
+          <a:p>
+            <a:fld id="{AC55928C-CD14-454C-B617-1AFCF9A58596}" type="slidenum">
+              <a:rPr lang="en-US" smtClean="0"/>
+              <a:t>55</a:t>
+            </a:fld>
+            <a:endParaRPr lang="en-US" dirty="0"/>
+          </a:p>
+        </p:txBody>
+      </p:sp>
+    </p:spTree>
+    <p:extLst>
+      <p:ext uri="{BB962C8B-B14F-4D97-AF65-F5344CB8AC3E}">
+        <p14:creationId xmlns:p14="http://schemas.microsoft.com/office/powerpoint/2010/main" val="3040284417"/>
       </p:ext>
     </p:extLst>
   </p:cSld>
@@ -17746,7 +18404,7 @@
                 <a:latin typeface="Calibri"/>
               </a:rPr>
               <a:pPr/>
-              <a:t>9/26/21</a:t>
+              <a:t>7/7/22</a:t>
             </a:fld>
             <a:endParaRPr lang="en-US" dirty="0">
               <a:solidFill>
@@ -17999,7 +18657,7 @@
                 <a:latin typeface="Calibri"/>
               </a:rPr>
               <a:pPr/>
-              <a:t>9/26/21</a:t>
+              <a:t>7/7/22</a:t>
             </a:fld>
             <a:endParaRPr lang="en-US" dirty="0">
               <a:solidFill>
@@ -18214,7 +18872,7 @@
                 <a:latin typeface="Calibri"/>
               </a:rPr>
               <a:pPr/>
-              <a:t>9/26/21</a:t>
+              <a:t>7/7/22</a:t>
             </a:fld>
             <a:endParaRPr lang="en-US" dirty="0">
               <a:solidFill>
@@ -18498,7 +19156,7 @@
                 <a:latin typeface="Calibri"/>
               </a:rPr>
               <a:pPr/>
-              <a:t>9/26/21</a:t>
+              <a:t>7/7/22</a:t>
             </a:fld>
             <a:endParaRPr lang="en-US" dirty="0">
               <a:solidFill>
@@ -18840,7 +19498,7 @@
                 <a:latin typeface="Calibri"/>
               </a:rPr>
               <a:pPr/>
-              <a:t>9/26/21</a:t>
+              <a:t>7/7/22</a:t>
             </a:fld>
             <a:endParaRPr lang="en-US" dirty="0">
               <a:solidFill>
@@ -19168,7 +19826,7 @@
                 <a:latin typeface="Calibri"/>
               </a:rPr>
               <a:pPr/>
-              <a:t>9/26/21</a:t>
+              <a:t>7/7/22</a:t>
             </a:fld>
             <a:endParaRPr lang="en-US" dirty="0">
               <a:solidFill>
@@ -19657,7 +20315,7 @@
                 <a:latin typeface="Calibri"/>
               </a:rPr>
               <a:pPr/>
-              <a:t>9/26/21</a:t>
+              <a:t>7/7/22</a:t>
             </a:fld>
             <a:endParaRPr lang="en-US" dirty="0">
               <a:solidFill>
@@ -19840,7 +20498,7 @@
                 <a:latin typeface="Calibri"/>
               </a:rPr>
               <a:pPr/>
-              <a:t>9/26/21</a:t>
+              <a:t>7/7/22</a:t>
             </a:fld>
             <a:endParaRPr lang="en-US" dirty="0">
               <a:solidFill>
@@ -20086,7 +20744,7 @@
                 <a:latin typeface="Calibri"/>
               </a:rPr>
               <a:pPr/>
-              <a:t>9/26/21</a:t>
+              <a:t>7/7/22</a:t>
             </a:fld>
             <a:endParaRPr lang="en-US" dirty="0">
               <a:solidFill>
@@ -20428,7 +21086,7 @@
                 <a:latin typeface="Calibri"/>
               </a:rPr>
               <a:pPr/>
-              <a:t>9/26/21</a:t>
+              <a:t>7/7/22</a:t>
             </a:fld>
             <a:endParaRPr lang="en-US" dirty="0">
               <a:solidFill>
@@ -20720,7 +21378,7 @@
                 <a:latin typeface="Calibri"/>
               </a:rPr>
               <a:pPr/>
-              <a:t>9/26/21</a:t>
+              <a:t>7/7/22</a:t>
             </a:fld>
             <a:endParaRPr lang="en-US" dirty="0">
               <a:solidFill>
@@ -20970,7 +21628,7 @@
                 <a:latin typeface="Calibri"/>
               </a:rPr>
               <a:pPr defTabSz="914400"/>
-              <a:t>9/26/21</a:t>
+              <a:t>7/7/22</a:t>
             </a:fld>
             <a:endParaRPr lang="en-US" dirty="0">
               <a:solidFill>
@@ -21601,10 +22259,10 @@
       </p:sp>
       <p:pic>
         <p:nvPicPr>
-          <p:cNvPr id="7" name="Picture 6" descr="MMap Chunk">
+          <p:cNvPr id="6" name="Picture 5" descr="Table&#10;&#10;Description automatically generated">
             <a:extLst>
               <a:ext uri="{FF2B5EF4-FFF2-40B4-BE49-F238E27FC236}">
-                <a16:creationId xmlns:a16="http://schemas.microsoft.com/office/drawing/2014/main" id="{739784DC-B8E8-CD41-BEA3-957E8DFF8E7F}"/>
+                <a16:creationId xmlns:a16="http://schemas.microsoft.com/office/drawing/2014/main" id="{BF7BA150-6D61-8CB6-25F6-78D15B3A2D90}"/>
               </a:ext>
             </a:extLst>
           </p:cNvPr>
@@ -21613,20 +22271,20 @@
           </p:cNvPicPr>
           <p:nvPr/>
         </p:nvPicPr>
-        <p:blipFill>
+        <p:blipFill rotWithShape="1">
           <a:blip r:embed="rId2"/>
-          <a:stretch>
-            <a:fillRect/>
-          </a:stretch>
+          <a:srcRect b="48399"/>
+          <a:stretch/>
         </p:blipFill>
         <p:spPr>
           <a:xfrm>
-            <a:off x="6016084" y="1236540"/>
-            <a:ext cx="2713981" cy="1761707"/>
+            <a:off x="6503916" y="770933"/>
+            <a:ext cx="1963519" cy="1683999"/>
           </a:xfrm>
           <a:prstGeom prst="rect">
             <a:avLst/>
           </a:prstGeom>
+          <a:noFill/>
         </p:spPr>
       </p:pic>
       <p:cxnSp>
@@ -21645,7 +22303,7 @@
         </p:nvCxnSpPr>
         <p:spPr>
           <a:xfrm>
-            <a:off x="8132352" y="2688562"/>
+            <a:off x="7894752" y="2083762"/>
             <a:ext cx="285750" cy="0"/>
           </a:xfrm>
           <a:prstGeom prst="line">
@@ -21717,7 +22375,7 @@
           <p:nvPr/>
         </p:nvPicPr>
         <p:blipFill>
-          <a:blip r:embed="rId2"/>
+          <a:blip r:embed="rId3"/>
           <a:stretch>
             <a:fillRect/>
           </a:stretch>
@@ -21969,207 +22627,6 @@
           <p:cNvPr id="2" name="Title 1">
             <a:extLst>
               <a:ext uri="{FF2B5EF4-FFF2-40B4-BE49-F238E27FC236}">
-                <a16:creationId xmlns:a16="http://schemas.microsoft.com/office/drawing/2014/main" id="{AFAE832B-18DC-574D-B223-07BA3584FE44}"/>
-              </a:ext>
-            </a:extLst>
-          </p:cNvPr>
-          <p:cNvSpPr>
-            <a:spLocks noGrp="1"/>
-          </p:cNvSpPr>
-          <p:nvPr>
-            <p:ph type="title"/>
-          </p:nvPr>
-        </p:nvSpPr>
-        <p:spPr/>
-        <p:txBody>
-          <a:bodyPr/>
-          <a:lstStyle/>
-          <a:p>
-            <a:r>
-              <a:rPr lang="en-US" dirty="0" err="1"/>
-              <a:t>MMap</a:t>
-            </a:r>
-            <a:r>
-              <a:rPr lang="en-US" dirty="0"/>
-              <a:t> Chunks Size Allocations</a:t>
-            </a:r>
-          </a:p>
-        </p:txBody>
-      </p:sp>
-      <p:sp>
-        <p:nvSpPr>
-          <p:cNvPr id="3" name="Content Placeholder 2">
-            <a:extLst>
-              <a:ext uri="{FF2B5EF4-FFF2-40B4-BE49-F238E27FC236}">
-                <a16:creationId xmlns:a16="http://schemas.microsoft.com/office/drawing/2014/main" id="{33A8528B-4F75-7146-A55B-4C3517B8083B}"/>
-              </a:ext>
-            </a:extLst>
-          </p:cNvPr>
-          <p:cNvSpPr>
-            <a:spLocks noGrp="1"/>
-          </p:cNvSpPr>
-          <p:nvPr>
-            <p:ph idx="1"/>
-          </p:nvPr>
-        </p:nvSpPr>
-        <p:spPr>
-          <a:xfrm>
-            <a:off x="628649" y="1236540"/>
-            <a:ext cx="6365003" cy="3906957"/>
-          </a:xfrm>
-        </p:spPr>
-        <p:txBody>
-          <a:bodyPr/>
-          <a:lstStyle/>
-          <a:p>
-            <a:r>
-              <a:rPr lang="en-US" dirty="0"/>
-              <a:t>Allocations larger than </a:t>
-            </a:r>
-            <a:r>
-              <a:rPr lang="en-US" i="1" dirty="0" err="1"/>
-              <a:t>mmap_threshold</a:t>
-            </a:r>
-            <a:endParaRPr lang="en-US" i="1" dirty="0"/>
-          </a:p>
-          <a:p>
-            <a:pPr lvl="1"/>
-            <a:r>
-              <a:rPr lang="en-US" dirty="0"/>
-              <a:t>Starts at </a:t>
-            </a:r>
-            <a:r>
-              <a:rPr lang="en-US" i="1" dirty="0"/>
-              <a:t>﻿0x20000</a:t>
-            </a:r>
-          </a:p>
-          <a:p>
-            <a:r>
-              <a:rPr lang="en-US" dirty="0"/>
-              <a:t>If something </a:t>
-            </a:r>
-            <a:r>
-              <a:rPr lang="en-US" b="1" i="1" dirty="0"/>
-              <a:t>larger</a:t>
-            </a:r>
-            <a:r>
-              <a:rPr lang="en-US" dirty="0"/>
-              <a:t> than the </a:t>
-            </a:r>
-            <a:r>
-              <a:rPr lang="en-US" i="1" dirty="0" err="1"/>
-              <a:t>mmap_threshold</a:t>
-            </a:r>
-            <a:r>
-              <a:rPr lang="en-US" i="1" dirty="0"/>
-              <a:t> </a:t>
-            </a:r>
-            <a:r>
-              <a:rPr lang="en-US" dirty="0"/>
-              <a:t>is </a:t>
-            </a:r>
-            <a:r>
-              <a:rPr lang="en-US" b="1" i="1" dirty="0"/>
-              <a:t>freed</a:t>
-            </a:r>
-            <a:r>
-              <a:rPr lang="en-US" dirty="0"/>
-              <a:t>, this becomes the NEW </a:t>
-            </a:r>
-            <a:r>
-              <a:rPr lang="en-US" i="1" dirty="0" err="1"/>
-              <a:t>mmap_threshold</a:t>
-            </a:r>
-            <a:endParaRPr lang="en-US" dirty="0"/>
-          </a:p>
-          <a:p>
-            <a:r>
-              <a:rPr lang="en-US" dirty="0"/>
-              <a:t>Example: </a:t>
-            </a:r>
-          </a:p>
-          <a:p>
-            <a:pPr lvl="1"/>
-            <a:r>
-              <a:rPr lang="en-US" dirty="0" err="1"/>
-              <a:t>Mmap</a:t>
-            </a:r>
-            <a:r>
-              <a:rPr lang="en-US" dirty="0"/>
-              <a:t> chunk of size </a:t>
-            </a:r>
-            <a:r>
-              <a:rPr lang="en-US" i="1" dirty="0"/>
-              <a:t>0x30000 is freed</a:t>
-            </a:r>
-          </a:p>
-          <a:p>
-            <a:pPr lvl="1"/>
-            <a:r>
-              <a:rPr lang="en-US" dirty="0"/>
-              <a:t>0x30000 &gt; </a:t>
-            </a:r>
-            <a:r>
-              <a:rPr lang="en-US" i="1" dirty="0"/>
-              <a:t>0x20000</a:t>
-            </a:r>
-          </a:p>
-          <a:p>
-            <a:pPr lvl="1"/>
-            <a:r>
-              <a:rPr lang="en-US" i="1" dirty="0" err="1"/>
-              <a:t>Mmap_threshold</a:t>
-            </a:r>
-            <a:r>
-              <a:rPr lang="en-US" i="1" dirty="0"/>
-              <a:t> = 0x30000 </a:t>
-            </a:r>
-            <a:r>
-              <a:rPr lang="en-US" dirty="0"/>
-              <a:t>after free</a:t>
-            </a:r>
-          </a:p>
-          <a:p>
-            <a:pPr lvl="1"/>
-            <a:endParaRPr lang="en-US" dirty="0"/>
-          </a:p>
-        </p:txBody>
-      </p:sp>
-    </p:spTree>
-    <p:extLst>
-      <p:ext uri="{BB962C8B-B14F-4D97-AF65-F5344CB8AC3E}">
-        <p14:creationId xmlns:p14="http://schemas.microsoft.com/office/powerpoint/2010/main" val="2672533027"/>
-      </p:ext>
-    </p:extLst>
-  </p:cSld>
-  <p:clrMapOvr>
-    <a:masterClrMapping/>
-  </p:clrMapOvr>
-</p:sld>
-</file>
-
-<file path=ppt/slides/slide13.xml><?xml version="1.0" encoding="utf-8"?>
-<p:sld xmlns:a="http://schemas.openxmlformats.org/drawingml/2006/main" xmlns:r="http://schemas.openxmlformats.org/officeDocument/2006/relationships" xmlns:p="http://schemas.openxmlformats.org/presentationml/2006/main">
-  <p:cSld>
-    <p:spTree>
-      <p:nvGrpSpPr>
-        <p:cNvPr id="1" name=""/>
-        <p:cNvGrpSpPr/>
-        <p:nvPr/>
-      </p:nvGrpSpPr>
-      <p:grpSpPr>
-        <a:xfrm>
-          <a:off x="0" y="0"/>
-          <a:ext cx="0" cy="0"/>
-          <a:chOff x="0" y="0"/>
-          <a:chExt cx="0" cy="0"/>
-        </a:xfrm>
-      </p:grpSpPr>
-      <p:sp>
-        <p:nvSpPr>
-          <p:cNvPr id="2" name="Title 1">
-            <a:extLst>
-              <a:ext uri="{FF2B5EF4-FFF2-40B4-BE49-F238E27FC236}">
                 <a16:creationId xmlns:a16="http://schemas.microsoft.com/office/drawing/2014/main" id="{034B77E2-57E4-2147-9468-6F95107D2E65}"/>
               </a:ext>
             </a:extLst>
@@ -22216,7 +22673,7 @@
           <p:nvPr/>
         </p:nvPicPr>
         <p:blipFill>
-          <a:blip r:embed="rId2"/>
+          <a:blip r:embed="rId3"/>
           <a:stretch>
             <a:fillRect/>
           </a:stretch>
@@ -22246,7 +22703,7 @@
           <p:nvPr/>
         </p:nvPicPr>
         <p:blipFill>
-          <a:blip r:embed="rId3"/>
+          <a:blip r:embed="rId4"/>
           <a:stretch>
             <a:fillRect/>
           </a:stretch>
@@ -22356,7 +22813,339 @@
 </p:sld>
 </file>
 
+<file path=ppt/slides/slide13.xml><?xml version="1.0" encoding="utf-8"?>
+<p:sld xmlns:a="http://schemas.openxmlformats.org/drawingml/2006/main" xmlns:r="http://schemas.openxmlformats.org/officeDocument/2006/relationships" xmlns:p="http://schemas.openxmlformats.org/presentationml/2006/main">
+  <p:cSld>
+    <p:spTree>
+      <p:nvGrpSpPr>
+        <p:cNvPr id="1" name=""/>
+        <p:cNvGrpSpPr/>
+        <p:nvPr/>
+      </p:nvGrpSpPr>
+      <p:grpSpPr>
+        <a:xfrm>
+          <a:off x="0" y="0"/>
+          <a:ext cx="0" cy="0"/>
+          <a:chOff x="0" y="0"/>
+          <a:chExt cx="0" cy="0"/>
+        </a:xfrm>
+      </p:grpSpPr>
+      <p:sp>
+        <p:nvSpPr>
+          <p:cNvPr id="2" name="Title 1">
+            <a:extLst>
+              <a:ext uri="{FF2B5EF4-FFF2-40B4-BE49-F238E27FC236}">
+                <a16:creationId xmlns:a16="http://schemas.microsoft.com/office/drawing/2014/main" id="{AFAE832B-18DC-574D-B223-07BA3584FE44}"/>
+              </a:ext>
+            </a:extLst>
+          </p:cNvPr>
+          <p:cNvSpPr>
+            <a:spLocks noGrp="1"/>
+          </p:cNvSpPr>
+          <p:nvPr>
+            <p:ph type="title"/>
+          </p:nvPr>
+        </p:nvSpPr>
+        <p:spPr/>
+        <p:txBody>
+          <a:bodyPr/>
+          <a:lstStyle/>
+          <a:p>
+            <a:r>
+              <a:rPr lang="en-US" dirty="0" err="1"/>
+              <a:t>MMap</a:t>
+            </a:r>
+            <a:r>
+              <a:rPr lang="en-US" dirty="0"/>
+              <a:t> Chunks Size Allocations</a:t>
+            </a:r>
+          </a:p>
+        </p:txBody>
+      </p:sp>
+      <p:sp>
+        <p:nvSpPr>
+          <p:cNvPr id="3" name="Content Placeholder 2">
+            <a:extLst>
+              <a:ext uri="{FF2B5EF4-FFF2-40B4-BE49-F238E27FC236}">
+                <a16:creationId xmlns:a16="http://schemas.microsoft.com/office/drawing/2014/main" id="{33A8528B-4F75-7146-A55B-4C3517B8083B}"/>
+              </a:ext>
+            </a:extLst>
+          </p:cNvPr>
+          <p:cNvSpPr>
+            <a:spLocks noGrp="1"/>
+          </p:cNvSpPr>
+          <p:nvPr>
+            <p:ph idx="1"/>
+          </p:nvPr>
+        </p:nvSpPr>
+        <p:spPr>
+          <a:xfrm>
+            <a:off x="628649" y="1236540"/>
+            <a:ext cx="6365003" cy="3906957"/>
+          </a:xfrm>
+        </p:spPr>
+        <p:txBody>
+          <a:bodyPr/>
+          <a:lstStyle/>
+          <a:p>
+            <a:r>
+              <a:rPr lang="en-US" dirty="0"/>
+              <a:t>Allocations larger than </a:t>
+            </a:r>
+            <a:r>
+              <a:rPr lang="en-US" i="1" dirty="0" err="1"/>
+              <a:t>mmap_threshold</a:t>
+            </a:r>
+            <a:endParaRPr lang="en-US" i="1" dirty="0"/>
+          </a:p>
+          <a:p>
+            <a:pPr lvl="1"/>
+            <a:r>
+              <a:rPr lang="en-US" dirty="0"/>
+              <a:t>Starts at </a:t>
+            </a:r>
+            <a:r>
+              <a:rPr lang="en-US" i="1" dirty="0"/>
+              <a:t>﻿0x20000</a:t>
+            </a:r>
+          </a:p>
+          <a:p>
+            <a:r>
+              <a:rPr lang="en-US" dirty="0"/>
+              <a:t>If something </a:t>
+            </a:r>
+            <a:r>
+              <a:rPr lang="en-US" b="1" i="1" dirty="0"/>
+              <a:t>larger</a:t>
+            </a:r>
+            <a:r>
+              <a:rPr lang="en-US" dirty="0"/>
+              <a:t> than the </a:t>
+            </a:r>
+            <a:r>
+              <a:rPr lang="en-US" i="1" dirty="0" err="1"/>
+              <a:t>mmap_threshold</a:t>
+            </a:r>
+            <a:r>
+              <a:rPr lang="en-US" i="1" dirty="0"/>
+              <a:t> </a:t>
+            </a:r>
+            <a:r>
+              <a:rPr lang="en-US" dirty="0"/>
+              <a:t>is </a:t>
+            </a:r>
+            <a:r>
+              <a:rPr lang="en-US" b="1" i="1" dirty="0"/>
+              <a:t>freed</a:t>
+            </a:r>
+            <a:r>
+              <a:rPr lang="en-US" dirty="0"/>
+              <a:t>, this becomes the NEW </a:t>
+            </a:r>
+            <a:r>
+              <a:rPr lang="en-US" i="1" dirty="0" err="1"/>
+              <a:t>mmap_threshold</a:t>
+            </a:r>
+            <a:endParaRPr lang="en-US" dirty="0"/>
+          </a:p>
+          <a:p>
+            <a:r>
+              <a:rPr lang="en-US" dirty="0"/>
+              <a:t>Example: </a:t>
+            </a:r>
+          </a:p>
+          <a:p>
+            <a:pPr lvl="1"/>
+            <a:r>
+              <a:rPr lang="en-US" dirty="0" err="1"/>
+              <a:t>Mmap</a:t>
+            </a:r>
+            <a:r>
+              <a:rPr lang="en-US" dirty="0"/>
+              <a:t> chunk of size </a:t>
+            </a:r>
+            <a:r>
+              <a:rPr lang="en-US" i="1" dirty="0"/>
+              <a:t>0x30000 is freed</a:t>
+            </a:r>
+          </a:p>
+          <a:p>
+            <a:pPr lvl="1"/>
+            <a:r>
+              <a:rPr lang="en-US" dirty="0"/>
+              <a:t>0x30000 &gt; </a:t>
+            </a:r>
+            <a:r>
+              <a:rPr lang="en-US" i="1" dirty="0"/>
+              <a:t>0x20000</a:t>
+            </a:r>
+          </a:p>
+          <a:p>
+            <a:pPr lvl="1"/>
+            <a:r>
+              <a:rPr lang="en-US" i="1" dirty="0" err="1"/>
+              <a:t>Mmap_threshold</a:t>
+            </a:r>
+            <a:r>
+              <a:rPr lang="en-US" i="1" dirty="0"/>
+              <a:t> = 0x30000 </a:t>
+            </a:r>
+            <a:r>
+              <a:rPr lang="en-US" dirty="0"/>
+              <a:t>after free</a:t>
+            </a:r>
+          </a:p>
+          <a:p>
+            <a:pPr lvl="1"/>
+            <a:endParaRPr lang="en-US" dirty="0"/>
+          </a:p>
+        </p:txBody>
+      </p:sp>
+    </p:spTree>
+    <p:extLst>
+      <p:ext uri="{BB962C8B-B14F-4D97-AF65-F5344CB8AC3E}">
+        <p14:creationId xmlns:p14="http://schemas.microsoft.com/office/powerpoint/2010/main" val="2672533027"/>
+      </p:ext>
+    </p:extLst>
+  </p:cSld>
+  <p:clrMapOvr>
+    <a:masterClrMapping/>
+  </p:clrMapOvr>
+</p:sld>
+</file>
+
 <file path=ppt/slides/slide14.xml><?xml version="1.0" encoding="utf-8"?>
+<p:sld xmlns:a="http://schemas.openxmlformats.org/drawingml/2006/main" xmlns:r="http://schemas.openxmlformats.org/officeDocument/2006/relationships" xmlns:p="http://schemas.openxmlformats.org/presentationml/2006/main">
+  <p:cSld>
+    <p:spTree>
+      <p:nvGrpSpPr>
+        <p:cNvPr id="1" name=""/>
+        <p:cNvGrpSpPr/>
+        <p:nvPr/>
+      </p:nvGrpSpPr>
+      <p:grpSpPr>
+        <a:xfrm>
+          <a:off x="0" y="0"/>
+          <a:ext cx="0" cy="0"/>
+          <a:chOff x="0" y="0"/>
+          <a:chExt cx="0" cy="0"/>
+        </a:xfrm>
+      </p:grpSpPr>
+      <p:sp>
+        <p:nvSpPr>
+          <p:cNvPr id="1031" name="Title 1">
+            <a:extLst>
+              <a:ext uri="{FF2B5EF4-FFF2-40B4-BE49-F238E27FC236}">
+                <a16:creationId xmlns:a16="http://schemas.microsoft.com/office/drawing/2014/main" id="{F4092FE4-8CDB-7AB9-76A6-4427906697EA}"/>
+              </a:ext>
+            </a:extLst>
+          </p:cNvPr>
+          <p:cNvSpPr>
+            <a:spLocks noGrp="1"/>
+          </p:cNvSpPr>
+          <p:nvPr>
+            <p:ph type="title"/>
+          </p:nvPr>
+        </p:nvSpPr>
+        <p:spPr>
+          <a:xfrm>
+            <a:off x="629841" y="342900"/>
+            <a:ext cx="2949178" cy="1200150"/>
+          </a:xfrm>
+        </p:spPr>
+        <p:txBody>
+          <a:bodyPr/>
+          <a:lstStyle/>
+          <a:p>
+            <a:r>
+              <a:rPr lang="en-US" dirty="0"/>
+              <a:t>Why?</a:t>
+            </a:r>
+          </a:p>
+        </p:txBody>
+      </p:sp>
+      <p:pic>
+        <p:nvPicPr>
+          <p:cNvPr id="1026" name="Picture 2" descr="pay attention this stuff is important - Mafia Baby | Meme Generator">
+            <a:extLst>
+              <a:ext uri="{FF2B5EF4-FFF2-40B4-BE49-F238E27FC236}">
+                <a16:creationId xmlns:a16="http://schemas.microsoft.com/office/drawing/2014/main" id="{2758FE2D-2BDD-12C9-B70F-8A4247E51963}"/>
+              </a:ext>
+            </a:extLst>
+          </p:cNvPr>
+          <p:cNvPicPr>
+            <a:picLocks noChangeAspect="1" noChangeArrowheads="1"/>
+          </p:cNvPicPr>
+          <p:nvPr/>
+        </p:nvPicPr>
+        <p:blipFill rotWithShape="1">
+          <a:blip r:embed="rId2">
+            <a:extLst>
+              <a:ext uri="{28A0092B-C50C-407E-A947-70E740481C1C}">
+                <a14:useLocalDpi xmlns:a14="http://schemas.microsoft.com/office/drawing/2010/main" val="0"/>
+              </a:ext>
+            </a:extLst>
+          </a:blip>
+          <a:srcRect b="21039"/>
+          <a:stretch/>
+        </p:blipFill>
+        <p:spPr bwMode="auto">
+          <a:xfrm>
+            <a:off x="3887391" y="740572"/>
+            <a:ext cx="4629150" cy="3655219"/>
+          </a:xfrm>
+          <a:prstGeom prst="rect">
+            <a:avLst/>
+          </a:prstGeom>
+          <a:solidFill>
+            <a:srgbClr val="FFFFFF"/>
+          </a:solidFill>
+        </p:spPr>
+      </p:pic>
+      <p:sp>
+        <p:nvSpPr>
+          <p:cNvPr id="1033" name="Text Placeholder 3">
+            <a:extLst>
+              <a:ext uri="{FF2B5EF4-FFF2-40B4-BE49-F238E27FC236}">
+                <a16:creationId xmlns:a16="http://schemas.microsoft.com/office/drawing/2014/main" id="{EBE58540-3288-009D-D0AB-E78D091A4810}"/>
+              </a:ext>
+            </a:extLst>
+          </p:cNvPr>
+          <p:cNvSpPr>
+            <a:spLocks noGrp="1"/>
+          </p:cNvSpPr>
+          <p:nvPr>
+            <p:ph type="body" sz="half" idx="2"/>
+          </p:nvPr>
+        </p:nvSpPr>
+        <p:spPr>
+          <a:xfrm>
+            <a:off x="629841" y="1543052"/>
+            <a:ext cx="2949178" cy="2858691"/>
+          </a:xfrm>
+        </p:spPr>
+        <p:txBody>
+          <a:bodyPr/>
+          <a:lstStyle/>
+          <a:p>
+            <a:endParaRPr lang="en-US"/>
+          </a:p>
+        </p:txBody>
+      </p:sp>
+    </p:spTree>
+    <p:extLst>
+      <p:ext uri="{BB962C8B-B14F-4D97-AF65-F5344CB8AC3E}">
+        <p14:creationId xmlns:p14="http://schemas.microsoft.com/office/powerpoint/2010/main" val="2297509389"/>
+      </p:ext>
+    </p:extLst>
+  </p:cSld>
+  <p:clrMapOvr>
+    <a:masterClrMapping/>
+  </p:clrMapOvr>
+</p:sld>
+</file>
+
+<file path=ppt/slides/slide15.xml><?xml version="1.0" encoding="utf-8"?>
 <p:sld xmlns:a="http://schemas.openxmlformats.org/drawingml/2006/main" xmlns:r="http://schemas.openxmlformats.org/officeDocument/2006/relationships" xmlns:p="http://schemas.openxmlformats.org/presentationml/2006/main">
   <p:cSld>
     <p:spTree>
@@ -22495,7 +23284,7 @@
 </p:sld>
 </file>
 
-<file path=ppt/slides/slide15.xml><?xml version="1.0" encoding="utf-8"?>
+<file path=ppt/slides/slide16.xml><?xml version="1.0" encoding="utf-8"?>
 <p:sld xmlns:a="http://schemas.openxmlformats.org/drawingml/2006/main" xmlns:r="http://schemas.openxmlformats.org/officeDocument/2006/relationships" xmlns:p="http://schemas.openxmlformats.org/presentationml/2006/main">
   <p:cSld>
     <p:spTree>
@@ -22577,141 +23366,6 @@
     <p:extLst>
       <p:ext uri="{BB962C8B-B14F-4D97-AF65-F5344CB8AC3E}">
         <p14:creationId xmlns:p14="http://schemas.microsoft.com/office/powerpoint/2010/main" val="936933492"/>
-      </p:ext>
-    </p:extLst>
-  </p:cSld>
-  <p:clrMapOvr>
-    <a:masterClrMapping/>
-  </p:clrMapOvr>
-</p:sld>
-</file>
-
-<file path=ppt/slides/slide16.xml><?xml version="1.0" encoding="utf-8"?>
-<p:sld xmlns:a="http://schemas.openxmlformats.org/drawingml/2006/main" xmlns:r="http://schemas.openxmlformats.org/officeDocument/2006/relationships" xmlns:p="http://schemas.openxmlformats.org/presentationml/2006/main">
-  <p:cSld>
-    <p:spTree>
-      <p:nvGrpSpPr>
-        <p:cNvPr id="1" name=""/>
-        <p:cNvGrpSpPr/>
-        <p:nvPr/>
-      </p:nvGrpSpPr>
-      <p:grpSpPr>
-        <a:xfrm>
-          <a:off x="0" y="0"/>
-          <a:ext cx="0" cy="0"/>
-          <a:chOff x="0" y="0"/>
-          <a:chExt cx="0" cy="0"/>
-        </a:xfrm>
-      </p:grpSpPr>
-      <p:sp>
-        <p:nvSpPr>
-          <p:cNvPr id="2" name="Title 1">
-            <a:extLst>
-              <a:ext uri="{FF2B5EF4-FFF2-40B4-BE49-F238E27FC236}">
-                <a16:creationId xmlns:a16="http://schemas.microsoft.com/office/drawing/2014/main" id="{05CD4975-5B8A-C44E-A113-1CE454F6340C}"/>
-              </a:ext>
-            </a:extLst>
-          </p:cNvPr>
-          <p:cNvSpPr>
-            <a:spLocks noGrp="1"/>
-          </p:cNvSpPr>
-          <p:nvPr>
-            <p:ph type="title"/>
-          </p:nvPr>
-        </p:nvSpPr>
-        <p:spPr/>
-        <p:txBody>
-          <a:bodyPr/>
-          <a:lstStyle/>
-          <a:p>
-            <a:r>
-              <a:rPr lang="en-US" dirty="0"/>
-              <a:t>Attack Strategy Visual – 1 </a:t>
-            </a:r>
-          </a:p>
-        </p:txBody>
-      </p:sp>
-      <p:sp>
-        <p:nvSpPr>
-          <p:cNvPr id="4" name="Content Placeholder 3">
-            <a:extLst>
-              <a:ext uri="{FF2B5EF4-FFF2-40B4-BE49-F238E27FC236}">
-                <a16:creationId xmlns:a16="http://schemas.microsoft.com/office/drawing/2014/main" id="{C896892F-3793-C644-AEB7-304C9A9B9C91}"/>
-              </a:ext>
-            </a:extLst>
-          </p:cNvPr>
-          <p:cNvSpPr>
-            <a:spLocks noGrp="1"/>
-          </p:cNvSpPr>
-          <p:nvPr>
-            <p:ph sz="half" idx="2"/>
-          </p:nvPr>
-        </p:nvSpPr>
-        <p:spPr>
-          <a:xfrm>
-            <a:off x="628650" y="1508115"/>
-            <a:ext cx="3886200" cy="3263504"/>
-          </a:xfrm>
-        </p:spPr>
-        <p:txBody>
-          <a:bodyPr/>
-          <a:lstStyle/>
-          <a:p>
-            <a:r>
-              <a:rPr lang="en-US" dirty="0"/>
-              <a:t>Three chunks all in a row of the same size</a:t>
-            </a:r>
-          </a:p>
-          <a:p>
-            <a:r>
-              <a:rPr lang="en-US" dirty="0"/>
-              <a:t>What if we changed the </a:t>
-            </a:r>
-            <a:r>
-              <a:rPr lang="en-US" b="1" i="1" dirty="0"/>
-              <a:t>size </a:t>
-            </a:r>
-            <a:r>
-              <a:rPr lang="en-US" dirty="0"/>
-              <a:t>of one of the chunks? </a:t>
-            </a:r>
-            <a:endParaRPr lang="en-US" b="1" i="1" dirty="0"/>
-          </a:p>
-        </p:txBody>
-      </p:sp>
-      <p:pic>
-        <p:nvPicPr>
-          <p:cNvPr id="10" name="Content Placeholder 9" descr="Table&#10;&#10;Description automatically generated">
-            <a:extLst>
-              <a:ext uri="{FF2B5EF4-FFF2-40B4-BE49-F238E27FC236}">
-                <a16:creationId xmlns:a16="http://schemas.microsoft.com/office/drawing/2014/main" id="{EB1DF44C-8573-B047-932B-0096F0ABF5AE}"/>
-              </a:ext>
-            </a:extLst>
-          </p:cNvPr>
-          <p:cNvPicPr>
-            <a:picLocks noGrp="1" noChangeAspect="1"/>
-          </p:cNvPicPr>
-          <p:nvPr>
-            <p:ph sz="half" idx="1"/>
-          </p:nvPr>
-        </p:nvPicPr>
-        <p:blipFill>
-          <a:blip r:embed="rId2"/>
-          <a:stretch>
-            <a:fillRect/>
-          </a:stretch>
-        </p:blipFill>
-        <p:spPr>
-          <a:xfrm>
-            <a:off x="5605282" y="1145894"/>
-            <a:ext cx="2754156" cy="3442695"/>
-          </a:xfrm>
-        </p:spPr>
-      </p:pic>
-    </p:spTree>
-    <p:extLst>
-      <p:ext uri="{BB962C8B-B14F-4D97-AF65-F5344CB8AC3E}">
-        <p14:creationId xmlns:p14="http://schemas.microsoft.com/office/powerpoint/2010/main" val="109420014"/>
       </p:ext>
     </p:extLst>
   </p:cSld>
@@ -22761,6 +23415,141 @@
           <a:p>
             <a:r>
               <a:rPr lang="en-US" dirty="0"/>
+              <a:t>Attack Strategy Visual – 1 </a:t>
+            </a:r>
+          </a:p>
+        </p:txBody>
+      </p:sp>
+      <p:sp>
+        <p:nvSpPr>
+          <p:cNvPr id="4" name="Content Placeholder 3">
+            <a:extLst>
+              <a:ext uri="{FF2B5EF4-FFF2-40B4-BE49-F238E27FC236}">
+                <a16:creationId xmlns:a16="http://schemas.microsoft.com/office/drawing/2014/main" id="{C896892F-3793-C644-AEB7-304C9A9B9C91}"/>
+              </a:ext>
+            </a:extLst>
+          </p:cNvPr>
+          <p:cNvSpPr>
+            <a:spLocks noGrp="1"/>
+          </p:cNvSpPr>
+          <p:nvPr>
+            <p:ph sz="half" idx="2"/>
+          </p:nvPr>
+        </p:nvSpPr>
+        <p:spPr>
+          <a:xfrm>
+            <a:off x="628650" y="1508115"/>
+            <a:ext cx="3886200" cy="3263504"/>
+          </a:xfrm>
+        </p:spPr>
+        <p:txBody>
+          <a:bodyPr/>
+          <a:lstStyle/>
+          <a:p>
+            <a:r>
+              <a:rPr lang="en-US" dirty="0"/>
+              <a:t>Three chunks all in a row of the same size</a:t>
+            </a:r>
+          </a:p>
+          <a:p>
+            <a:r>
+              <a:rPr lang="en-US" dirty="0"/>
+              <a:t>What if we changed the </a:t>
+            </a:r>
+            <a:r>
+              <a:rPr lang="en-US" b="1" i="1" dirty="0"/>
+              <a:t>size </a:t>
+            </a:r>
+            <a:r>
+              <a:rPr lang="en-US" dirty="0"/>
+              <a:t>of one of the chunks? </a:t>
+            </a:r>
+            <a:endParaRPr lang="en-US" b="1" i="1" dirty="0"/>
+          </a:p>
+        </p:txBody>
+      </p:sp>
+      <p:pic>
+        <p:nvPicPr>
+          <p:cNvPr id="10" name="Content Placeholder 9" descr="Table&#10;&#10;Description automatically generated">
+            <a:extLst>
+              <a:ext uri="{FF2B5EF4-FFF2-40B4-BE49-F238E27FC236}">
+                <a16:creationId xmlns:a16="http://schemas.microsoft.com/office/drawing/2014/main" id="{EB1DF44C-8573-B047-932B-0096F0ABF5AE}"/>
+              </a:ext>
+            </a:extLst>
+          </p:cNvPr>
+          <p:cNvPicPr>
+            <a:picLocks noGrp="1" noChangeAspect="1"/>
+          </p:cNvPicPr>
+          <p:nvPr>
+            <p:ph sz="half" idx="1"/>
+          </p:nvPr>
+        </p:nvPicPr>
+        <p:blipFill>
+          <a:blip r:embed="rId2"/>
+          <a:stretch>
+            <a:fillRect/>
+          </a:stretch>
+        </p:blipFill>
+        <p:spPr>
+          <a:xfrm>
+            <a:off x="5605282" y="1145894"/>
+            <a:ext cx="2754156" cy="3442695"/>
+          </a:xfrm>
+        </p:spPr>
+      </p:pic>
+    </p:spTree>
+    <p:extLst>
+      <p:ext uri="{BB962C8B-B14F-4D97-AF65-F5344CB8AC3E}">
+        <p14:creationId xmlns:p14="http://schemas.microsoft.com/office/powerpoint/2010/main" val="109420014"/>
+      </p:ext>
+    </p:extLst>
+  </p:cSld>
+  <p:clrMapOvr>
+    <a:masterClrMapping/>
+  </p:clrMapOvr>
+</p:sld>
+</file>
+
+<file path=ppt/slides/slide18.xml><?xml version="1.0" encoding="utf-8"?>
+<p:sld xmlns:a="http://schemas.openxmlformats.org/drawingml/2006/main" xmlns:r="http://schemas.openxmlformats.org/officeDocument/2006/relationships" xmlns:p="http://schemas.openxmlformats.org/presentationml/2006/main">
+  <p:cSld>
+    <p:spTree>
+      <p:nvGrpSpPr>
+        <p:cNvPr id="1" name=""/>
+        <p:cNvGrpSpPr/>
+        <p:nvPr/>
+      </p:nvGrpSpPr>
+      <p:grpSpPr>
+        <a:xfrm>
+          <a:off x="0" y="0"/>
+          <a:ext cx="0" cy="0"/>
+          <a:chOff x="0" y="0"/>
+          <a:chExt cx="0" cy="0"/>
+        </a:xfrm>
+      </p:grpSpPr>
+      <p:sp>
+        <p:nvSpPr>
+          <p:cNvPr id="2" name="Title 1">
+            <a:extLst>
+              <a:ext uri="{FF2B5EF4-FFF2-40B4-BE49-F238E27FC236}">
+                <a16:creationId xmlns:a16="http://schemas.microsoft.com/office/drawing/2014/main" id="{05CD4975-5B8A-C44E-A113-1CE454F6340C}"/>
+              </a:ext>
+            </a:extLst>
+          </p:cNvPr>
+          <p:cNvSpPr>
+            <a:spLocks noGrp="1"/>
+          </p:cNvSpPr>
+          <p:nvPr>
+            <p:ph type="title"/>
+          </p:nvPr>
+        </p:nvSpPr>
+        <p:spPr/>
+        <p:txBody>
+          <a:bodyPr/>
+          <a:lstStyle/>
+          <a:p>
+            <a:r>
+              <a:rPr lang="en-US" dirty="0"/>
               <a:t>Attack Strategy Visual – 2 </a:t>
             </a:r>
           </a:p>
@@ -22851,7 +23640,7 @@
 </p:sld>
 </file>
 
-<file path=ppt/slides/slide18.xml><?xml version="1.0" encoding="utf-8"?>
+<file path=ppt/slides/slide19.xml><?xml version="1.0" encoding="utf-8"?>
 <p:sld xmlns:a="http://schemas.openxmlformats.org/drawingml/2006/main" xmlns:r="http://schemas.openxmlformats.org/officeDocument/2006/relationships" xmlns:p="http://schemas.openxmlformats.org/presentationml/2006/main">
   <p:cSld>
     <p:spTree>
@@ -22938,128 +23727,6 @@
     <p:extLst>
       <p:ext uri="{BB962C8B-B14F-4D97-AF65-F5344CB8AC3E}">
         <p14:creationId xmlns:p14="http://schemas.microsoft.com/office/powerpoint/2010/main" val="3440347450"/>
-      </p:ext>
-    </p:extLst>
-  </p:cSld>
-  <p:clrMapOvr>
-    <a:masterClrMapping/>
-  </p:clrMapOvr>
-</p:sld>
-</file>
-
-<file path=ppt/slides/slide19.xml><?xml version="1.0" encoding="utf-8"?>
-<p:sld xmlns:a="http://schemas.openxmlformats.org/drawingml/2006/main" xmlns:r="http://schemas.openxmlformats.org/officeDocument/2006/relationships" xmlns:p="http://schemas.openxmlformats.org/presentationml/2006/main">
-  <p:cSld>
-    <p:spTree>
-      <p:nvGrpSpPr>
-        <p:cNvPr id="1" name=""/>
-        <p:cNvGrpSpPr/>
-        <p:nvPr/>
-      </p:nvGrpSpPr>
-      <p:grpSpPr>
-        <a:xfrm>
-          <a:off x="0" y="0"/>
-          <a:ext cx="0" cy="0"/>
-          <a:chOff x="0" y="0"/>
-          <a:chExt cx="0" cy="0"/>
-        </a:xfrm>
-      </p:grpSpPr>
-      <p:sp>
-        <p:nvSpPr>
-          <p:cNvPr id="2" name="Title 1">
-            <a:extLst>
-              <a:ext uri="{FF2B5EF4-FFF2-40B4-BE49-F238E27FC236}">
-                <a16:creationId xmlns:a16="http://schemas.microsoft.com/office/drawing/2014/main" id="{592F1D3B-C17F-2F4E-8A51-08F3B1964958}"/>
-              </a:ext>
-            </a:extLst>
-          </p:cNvPr>
-          <p:cNvSpPr>
-            <a:spLocks noGrp="1"/>
-          </p:cNvSpPr>
-          <p:nvPr>
-            <p:ph type="title"/>
-          </p:nvPr>
-        </p:nvSpPr>
-        <p:spPr/>
-        <p:txBody>
-          <a:bodyPr/>
-          <a:lstStyle/>
-          <a:p>
-            <a:r>
-              <a:rPr lang="en-US" dirty="0"/>
-              <a:t>Corrupting the Size Diagram – 1 </a:t>
-            </a:r>
-          </a:p>
-        </p:txBody>
-      </p:sp>
-      <p:pic>
-        <p:nvPicPr>
-          <p:cNvPr id="5" name="Content Placeholder 4" descr="Overlapping chunks with sizes setup">
-            <a:extLst>
-              <a:ext uri="{FF2B5EF4-FFF2-40B4-BE49-F238E27FC236}">
-                <a16:creationId xmlns:a16="http://schemas.microsoft.com/office/drawing/2014/main" id="{FF472652-C7BD-0C49-A95C-9E6240D3BB41}"/>
-              </a:ext>
-            </a:extLst>
-          </p:cNvPr>
-          <p:cNvPicPr>
-            <a:picLocks noGrp="1" noChangeAspect="1"/>
-          </p:cNvPicPr>
-          <p:nvPr>
-            <p:ph idx="1"/>
-          </p:nvPr>
-        </p:nvPicPr>
-        <p:blipFill>
-          <a:blip r:embed="rId2"/>
-          <a:stretch>
-            <a:fillRect/>
-          </a:stretch>
-        </p:blipFill>
-        <p:spPr>
-          <a:xfrm>
-            <a:off x="2076449" y="1516283"/>
-            <a:ext cx="5308693" cy="2982980"/>
-          </a:xfrm>
-        </p:spPr>
-      </p:pic>
-      <p:sp>
-        <p:nvSpPr>
-          <p:cNvPr id="3" name="TextBox 2">
-            <a:extLst>
-              <a:ext uri="{FF2B5EF4-FFF2-40B4-BE49-F238E27FC236}">
-                <a16:creationId xmlns:a16="http://schemas.microsoft.com/office/drawing/2014/main" id="{89B657B8-5A67-344F-A07B-DDF8843C2CD0}"/>
-              </a:ext>
-            </a:extLst>
-          </p:cNvPr>
-          <p:cNvSpPr txBox="1"/>
-          <p:nvPr/>
-        </p:nvSpPr>
-        <p:spPr>
-          <a:xfrm>
-            <a:off x="2288047" y="1083353"/>
-            <a:ext cx="568510" cy="369332"/>
-          </a:xfrm>
-          <a:prstGeom prst="rect">
-            <a:avLst/>
-          </a:prstGeom>
-          <a:noFill/>
-        </p:spPr>
-        <p:txBody>
-          <a:bodyPr wrap="square" rtlCol="0">
-            <a:spAutoFit/>
-          </a:bodyPr>
-          <a:lstStyle/>
-          <a:p>
-            <a:r>
-              <a:rPr lang="en-US" dirty="0"/>
-              <a:t>Size</a:t>
-            </a:r>
-          </a:p>
-        </p:txBody>
-      </p:sp>
-    </p:spTree>
-    <p:extLst>
-      <p:ext uri="{BB962C8B-B14F-4D97-AF65-F5344CB8AC3E}">
-        <p14:creationId xmlns:p14="http://schemas.microsoft.com/office/powerpoint/2010/main" val="2913737178"/>
       </p:ext>
     </p:extLst>
   </p:cSld>
@@ -23239,6 +23906,128 @@
 </file>
 
 <file path=ppt/slides/slide20.xml><?xml version="1.0" encoding="utf-8"?>
+<p:sld xmlns:a="http://schemas.openxmlformats.org/drawingml/2006/main" xmlns:r="http://schemas.openxmlformats.org/officeDocument/2006/relationships" xmlns:p="http://schemas.openxmlformats.org/presentationml/2006/main">
+  <p:cSld>
+    <p:spTree>
+      <p:nvGrpSpPr>
+        <p:cNvPr id="1" name=""/>
+        <p:cNvGrpSpPr/>
+        <p:nvPr/>
+      </p:nvGrpSpPr>
+      <p:grpSpPr>
+        <a:xfrm>
+          <a:off x="0" y="0"/>
+          <a:ext cx="0" cy="0"/>
+          <a:chOff x="0" y="0"/>
+          <a:chExt cx="0" cy="0"/>
+        </a:xfrm>
+      </p:grpSpPr>
+      <p:sp>
+        <p:nvSpPr>
+          <p:cNvPr id="2" name="Title 1">
+            <a:extLst>
+              <a:ext uri="{FF2B5EF4-FFF2-40B4-BE49-F238E27FC236}">
+                <a16:creationId xmlns:a16="http://schemas.microsoft.com/office/drawing/2014/main" id="{592F1D3B-C17F-2F4E-8A51-08F3B1964958}"/>
+              </a:ext>
+            </a:extLst>
+          </p:cNvPr>
+          <p:cNvSpPr>
+            <a:spLocks noGrp="1"/>
+          </p:cNvSpPr>
+          <p:nvPr>
+            <p:ph type="title"/>
+          </p:nvPr>
+        </p:nvSpPr>
+        <p:spPr/>
+        <p:txBody>
+          <a:bodyPr/>
+          <a:lstStyle/>
+          <a:p>
+            <a:r>
+              <a:rPr lang="en-US" dirty="0"/>
+              <a:t>Corrupting the Size Diagram – 1 </a:t>
+            </a:r>
+          </a:p>
+        </p:txBody>
+      </p:sp>
+      <p:pic>
+        <p:nvPicPr>
+          <p:cNvPr id="5" name="Content Placeholder 4" descr="Overlapping chunks with sizes setup">
+            <a:extLst>
+              <a:ext uri="{FF2B5EF4-FFF2-40B4-BE49-F238E27FC236}">
+                <a16:creationId xmlns:a16="http://schemas.microsoft.com/office/drawing/2014/main" id="{FF472652-C7BD-0C49-A95C-9E6240D3BB41}"/>
+              </a:ext>
+            </a:extLst>
+          </p:cNvPr>
+          <p:cNvPicPr>
+            <a:picLocks noGrp="1" noChangeAspect="1"/>
+          </p:cNvPicPr>
+          <p:nvPr>
+            <p:ph idx="1"/>
+          </p:nvPr>
+        </p:nvPicPr>
+        <p:blipFill>
+          <a:blip r:embed="rId2"/>
+          <a:stretch>
+            <a:fillRect/>
+          </a:stretch>
+        </p:blipFill>
+        <p:spPr>
+          <a:xfrm>
+            <a:off x="2076449" y="1516283"/>
+            <a:ext cx="5308693" cy="2982980"/>
+          </a:xfrm>
+        </p:spPr>
+      </p:pic>
+      <p:sp>
+        <p:nvSpPr>
+          <p:cNvPr id="3" name="TextBox 2">
+            <a:extLst>
+              <a:ext uri="{FF2B5EF4-FFF2-40B4-BE49-F238E27FC236}">
+                <a16:creationId xmlns:a16="http://schemas.microsoft.com/office/drawing/2014/main" id="{89B657B8-5A67-344F-A07B-DDF8843C2CD0}"/>
+              </a:ext>
+            </a:extLst>
+          </p:cNvPr>
+          <p:cNvSpPr txBox="1"/>
+          <p:nvPr/>
+        </p:nvSpPr>
+        <p:spPr>
+          <a:xfrm>
+            <a:off x="2288047" y="1083353"/>
+            <a:ext cx="568510" cy="369332"/>
+          </a:xfrm>
+          <a:prstGeom prst="rect">
+            <a:avLst/>
+          </a:prstGeom>
+          <a:noFill/>
+        </p:spPr>
+        <p:txBody>
+          <a:bodyPr wrap="square" rtlCol="0">
+            <a:spAutoFit/>
+          </a:bodyPr>
+          <a:lstStyle/>
+          <a:p>
+            <a:r>
+              <a:rPr lang="en-US" dirty="0"/>
+              <a:t>Size</a:t>
+            </a:r>
+          </a:p>
+        </p:txBody>
+      </p:sp>
+    </p:spTree>
+    <p:extLst>
+      <p:ext uri="{BB962C8B-B14F-4D97-AF65-F5344CB8AC3E}">
+        <p14:creationId xmlns:p14="http://schemas.microsoft.com/office/powerpoint/2010/main" val="2913737178"/>
+      </p:ext>
+    </p:extLst>
+  </p:cSld>
+  <p:clrMapOvr>
+    <a:masterClrMapping/>
+  </p:clrMapOvr>
+</p:sld>
+</file>
+
+<file path=ppt/slides/slide21.xml><?xml version="1.0" encoding="utf-8"?>
 <p:sld xmlns:a="http://schemas.openxmlformats.org/drawingml/2006/main" xmlns:r="http://schemas.openxmlformats.org/officeDocument/2006/relationships" xmlns:p="http://schemas.openxmlformats.org/presentationml/2006/main">
   <p:cSld>
     <p:spTree>
@@ -23369,7 +24158,7 @@
 </p:sld>
 </file>
 
-<file path=ppt/slides/slide21.xml><?xml version="1.0" encoding="utf-8"?>
+<file path=ppt/slides/slide22.xml><?xml version="1.0" encoding="utf-8"?>
 <p:sld xmlns:a="http://schemas.openxmlformats.org/drawingml/2006/main" xmlns:r="http://schemas.openxmlformats.org/officeDocument/2006/relationships" xmlns:p="http://schemas.openxmlformats.org/presentationml/2006/main">
   <p:cSld>
     <p:spTree>
@@ -23580,7 +24369,7 @@
 </p:sld>
 </file>
 
-<file path=ppt/slides/slide22.xml><?xml version="1.0" encoding="utf-8"?>
+<file path=ppt/slides/slide23.xml><?xml version="1.0" encoding="utf-8"?>
 <p:sld xmlns:a="http://schemas.openxmlformats.org/drawingml/2006/main" xmlns:r="http://schemas.openxmlformats.org/officeDocument/2006/relationships" xmlns:p="http://schemas.openxmlformats.org/presentationml/2006/main">
   <p:cSld>
     <p:spTree>
@@ -23808,7 +24597,7 @@
 </p:sld>
 </file>
 
-<file path=ppt/slides/slide23.xml><?xml version="1.0" encoding="utf-8"?>
+<file path=ppt/slides/slide24.xml><?xml version="1.0" encoding="utf-8"?>
 <p:sld xmlns:a="http://schemas.openxmlformats.org/drawingml/2006/main" xmlns:r="http://schemas.openxmlformats.org/officeDocument/2006/relationships" xmlns:p="http://schemas.openxmlformats.org/presentationml/2006/main">
   <p:cSld>
     <p:spTree>
@@ -23968,7 +24757,7 @@
 </p:sld>
 </file>
 
-<file path=ppt/slides/slide24.xml><?xml version="1.0" encoding="utf-8"?>
+<file path=ppt/slides/slide25.xml><?xml version="1.0" encoding="utf-8"?>
 <p:sld xmlns:a="http://schemas.openxmlformats.org/drawingml/2006/main" xmlns:r="http://schemas.openxmlformats.org/officeDocument/2006/relationships" xmlns:p="http://schemas.openxmlformats.org/presentationml/2006/main">
   <p:cSld>
     <p:spTree>
@@ -24015,7 +24804,7 @@
           <a:p>
             <a:r>
               <a:rPr lang="en-US" dirty="0"/>
-              <a:t>Exploiting with UAF – Free the Chunk</a:t>
+              <a:t>Exploiting with Overlap – Free the Chunk</a:t>
             </a:r>
           </a:p>
         </p:txBody>
@@ -24308,7 +25097,7 @@
 </p:sld>
 </file>
 
-<file path=ppt/slides/slide25.xml><?xml version="1.0" encoding="utf-8"?>
+<file path=ppt/slides/slide26.xml><?xml version="1.0" encoding="utf-8"?>
 <p:sld xmlns:a="http://schemas.openxmlformats.org/drawingml/2006/main" xmlns:r="http://schemas.openxmlformats.org/officeDocument/2006/relationships" xmlns:p="http://schemas.openxmlformats.org/presentationml/2006/main">
   <p:cSld>
     <p:spTree>
@@ -24469,7 +25258,7 @@
 </p:sld>
 </file>
 
-<file path=ppt/slides/slide26.xml><?xml version="1.0" encoding="utf-8"?>
+<file path=ppt/slides/slide27.xml><?xml version="1.0" encoding="utf-8"?>
 <p:sld xmlns:a="http://schemas.openxmlformats.org/drawingml/2006/main" xmlns:r="http://schemas.openxmlformats.org/officeDocument/2006/relationships" xmlns:p="http://schemas.openxmlformats.org/presentationml/2006/main">
   <p:cSld>
     <p:spTree>
@@ -24596,7 +25385,7 @@
             </a:r>
             <a:r>
               <a:rPr lang="en-US" dirty="0"/>
-              <a:t>of chunk 1 to overlap with chunk 2</a:t>
+              <a:t>of chunk 2 to overlap with chunk 1</a:t>
             </a:r>
             <a:endParaRPr lang="en-US" b="1" i="1" dirty="0"/>
           </a:p>
@@ -24615,7 +25404,7 @@
 </p:sld>
 </file>
 
-<file path=ppt/slides/slide27.xml><?xml version="1.0" encoding="utf-8"?>
+<file path=ppt/slides/slide28.xml><?xml version="1.0" encoding="utf-8"?>
 <p:sld xmlns:a="http://schemas.openxmlformats.org/drawingml/2006/main" xmlns:r="http://schemas.openxmlformats.org/officeDocument/2006/relationships" xmlns:p="http://schemas.openxmlformats.org/presentationml/2006/main">
   <p:cSld>
     <p:spTree>
@@ -24838,7 +25627,7 @@
 </p:sld>
 </file>
 
-<file path=ppt/slides/slide28.xml><?xml version="1.0" encoding="utf-8"?>
+<file path=ppt/slides/slide29.xml><?xml version="1.0" encoding="utf-8"?>
 <p:sld xmlns:a="http://schemas.openxmlformats.org/drawingml/2006/main" xmlns:r="http://schemas.openxmlformats.org/officeDocument/2006/relationships" xmlns:p="http://schemas.openxmlformats.org/presentationml/2006/main">
   <p:cSld>
     <p:spTree>
@@ -24992,102 +25781,6 @@
 </p:sld>
 </file>
 
-<file path=ppt/slides/slide29.xml><?xml version="1.0" encoding="utf-8"?>
-<p:sld xmlns:a="http://schemas.openxmlformats.org/drawingml/2006/main" xmlns:r="http://schemas.openxmlformats.org/officeDocument/2006/relationships" xmlns:p="http://schemas.openxmlformats.org/presentationml/2006/main">
-  <p:cSld>
-    <p:spTree>
-      <p:nvGrpSpPr>
-        <p:cNvPr id="1" name=""/>
-        <p:cNvGrpSpPr/>
-        <p:nvPr/>
-      </p:nvGrpSpPr>
-      <p:grpSpPr>
-        <a:xfrm>
-          <a:off x="0" y="0"/>
-          <a:ext cx="0" cy="0"/>
-          <a:chOff x="0" y="0"/>
-          <a:chExt cx="0" cy="0"/>
-        </a:xfrm>
-      </p:grpSpPr>
-      <p:sp>
-        <p:nvSpPr>
-          <p:cNvPr id="2" name="Title 1">
-            <a:extLst>
-              <a:ext uri="{FF2B5EF4-FFF2-40B4-BE49-F238E27FC236}">
-                <a16:creationId xmlns:a16="http://schemas.microsoft.com/office/drawing/2014/main" id="{072B7E0D-8875-7149-BFFA-C51D2F290747}"/>
-              </a:ext>
-            </a:extLst>
-          </p:cNvPr>
-          <p:cNvSpPr>
-            <a:spLocks noGrp="1"/>
-          </p:cNvSpPr>
-          <p:nvPr>
-            <p:ph type="title"/>
-          </p:nvPr>
-        </p:nvSpPr>
-        <p:spPr>
-          <a:xfrm>
-            <a:off x="628650" y="273847"/>
-            <a:ext cx="7886700" cy="994172"/>
-          </a:xfrm>
-        </p:spPr>
-        <p:txBody>
-          <a:bodyPr anchor="ctr">
-            <a:normAutofit/>
-          </a:bodyPr>
-          <a:lstStyle/>
-          <a:p>
-            <a:r>
-              <a:rPr lang="en-US" dirty="0"/>
-              <a:t>Requirements</a:t>
-            </a:r>
-          </a:p>
-        </p:txBody>
-      </p:sp>
-      <p:graphicFrame>
-        <p:nvGraphicFramePr>
-          <p:cNvPr id="5" name="Content Placeholder 2">
-            <a:extLst>
-              <a:ext uri="{FF2B5EF4-FFF2-40B4-BE49-F238E27FC236}">
-                <a16:creationId xmlns:a16="http://schemas.microsoft.com/office/drawing/2014/main" id="{ACAD642B-6B24-4C2A-A60E-A830A841292E}"/>
-              </a:ext>
-            </a:extLst>
-          </p:cNvPr>
-          <p:cNvGraphicFramePr>
-            <a:graphicFrameLocks noGrp="1"/>
-          </p:cNvGraphicFramePr>
-          <p:nvPr>
-            <p:ph idx="1"/>
-            <p:extLst>
-              <p:ext uri="{D42A27DB-BD31-4B8C-83A1-F6EECF244321}">
-                <p14:modId xmlns:p14="http://schemas.microsoft.com/office/powerpoint/2010/main" val="1721008379"/>
-              </p:ext>
-            </p:extLst>
-          </p:nvPr>
-        </p:nvGraphicFramePr>
-        <p:xfrm>
-          <a:off x="628650" y="1236541"/>
-          <a:ext cx="7886700" cy="3263504"/>
-        </p:xfrm>
-        <a:graphic>
-          <a:graphicData uri="http://schemas.openxmlformats.org/drawingml/2006/diagram">
-            <dgm:relIds xmlns:dgm="http://schemas.openxmlformats.org/drawingml/2006/diagram" xmlns:r="http://schemas.openxmlformats.org/officeDocument/2006/relationships" r:dm="rId2" r:lo="rId3" r:qs="rId4" r:cs="rId5"/>
-          </a:graphicData>
-        </a:graphic>
-      </p:graphicFrame>
-    </p:spTree>
-    <p:extLst>
-      <p:ext uri="{BB962C8B-B14F-4D97-AF65-F5344CB8AC3E}">
-        <p14:creationId xmlns:p14="http://schemas.microsoft.com/office/powerpoint/2010/main" val="579033599"/>
-      </p:ext>
-    </p:extLst>
-  </p:cSld>
-  <p:clrMapOvr>
-    <a:masterClrMapping/>
-  </p:clrMapOvr>
-</p:sld>
-</file>
-
 <file path=ppt/slides/slide3.xml><?xml version="1.0" encoding="utf-8"?>
 <p:sld xmlns:a="http://schemas.openxmlformats.org/drawingml/2006/main" xmlns:r="http://schemas.openxmlformats.org/officeDocument/2006/relationships" xmlns:p="http://schemas.openxmlformats.org/presentationml/2006/main">
   <p:cSld>
@@ -25183,34 +25876,6 @@
               <a:rPr lang="en-US" dirty="0"/>
               <a:t>Room for extra data in these free bits</a:t>
             </a:r>
-          </a:p>
-          <a:p>
-            <a:r>
-              <a:rPr lang="en-US" dirty="0"/>
-              <a:t>What is this data?</a:t>
-            </a:r>
-          </a:p>
-          <a:p>
-            <a:pPr lvl="1"/>
-            <a:r>
-              <a:rPr lang="en-US" dirty="0"/>
-              <a:t>For now, only focus on </a:t>
-            </a:r>
-            <a:r>
-              <a:rPr lang="en-US" b="1" dirty="0"/>
-              <a:t>p</a:t>
-            </a:r>
-          </a:p>
-          <a:p>
-            <a:pPr lvl="1"/>
-            <a:r>
-              <a:rPr lang="en-US" b="1" dirty="0"/>
-              <a:t>n &amp; m (will touch on later) – usually set to 0</a:t>
-            </a:r>
-          </a:p>
-          <a:p>
-            <a:pPr lvl="1"/>
-            <a:endParaRPr lang="en-US" dirty="0"/>
           </a:p>
           <a:p>
             <a:pPr lvl="1"/>
@@ -25325,6 +25990,102 @@
           <p:cNvPr id="2" name="Title 1">
             <a:extLst>
               <a:ext uri="{FF2B5EF4-FFF2-40B4-BE49-F238E27FC236}">
+                <a16:creationId xmlns:a16="http://schemas.microsoft.com/office/drawing/2014/main" id="{072B7E0D-8875-7149-BFFA-C51D2F290747}"/>
+              </a:ext>
+            </a:extLst>
+          </p:cNvPr>
+          <p:cNvSpPr>
+            <a:spLocks noGrp="1"/>
+          </p:cNvSpPr>
+          <p:nvPr>
+            <p:ph type="title"/>
+          </p:nvPr>
+        </p:nvSpPr>
+        <p:spPr>
+          <a:xfrm>
+            <a:off x="628650" y="273847"/>
+            <a:ext cx="7886700" cy="994172"/>
+          </a:xfrm>
+        </p:spPr>
+        <p:txBody>
+          <a:bodyPr anchor="ctr">
+            <a:normAutofit/>
+          </a:bodyPr>
+          <a:lstStyle/>
+          <a:p>
+            <a:r>
+              <a:rPr lang="en-US" dirty="0"/>
+              <a:t>Requirements</a:t>
+            </a:r>
+          </a:p>
+        </p:txBody>
+      </p:sp>
+      <p:graphicFrame>
+        <p:nvGraphicFramePr>
+          <p:cNvPr id="5" name="Content Placeholder 2">
+            <a:extLst>
+              <a:ext uri="{FF2B5EF4-FFF2-40B4-BE49-F238E27FC236}">
+                <a16:creationId xmlns:a16="http://schemas.microsoft.com/office/drawing/2014/main" id="{ACAD642B-6B24-4C2A-A60E-A830A841292E}"/>
+              </a:ext>
+            </a:extLst>
+          </p:cNvPr>
+          <p:cNvGraphicFramePr>
+            <a:graphicFrameLocks noGrp="1"/>
+          </p:cNvGraphicFramePr>
+          <p:nvPr>
+            <p:ph idx="1"/>
+            <p:extLst>
+              <p:ext uri="{D42A27DB-BD31-4B8C-83A1-F6EECF244321}">
+                <p14:modId xmlns:p14="http://schemas.microsoft.com/office/powerpoint/2010/main" val="1721008379"/>
+              </p:ext>
+            </p:extLst>
+          </p:nvPr>
+        </p:nvGraphicFramePr>
+        <p:xfrm>
+          <a:off x="628650" y="1236541"/>
+          <a:ext cx="7886700" cy="3263504"/>
+        </p:xfrm>
+        <a:graphic>
+          <a:graphicData uri="http://schemas.openxmlformats.org/drawingml/2006/diagram">
+            <dgm:relIds xmlns:dgm="http://schemas.openxmlformats.org/drawingml/2006/diagram" xmlns:r="http://schemas.openxmlformats.org/officeDocument/2006/relationships" r:dm="rId2" r:lo="rId3" r:qs="rId4" r:cs="rId5"/>
+          </a:graphicData>
+        </a:graphic>
+      </p:graphicFrame>
+    </p:spTree>
+    <p:extLst>
+      <p:ext uri="{BB962C8B-B14F-4D97-AF65-F5344CB8AC3E}">
+        <p14:creationId xmlns:p14="http://schemas.microsoft.com/office/powerpoint/2010/main" val="579033599"/>
+      </p:ext>
+    </p:extLst>
+  </p:cSld>
+  <p:clrMapOvr>
+    <a:masterClrMapping/>
+  </p:clrMapOvr>
+</p:sld>
+</file>
+
+<file path=ppt/slides/slide31.xml><?xml version="1.0" encoding="utf-8"?>
+<p:sld xmlns:a="http://schemas.openxmlformats.org/drawingml/2006/main" xmlns:r="http://schemas.openxmlformats.org/officeDocument/2006/relationships" xmlns:p="http://schemas.openxmlformats.org/presentationml/2006/main">
+  <p:cSld>
+    <p:spTree>
+      <p:nvGrpSpPr>
+        <p:cNvPr id="1" name=""/>
+        <p:cNvGrpSpPr/>
+        <p:nvPr/>
+      </p:nvGrpSpPr>
+      <p:grpSpPr>
+        <a:xfrm>
+          <a:off x="0" y="0"/>
+          <a:ext cx="0" cy="0"/>
+          <a:chOff x="0" y="0"/>
+          <a:chExt cx="0" cy="0"/>
+        </a:xfrm>
+      </p:grpSpPr>
+      <p:sp>
+        <p:nvSpPr>
+          <p:cNvPr id="2" name="Title 1">
+            <a:extLst>
+              <a:ext uri="{FF2B5EF4-FFF2-40B4-BE49-F238E27FC236}">
                 <a16:creationId xmlns:a16="http://schemas.microsoft.com/office/drawing/2014/main" id="{9CAD238D-A6D8-D844-9572-38A3F2D1A987}"/>
               </a:ext>
             </a:extLst>
@@ -25427,7 +26188,7 @@
 </p:sld>
 </file>
 
-<file path=ppt/slides/slide31.xml><?xml version="1.0" encoding="utf-8"?>
+<file path=ppt/slides/slide32.xml><?xml version="1.0" encoding="utf-8"?>
 <p:sld xmlns:a="http://schemas.openxmlformats.org/drawingml/2006/main" xmlns:r="http://schemas.openxmlformats.org/officeDocument/2006/relationships" xmlns:p="http://schemas.openxmlformats.org/presentationml/2006/main">
   <p:cSld>
     <p:spTree>
@@ -25467,7 +26228,7 @@
           <a:p>
             <a:r>
               <a:rPr lang="en-US" dirty="0"/>
-              <a:t>Interactive Challenge!</a:t>
+              <a:t>Interactive Walkthrough!</a:t>
             </a:r>
           </a:p>
         </p:txBody>
@@ -25538,7 +26299,7 @@
           <p:nvPr/>
         </p:nvPicPr>
         <p:blipFill>
-          <a:blip r:embed="rId2">
+          <a:blip r:embed="rId3">
             <a:extLst>
               <a:ext uri="{28A0092B-C50C-407E-A947-70E740481C1C}">
                 <a14:useLocalDpi xmlns:a14="http://schemas.microsoft.com/office/drawing/2010/main" val="0"/>
@@ -25585,7 +26346,7 @@
           <p:nvPr/>
         </p:nvPicPr>
         <p:blipFill>
-          <a:blip r:embed="rId3"/>
+          <a:blip r:embed="rId4"/>
           <a:stretch>
             <a:fillRect/>
           </a:stretch>
@@ -25613,7 +26374,7 @@
 </p:sld>
 </file>
 
-<file path=ppt/slides/slide32.xml><?xml version="1.0" encoding="utf-8"?>
+<file path=ppt/slides/slide33.xml><?xml version="1.0" encoding="utf-8"?>
 <p:sld xmlns:a="http://schemas.openxmlformats.org/drawingml/2006/main" xmlns:r="http://schemas.openxmlformats.org/officeDocument/2006/relationships" xmlns:p="http://schemas.openxmlformats.org/presentationml/2006/main">
   <p:cSld>
     <p:spTree>
@@ -25709,7 +26470,97 @@
 </p:sld>
 </file>
 
-<file path=ppt/slides/slide33.xml><?xml version="1.0" encoding="utf-8"?>
+<file path=ppt/slides/slide34.xml><?xml version="1.0" encoding="utf-8"?>
+<p:sld xmlns:a="http://schemas.openxmlformats.org/drawingml/2006/main" xmlns:r="http://schemas.openxmlformats.org/officeDocument/2006/relationships" xmlns:p="http://schemas.openxmlformats.org/presentationml/2006/main">
+  <p:cSld>
+    <p:spTree>
+      <p:nvGrpSpPr>
+        <p:cNvPr id="1" name=""/>
+        <p:cNvGrpSpPr/>
+        <p:nvPr/>
+      </p:nvGrpSpPr>
+      <p:grpSpPr>
+        <a:xfrm>
+          <a:off x="0" y="0"/>
+          <a:ext cx="0" cy="0"/>
+          <a:chOff x="0" y="0"/>
+          <a:chExt cx="0" cy="0"/>
+        </a:xfrm>
+      </p:grpSpPr>
+      <p:sp>
+        <p:nvSpPr>
+          <p:cNvPr id="2" name="Title 1">
+            <a:extLst>
+              <a:ext uri="{FF2B5EF4-FFF2-40B4-BE49-F238E27FC236}">
+                <a16:creationId xmlns:a16="http://schemas.microsoft.com/office/drawing/2014/main" id="{3A633D98-AF1A-33F7-790B-4AFB9A1857D6}"/>
+              </a:ext>
+            </a:extLst>
+          </p:cNvPr>
+          <p:cNvSpPr>
+            <a:spLocks noGrp="1"/>
+          </p:cNvSpPr>
+          <p:nvPr>
+            <p:ph type="title"/>
+          </p:nvPr>
+        </p:nvSpPr>
+        <p:spPr/>
+        <p:txBody>
+          <a:bodyPr/>
+          <a:lstStyle/>
+          <a:p>
+            <a:r>
+              <a:rPr lang="en-US" dirty="0"/>
+              <a:t>Let’s Get Started! </a:t>
+            </a:r>
+            <a:r>
+              <a:rPr lang="en-US" dirty="0">
+                <a:sym typeface="Wingdings" pitchFamily="2" charset="2"/>
+              </a:rPr>
+              <a:t></a:t>
+            </a:r>
+            <a:endParaRPr lang="en-US" dirty="0"/>
+          </a:p>
+        </p:txBody>
+      </p:sp>
+      <p:sp>
+        <p:nvSpPr>
+          <p:cNvPr id="3" name="Content Placeholder 2">
+            <a:extLst>
+              <a:ext uri="{FF2B5EF4-FFF2-40B4-BE49-F238E27FC236}">
+                <a16:creationId xmlns:a16="http://schemas.microsoft.com/office/drawing/2014/main" id="{4ABA0AAB-1436-2FEE-3C2F-671A9DC9CE3C}"/>
+              </a:ext>
+            </a:extLst>
+          </p:cNvPr>
+          <p:cNvSpPr>
+            <a:spLocks noGrp="1"/>
+          </p:cNvSpPr>
+          <p:nvPr>
+            <p:ph idx="1"/>
+          </p:nvPr>
+        </p:nvSpPr>
+        <p:spPr/>
+        <p:txBody>
+          <a:bodyPr/>
+          <a:lstStyle/>
+          <a:p>
+            <a:endParaRPr lang="en-US"/>
+          </a:p>
+        </p:txBody>
+      </p:sp>
+    </p:spTree>
+    <p:extLst>
+      <p:ext uri="{BB962C8B-B14F-4D97-AF65-F5344CB8AC3E}">
+        <p14:creationId xmlns:p14="http://schemas.microsoft.com/office/powerpoint/2010/main" val="4232243521"/>
+      </p:ext>
+    </p:extLst>
+  </p:cSld>
+  <p:clrMapOvr>
+    <a:masterClrMapping/>
+  </p:clrMapOvr>
+</p:sld>
+</file>
+
+<file path=ppt/slides/slide35.xml><?xml version="1.0" encoding="utf-8"?>
 <p:sld xmlns:a="http://schemas.openxmlformats.org/drawingml/2006/main" xmlns:r="http://schemas.openxmlformats.org/officeDocument/2006/relationships" xmlns:p="http://schemas.openxmlformats.org/presentationml/2006/main">
   <p:cSld>
     <p:spTree>
@@ -25882,7 +26733,7 @@
 </p:sld>
 </file>
 
-<file path=ppt/slides/slide34.xml><?xml version="1.0" encoding="utf-8"?>
+<file path=ppt/slides/slide36.xml><?xml version="1.0" encoding="utf-8"?>
 <p:sld xmlns:a="http://schemas.openxmlformats.org/drawingml/2006/main" xmlns:r="http://schemas.openxmlformats.org/officeDocument/2006/relationships" xmlns:p="http://schemas.openxmlformats.org/presentationml/2006/main">
   <p:cSld>
     <p:spTree>
@@ -26131,7 +26982,7 @@
           <a:p>
             <a:r>
               <a:rPr lang="en-US" dirty="0"/>
-              <a:t>0x10000 in size each</a:t>
+              <a:t>0x100000 in size each</a:t>
             </a:r>
           </a:p>
           <a:p>
@@ -26214,7 +27065,7 @@
 </p:sld>
 </file>
 
-<file path=ppt/slides/slide35.xml><?xml version="1.0" encoding="utf-8"?>
+<file path=ppt/slides/slide37.xml><?xml version="1.0" encoding="utf-8"?>
 <p:sld xmlns:a="http://schemas.openxmlformats.org/drawingml/2006/main" xmlns:r="http://schemas.openxmlformats.org/officeDocument/2006/relationships" xmlns:p="http://schemas.openxmlformats.org/presentationml/2006/main">
   <p:cSld>
     <p:spTree>
@@ -26309,7 +27160,7 @@
 </p:sld>
 </file>
 
-<file path=ppt/slides/slide36.xml><?xml version="1.0" encoding="utf-8"?>
+<file path=ppt/slides/slide38.xml><?xml version="1.0" encoding="utf-8"?>
 <p:sld xmlns:a="http://schemas.openxmlformats.org/drawingml/2006/main" xmlns:r="http://schemas.openxmlformats.org/officeDocument/2006/relationships" xmlns:p="http://schemas.openxmlformats.org/presentationml/2006/main">
   <p:cSld>
     <p:spTree>
@@ -26404,7 +27255,7 @@
 </p:sld>
 </file>
 
-<file path=ppt/slides/slide37.xml><?xml version="1.0" encoding="utf-8"?>
+<file path=ppt/slides/slide39.xml><?xml version="1.0" encoding="utf-8"?>
 <p:sld xmlns:a="http://schemas.openxmlformats.org/drawingml/2006/main" xmlns:r="http://schemas.openxmlformats.org/officeDocument/2006/relationships" xmlns:p="http://schemas.openxmlformats.org/presentationml/2006/main">
   <p:cSld>
     <p:spTree>
@@ -26533,346 +27384,6 @@
     <p:extLst>
       <p:ext uri="{BB962C8B-B14F-4D97-AF65-F5344CB8AC3E}">
         <p14:creationId xmlns:p14="http://schemas.microsoft.com/office/powerpoint/2010/main" val="1535093746"/>
-      </p:ext>
-    </p:extLst>
-  </p:cSld>
-  <p:clrMapOvr>
-    <a:masterClrMapping/>
-  </p:clrMapOvr>
-</p:sld>
-</file>
-
-<file path=ppt/slides/slide38.xml><?xml version="1.0" encoding="utf-8"?>
-<p:sld xmlns:a="http://schemas.openxmlformats.org/drawingml/2006/main" xmlns:r="http://schemas.openxmlformats.org/officeDocument/2006/relationships" xmlns:p="http://schemas.openxmlformats.org/presentationml/2006/main">
-  <p:cSld>
-    <p:spTree>
-      <p:nvGrpSpPr>
-        <p:cNvPr id="1" name=""/>
-        <p:cNvGrpSpPr/>
-        <p:nvPr/>
-      </p:nvGrpSpPr>
-      <p:grpSpPr>
-        <a:xfrm>
-          <a:off x="0" y="0"/>
-          <a:ext cx="0" cy="0"/>
-          <a:chOff x="0" y="0"/>
-          <a:chExt cx="0" cy="0"/>
-        </a:xfrm>
-      </p:grpSpPr>
-      <p:sp>
-        <p:nvSpPr>
-          <p:cNvPr id="2" name="Title 1">
-            <a:extLst>
-              <a:ext uri="{FF2B5EF4-FFF2-40B4-BE49-F238E27FC236}">
-                <a16:creationId xmlns:a16="http://schemas.microsoft.com/office/drawing/2014/main" id="{0F2FDCAA-D364-3E44-9B47-738013B14988}"/>
-              </a:ext>
-            </a:extLst>
-          </p:cNvPr>
-          <p:cNvSpPr>
-            <a:spLocks noGrp="1"/>
-          </p:cNvSpPr>
-          <p:nvPr>
-            <p:ph type="title"/>
-          </p:nvPr>
-        </p:nvSpPr>
-        <p:spPr>
-          <a:xfrm>
-            <a:off x="628650" y="273847"/>
-            <a:ext cx="7886700" cy="994172"/>
-          </a:xfrm>
-        </p:spPr>
-        <p:txBody>
-          <a:bodyPr anchor="ctr">
-            <a:normAutofit/>
-          </a:bodyPr>
-          <a:lstStyle/>
-          <a:p>
-            <a:r>
-              <a:rPr lang="en-US" dirty="0"/>
-              <a:t>Corrupting the Size</a:t>
-            </a:r>
-          </a:p>
-        </p:txBody>
-      </p:sp>
-      <p:pic>
-        <p:nvPicPr>
-          <p:cNvPr id="5" name="Content Placeholder 4" descr="Mmap chunk corrupt the size">
-            <a:extLst>
-              <a:ext uri="{FF2B5EF4-FFF2-40B4-BE49-F238E27FC236}">
-                <a16:creationId xmlns:a16="http://schemas.microsoft.com/office/drawing/2014/main" id="{1C036D40-7958-F64B-8F3C-79BB1061ADEB}"/>
-              </a:ext>
-            </a:extLst>
-          </p:cNvPr>
-          <p:cNvPicPr>
-            <a:picLocks noGrp="1" noChangeAspect="1"/>
-          </p:cNvPicPr>
-          <p:nvPr>
-            <p:ph sz="half" idx="1"/>
-          </p:nvPr>
-        </p:nvPicPr>
-        <p:blipFill>
-          <a:blip r:embed="rId2"/>
-          <a:stretch>
-            <a:fillRect/>
-          </a:stretch>
-        </p:blipFill>
-        <p:spPr>
-          <a:xfrm>
-            <a:off x="673765" y="1369219"/>
-            <a:ext cx="3795970" cy="3263504"/>
-          </a:xfrm>
-          <a:noFill/>
-        </p:spPr>
-      </p:pic>
-      <p:sp>
-        <p:nvSpPr>
-          <p:cNvPr id="10" name="Content Placeholder 3">
-            <a:extLst>
-              <a:ext uri="{FF2B5EF4-FFF2-40B4-BE49-F238E27FC236}">
-                <a16:creationId xmlns:a16="http://schemas.microsoft.com/office/drawing/2014/main" id="{7F39A499-1A31-4E4E-BF76-B71EA04E8879}"/>
-              </a:ext>
-            </a:extLst>
-          </p:cNvPr>
-          <p:cNvSpPr>
-            <a:spLocks noGrp="1"/>
-          </p:cNvSpPr>
-          <p:nvPr>
-            <p:ph sz="half" idx="2"/>
-          </p:nvPr>
-        </p:nvSpPr>
-        <p:spPr>
-          <a:xfrm>
-            <a:off x="4629150" y="1369219"/>
-            <a:ext cx="3886200" cy="3263504"/>
-          </a:xfrm>
-        </p:spPr>
-        <p:txBody>
-          <a:bodyPr/>
-          <a:lstStyle/>
-          <a:p>
-            <a:r>
-              <a:rPr lang="en-US" dirty="0"/>
-              <a:t>Set size of </a:t>
-            </a:r>
-            <a:r>
-              <a:rPr lang="en-US" b="1" dirty="0"/>
-              <a:t>chunk 2 </a:t>
-            </a:r>
-            <a:r>
-              <a:rPr lang="en-US" dirty="0"/>
-              <a:t>to be over the top of </a:t>
-            </a:r>
-            <a:r>
-              <a:rPr lang="en-US" b="1" dirty="0"/>
-              <a:t>chunk 1</a:t>
-            </a:r>
-          </a:p>
-          <a:p>
-            <a:r>
-              <a:rPr lang="en-US" dirty="0"/>
-              <a:t>Fake size: </a:t>
-            </a:r>
-          </a:p>
-          <a:p>
-            <a:pPr lvl="1"/>
-            <a:r>
-              <a:rPr lang="en-US" dirty="0"/>
-              <a:t>Size of mmap1 + mmap2</a:t>
-            </a:r>
-          </a:p>
-        </p:txBody>
-      </p:sp>
-      <p:sp>
-        <p:nvSpPr>
-          <p:cNvPr id="6" name="TextBox 5">
-            <a:extLst>
-              <a:ext uri="{FF2B5EF4-FFF2-40B4-BE49-F238E27FC236}">
-                <a16:creationId xmlns:a16="http://schemas.microsoft.com/office/drawing/2014/main" id="{F59B17A0-81D1-5F4F-B2E5-B88075A4B4D9}"/>
-              </a:ext>
-            </a:extLst>
-          </p:cNvPr>
-          <p:cNvSpPr txBox="1"/>
-          <p:nvPr/>
-        </p:nvSpPr>
-        <p:spPr>
-          <a:xfrm>
-            <a:off x="-54708" y="1453663"/>
-            <a:ext cx="1695939" cy="276999"/>
-          </a:xfrm>
-          <a:prstGeom prst="rect">
-            <a:avLst/>
-          </a:prstGeom>
-          <a:noFill/>
-        </p:spPr>
-        <p:txBody>
-          <a:bodyPr wrap="square" rtlCol="0">
-            <a:spAutoFit/>
-          </a:bodyPr>
-          <a:lstStyle/>
-          <a:p>
-            <a:r>
-              <a:rPr lang="en-US" sz="1200" dirty="0"/>
-              <a:t>0x202002</a:t>
-            </a:r>
-          </a:p>
-        </p:txBody>
-      </p:sp>
-    </p:spTree>
-    <p:extLst>
-      <p:ext uri="{BB962C8B-B14F-4D97-AF65-F5344CB8AC3E}">
-        <p14:creationId xmlns:p14="http://schemas.microsoft.com/office/powerpoint/2010/main" val="2872904355"/>
-      </p:ext>
-    </p:extLst>
-  </p:cSld>
-  <p:clrMapOvr>
-    <a:masterClrMapping/>
-  </p:clrMapOvr>
-</p:sld>
-</file>
-
-<file path=ppt/slides/slide39.xml><?xml version="1.0" encoding="utf-8"?>
-<p:sld xmlns:a="http://schemas.openxmlformats.org/drawingml/2006/main" xmlns:r="http://schemas.openxmlformats.org/officeDocument/2006/relationships" xmlns:p="http://schemas.openxmlformats.org/presentationml/2006/main">
-  <p:cSld>
-    <p:spTree>
-      <p:nvGrpSpPr>
-        <p:cNvPr id="1" name=""/>
-        <p:cNvGrpSpPr/>
-        <p:nvPr/>
-      </p:nvGrpSpPr>
-      <p:grpSpPr>
-        <a:xfrm>
-          <a:off x="0" y="0"/>
-          <a:ext cx="0" cy="0"/>
-          <a:chOff x="0" y="0"/>
-          <a:chExt cx="0" cy="0"/>
-        </a:xfrm>
-      </p:grpSpPr>
-      <p:sp>
-        <p:nvSpPr>
-          <p:cNvPr id="2" name="Title 1">
-            <a:extLst>
-              <a:ext uri="{FF2B5EF4-FFF2-40B4-BE49-F238E27FC236}">
-                <a16:creationId xmlns:a16="http://schemas.microsoft.com/office/drawing/2014/main" id="{0F2FDCAA-D364-3E44-9B47-738013B14988}"/>
-              </a:ext>
-            </a:extLst>
-          </p:cNvPr>
-          <p:cNvSpPr>
-            <a:spLocks noGrp="1"/>
-          </p:cNvSpPr>
-          <p:nvPr>
-            <p:ph type="title"/>
-          </p:nvPr>
-        </p:nvSpPr>
-        <p:spPr>
-          <a:xfrm>
-            <a:off x="628650" y="273847"/>
-            <a:ext cx="7886700" cy="994172"/>
-          </a:xfrm>
-        </p:spPr>
-        <p:txBody>
-          <a:bodyPr anchor="ctr">
-            <a:normAutofit/>
-          </a:bodyPr>
-          <a:lstStyle/>
-          <a:p>
-            <a:r>
-              <a:rPr lang="en-US" dirty="0"/>
-              <a:t>Corrupting the Size</a:t>
-            </a:r>
-          </a:p>
-        </p:txBody>
-      </p:sp>
-      <p:sp>
-        <p:nvSpPr>
-          <p:cNvPr id="10" name="Content Placeholder 3">
-            <a:extLst>
-              <a:ext uri="{FF2B5EF4-FFF2-40B4-BE49-F238E27FC236}">
-                <a16:creationId xmlns:a16="http://schemas.microsoft.com/office/drawing/2014/main" id="{7F39A499-1A31-4E4E-BF76-B71EA04E8879}"/>
-              </a:ext>
-            </a:extLst>
-          </p:cNvPr>
-          <p:cNvSpPr>
-            <a:spLocks noGrp="1"/>
-          </p:cNvSpPr>
-          <p:nvPr>
-            <p:ph sz="half" idx="2"/>
-          </p:nvPr>
-        </p:nvSpPr>
-        <p:spPr>
-          <a:xfrm>
-            <a:off x="4765638" y="1393732"/>
-            <a:ext cx="3886200" cy="3263504"/>
-          </a:xfrm>
-        </p:spPr>
-        <p:txBody>
-          <a:bodyPr/>
-          <a:lstStyle/>
-          <a:p>
-            <a:r>
-              <a:rPr lang="en-US" dirty="0"/>
-              <a:t>Set size of </a:t>
-            </a:r>
-            <a:r>
-              <a:rPr lang="en-US" b="1" dirty="0"/>
-              <a:t>chunk 2 </a:t>
-            </a:r>
-            <a:r>
-              <a:rPr lang="en-US" dirty="0"/>
-              <a:t>to be over the top of </a:t>
-            </a:r>
-            <a:r>
-              <a:rPr lang="en-US" b="1" dirty="0"/>
-              <a:t>chunk 1</a:t>
-            </a:r>
-          </a:p>
-          <a:p>
-            <a:r>
-              <a:rPr lang="en-US" dirty="0"/>
-              <a:t>Fake size: </a:t>
-            </a:r>
-          </a:p>
-          <a:p>
-            <a:pPr lvl="1"/>
-            <a:r>
-              <a:rPr lang="en-US" dirty="0"/>
-              <a:t>Size of mmap1 + mmap2</a:t>
-            </a:r>
-          </a:p>
-        </p:txBody>
-      </p:sp>
-      <p:pic>
-        <p:nvPicPr>
-          <p:cNvPr id="8" name="Content Placeholder 7" descr="MMap chunks overlapping with size information">
-            <a:extLst>
-              <a:ext uri="{FF2B5EF4-FFF2-40B4-BE49-F238E27FC236}">
-                <a16:creationId xmlns:a16="http://schemas.microsoft.com/office/drawing/2014/main" id="{AC263582-35E7-1744-B9D8-DDE09F8FD041}"/>
-              </a:ext>
-            </a:extLst>
-          </p:cNvPr>
-          <p:cNvPicPr>
-            <a:picLocks noGrp="1" noChangeAspect="1"/>
-          </p:cNvPicPr>
-          <p:nvPr>
-            <p:ph sz="half" idx="1"/>
-          </p:nvPr>
-        </p:nvPicPr>
-        <p:blipFill>
-          <a:blip r:embed="rId2"/>
-          <a:stretch>
-            <a:fillRect/>
-          </a:stretch>
-        </p:blipFill>
-        <p:spPr>
-          <a:xfrm>
-            <a:off x="0" y="1268019"/>
-            <a:ext cx="4765638" cy="3286646"/>
-          </a:xfrm>
-        </p:spPr>
-      </p:pic>
-    </p:spTree>
-    <p:extLst>
-      <p:ext uri="{BB962C8B-B14F-4D97-AF65-F5344CB8AC3E}">
-        <p14:creationId xmlns:p14="http://schemas.microsoft.com/office/powerpoint/2010/main" val="4064729797"/>
       </p:ext>
     </p:extLst>
   </p:cSld>
@@ -27089,6 +27600,346 @@
 </file>
 
 <file path=ppt/slides/slide40.xml><?xml version="1.0" encoding="utf-8"?>
+<p:sld xmlns:a="http://schemas.openxmlformats.org/drawingml/2006/main" xmlns:r="http://schemas.openxmlformats.org/officeDocument/2006/relationships" xmlns:p="http://schemas.openxmlformats.org/presentationml/2006/main">
+  <p:cSld>
+    <p:spTree>
+      <p:nvGrpSpPr>
+        <p:cNvPr id="1" name=""/>
+        <p:cNvGrpSpPr/>
+        <p:nvPr/>
+      </p:nvGrpSpPr>
+      <p:grpSpPr>
+        <a:xfrm>
+          <a:off x="0" y="0"/>
+          <a:ext cx="0" cy="0"/>
+          <a:chOff x="0" y="0"/>
+          <a:chExt cx="0" cy="0"/>
+        </a:xfrm>
+      </p:grpSpPr>
+      <p:sp>
+        <p:nvSpPr>
+          <p:cNvPr id="2" name="Title 1">
+            <a:extLst>
+              <a:ext uri="{FF2B5EF4-FFF2-40B4-BE49-F238E27FC236}">
+                <a16:creationId xmlns:a16="http://schemas.microsoft.com/office/drawing/2014/main" id="{0F2FDCAA-D364-3E44-9B47-738013B14988}"/>
+              </a:ext>
+            </a:extLst>
+          </p:cNvPr>
+          <p:cNvSpPr>
+            <a:spLocks noGrp="1"/>
+          </p:cNvSpPr>
+          <p:nvPr>
+            <p:ph type="title"/>
+          </p:nvPr>
+        </p:nvSpPr>
+        <p:spPr>
+          <a:xfrm>
+            <a:off x="628650" y="273847"/>
+            <a:ext cx="7886700" cy="994172"/>
+          </a:xfrm>
+        </p:spPr>
+        <p:txBody>
+          <a:bodyPr anchor="ctr">
+            <a:normAutofit/>
+          </a:bodyPr>
+          <a:lstStyle/>
+          <a:p>
+            <a:r>
+              <a:rPr lang="en-US" dirty="0"/>
+              <a:t>Corrupting the Size</a:t>
+            </a:r>
+          </a:p>
+        </p:txBody>
+      </p:sp>
+      <p:pic>
+        <p:nvPicPr>
+          <p:cNvPr id="5" name="Content Placeholder 4" descr="Mmap chunk corrupt the size">
+            <a:extLst>
+              <a:ext uri="{FF2B5EF4-FFF2-40B4-BE49-F238E27FC236}">
+                <a16:creationId xmlns:a16="http://schemas.microsoft.com/office/drawing/2014/main" id="{1C036D40-7958-F64B-8F3C-79BB1061ADEB}"/>
+              </a:ext>
+            </a:extLst>
+          </p:cNvPr>
+          <p:cNvPicPr>
+            <a:picLocks noGrp="1" noChangeAspect="1"/>
+          </p:cNvPicPr>
+          <p:nvPr>
+            <p:ph sz="half" idx="1"/>
+          </p:nvPr>
+        </p:nvPicPr>
+        <p:blipFill>
+          <a:blip r:embed="rId2"/>
+          <a:stretch>
+            <a:fillRect/>
+          </a:stretch>
+        </p:blipFill>
+        <p:spPr>
+          <a:xfrm>
+            <a:off x="673765" y="1369219"/>
+            <a:ext cx="3795970" cy="3263504"/>
+          </a:xfrm>
+          <a:noFill/>
+        </p:spPr>
+      </p:pic>
+      <p:sp>
+        <p:nvSpPr>
+          <p:cNvPr id="10" name="Content Placeholder 3">
+            <a:extLst>
+              <a:ext uri="{FF2B5EF4-FFF2-40B4-BE49-F238E27FC236}">
+                <a16:creationId xmlns:a16="http://schemas.microsoft.com/office/drawing/2014/main" id="{7F39A499-1A31-4E4E-BF76-B71EA04E8879}"/>
+              </a:ext>
+            </a:extLst>
+          </p:cNvPr>
+          <p:cNvSpPr>
+            <a:spLocks noGrp="1"/>
+          </p:cNvSpPr>
+          <p:nvPr>
+            <p:ph sz="half" idx="2"/>
+          </p:nvPr>
+        </p:nvSpPr>
+        <p:spPr>
+          <a:xfrm>
+            <a:off x="4629150" y="1369219"/>
+            <a:ext cx="3886200" cy="3263504"/>
+          </a:xfrm>
+        </p:spPr>
+        <p:txBody>
+          <a:bodyPr/>
+          <a:lstStyle/>
+          <a:p>
+            <a:r>
+              <a:rPr lang="en-US" dirty="0"/>
+              <a:t>Set size of </a:t>
+            </a:r>
+            <a:r>
+              <a:rPr lang="en-US" b="1" dirty="0"/>
+              <a:t>chunk 2 </a:t>
+            </a:r>
+            <a:r>
+              <a:rPr lang="en-US" dirty="0"/>
+              <a:t>to be over the top of </a:t>
+            </a:r>
+            <a:r>
+              <a:rPr lang="en-US" b="1" dirty="0"/>
+              <a:t>chunk 1</a:t>
+            </a:r>
+          </a:p>
+          <a:p>
+            <a:r>
+              <a:rPr lang="en-US" dirty="0"/>
+              <a:t>Fake size: </a:t>
+            </a:r>
+          </a:p>
+          <a:p>
+            <a:pPr lvl="1"/>
+            <a:r>
+              <a:rPr lang="en-US" dirty="0"/>
+              <a:t>Size of mmap1 + mmap2</a:t>
+            </a:r>
+          </a:p>
+        </p:txBody>
+      </p:sp>
+      <p:sp>
+        <p:nvSpPr>
+          <p:cNvPr id="6" name="TextBox 5">
+            <a:extLst>
+              <a:ext uri="{FF2B5EF4-FFF2-40B4-BE49-F238E27FC236}">
+                <a16:creationId xmlns:a16="http://schemas.microsoft.com/office/drawing/2014/main" id="{F59B17A0-81D1-5F4F-B2E5-B88075A4B4D9}"/>
+              </a:ext>
+            </a:extLst>
+          </p:cNvPr>
+          <p:cNvSpPr txBox="1"/>
+          <p:nvPr/>
+        </p:nvSpPr>
+        <p:spPr>
+          <a:xfrm>
+            <a:off x="-54708" y="1453663"/>
+            <a:ext cx="1695939" cy="276999"/>
+          </a:xfrm>
+          <a:prstGeom prst="rect">
+            <a:avLst/>
+          </a:prstGeom>
+          <a:noFill/>
+        </p:spPr>
+        <p:txBody>
+          <a:bodyPr wrap="square" rtlCol="0">
+            <a:spAutoFit/>
+          </a:bodyPr>
+          <a:lstStyle/>
+          <a:p>
+            <a:r>
+              <a:rPr lang="en-US" sz="1200" dirty="0"/>
+              <a:t>0x202002</a:t>
+            </a:r>
+          </a:p>
+        </p:txBody>
+      </p:sp>
+    </p:spTree>
+    <p:extLst>
+      <p:ext uri="{BB962C8B-B14F-4D97-AF65-F5344CB8AC3E}">
+        <p14:creationId xmlns:p14="http://schemas.microsoft.com/office/powerpoint/2010/main" val="2872904355"/>
+      </p:ext>
+    </p:extLst>
+  </p:cSld>
+  <p:clrMapOvr>
+    <a:masterClrMapping/>
+  </p:clrMapOvr>
+</p:sld>
+</file>
+
+<file path=ppt/slides/slide41.xml><?xml version="1.0" encoding="utf-8"?>
+<p:sld xmlns:a="http://schemas.openxmlformats.org/drawingml/2006/main" xmlns:r="http://schemas.openxmlformats.org/officeDocument/2006/relationships" xmlns:p="http://schemas.openxmlformats.org/presentationml/2006/main">
+  <p:cSld>
+    <p:spTree>
+      <p:nvGrpSpPr>
+        <p:cNvPr id="1" name=""/>
+        <p:cNvGrpSpPr/>
+        <p:nvPr/>
+      </p:nvGrpSpPr>
+      <p:grpSpPr>
+        <a:xfrm>
+          <a:off x="0" y="0"/>
+          <a:ext cx="0" cy="0"/>
+          <a:chOff x="0" y="0"/>
+          <a:chExt cx="0" cy="0"/>
+        </a:xfrm>
+      </p:grpSpPr>
+      <p:sp>
+        <p:nvSpPr>
+          <p:cNvPr id="2" name="Title 1">
+            <a:extLst>
+              <a:ext uri="{FF2B5EF4-FFF2-40B4-BE49-F238E27FC236}">
+                <a16:creationId xmlns:a16="http://schemas.microsoft.com/office/drawing/2014/main" id="{0F2FDCAA-D364-3E44-9B47-738013B14988}"/>
+              </a:ext>
+            </a:extLst>
+          </p:cNvPr>
+          <p:cNvSpPr>
+            <a:spLocks noGrp="1"/>
+          </p:cNvSpPr>
+          <p:nvPr>
+            <p:ph type="title"/>
+          </p:nvPr>
+        </p:nvSpPr>
+        <p:spPr>
+          <a:xfrm>
+            <a:off x="628650" y="273847"/>
+            <a:ext cx="7886700" cy="994172"/>
+          </a:xfrm>
+        </p:spPr>
+        <p:txBody>
+          <a:bodyPr anchor="ctr">
+            <a:normAutofit/>
+          </a:bodyPr>
+          <a:lstStyle/>
+          <a:p>
+            <a:r>
+              <a:rPr lang="en-US" dirty="0"/>
+              <a:t>Corrupting the Size</a:t>
+            </a:r>
+          </a:p>
+        </p:txBody>
+      </p:sp>
+      <p:sp>
+        <p:nvSpPr>
+          <p:cNvPr id="10" name="Content Placeholder 3">
+            <a:extLst>
+              <a:ext uri="{FF2B5EF4-FFF2-40B4-BE49-F238E27FC236}">
+                <a16:creationId xmlns:a16="http://schemas.microsoft.com/office/drawing/2014/main" id="{7F39A499-1A31-4E4E-BF76-B71EA04E8879}"/>
+              </a:ext>
+            </a:extLst>
+          </p:cNvPr>
+          <p:cNvSpPr>
+            <a:spLocks noGrp="1"/>
+          </p:cNvSpPr>
+          <p:nvPr>
+            <p:ph sz="half" idx="2"/>
+          </p:nvPr>
+        </p:nvSpPr>
+        <p:spPr>
+          <a:xfrm>
+            <a:off x="4765638" y="1393732"/>
+            <a:ext cx="3886200" cy="3263504"/>
+          </a:xfrm>
+        </p:spPr>
+        <p:txBody>
+          <a:bodyPr/>
+          <a:lstStyle/>
+          <a:p>
+            <a:r>
+              <a:rPr lang="en-US" dirty="0"/>
+              <a:t>Set size of </a:t>
+            </a:r>
+            <a:r>
+              <a:rPr lang="en-US" b="1" dirty="0"/>
+              <a:t>chunk 2 </a:t>
+            </a:r>
+            <a:r>
+              <a:rPr lang="en-US" dirty="0"/>
+              <a:t>to be over the top of </a:t>
+            </a:r>
+            <a:r>
+              <a:rPr lang="en-US" b="1" dirty="0"/>
+              <a:t>chunk 1</a:t>
+            </a:r>
+          </a:p>
+          <a:p>
+            <a:r>
+              <a:rPr lang="en-US" dirty="0"/>
+              <a:t>Fake size: </a:t>
+            </a:r>
+          </a:p>
+          <a:p>
+            <a:pPr lvl="1"/>
+            <a:r>
+              <a:rPr lang="en-US" dirty="0"/>
+              <a:t>Size of mmap1 + mmap2</a:t>
+            </a:r>
+          </a:p>
+        </p:txBody>
+      </p:sp>
+      <p:pic>
+        <p:nvPicPr>
+          <p:cNvPr id="8" name="Content Placeholder 7" descr="MMap chunks overlapping with size information">
+            <a:extLst>
+              <a:ext uri="{FF2B5EF4-FFF2-40B4-BE49-F238E27FC236}">
+                <a16:creationId xmlns:a16="http://schemas.microsoft.com/office/drawing/2014/main" id="{AC263582-35E7-1744-B9D8-DDE09F8FD041}"/>
+              </a:ext>
+            </a:extLst>
+          </p:cNvPr>
+          <p:cNvPicPr>
+            <a:picLocks noGrp="1" noChangeAspect="1"/>
+          </p:cNvPicPr>
+          <p:nvPr>
+            <p:ph sz="half" idx="1"/>
+          </p:nvPr>
+        </p:nvPicPr>
+        <p:blipFill>
+          <a:blip r:embed="rId2"/>
+          <a:stretch>
+            <a:fillRect/>
+          </a:stretch>
+        </p:blipFill>
+        <p:spPr>
+          <a:xfrm>
+            <a:off x="0" y="1268019"/>
+            <a:ext cx="4765638" cy="3286646"/>
+          </a:xfrm>
+        </p:spPr>
+      </p:pic>
+    </p:spTree>
+    <p:extLst>
+      <p:ext uri="{BB962C8B-B14F-4D97-AF65-F5344CB8AC3E}">
+        <p14:creationId xmlns:p14="http://schemas.microsoft.com/office/powerpoint/2010/main" val="4064729797"/>
+      </p:ext>
+    </p:extLst>
+  </p:cSld>
+  <p:clrMapOvr>
+    <a:masterClrMapping/>
+  </p:clrMapOvr>
+</p:sld>
+</file>
+
+<file path=ppt/slides/slide42.xml><?xml version="1.0" encoding="utf-8"?>
 <p:sld xmlns:a="http://schemas.openxmlformats.org/drawingml/2006/main" xmlns:r="http://schemas.openxmlformats.org/officeDocument/2006/relationships" xmlns:p="http://schemas.openxmlformats.org/presentationml/2006/main">
   <p:cSld>
     <p:spTree>
@@ -27469,7 +28320,7 @@
 </p:sld>
 </file>
 
-<file path=ppt/slides/slide41.xml><?xml version="1.0" encoding="utf-8"?>
+<file path=ppt/slides/slide43.xml><?xml version="1.0" encoding="utf-8"?>
 <p:sld xmlns:a="http://schemas.openxmlformats.org/drawingml/2006/main" xmlns:r="http://schemas.openxmlformats.org/officeDocument/2006/relationships" xmlns:p="http://schemas.openxmlformats.org/presentationml/2006/main">
   <p:cSld>
     <p:spTree>
@@ -27812,7 +28663,7 @@
 </p:sld>
 </file>
 
-<file path=ppt/slides/slide42.xml><?xml version="1.0" encoding="utf-8"?>
+<file path=ppt/slides/slide44.xml><?xml version="1.0" encoding="utf-8"?>
 <p:sld xmlns:a="http://schemas.openxmlformats.org/drawingml/2006/main" xmlns:r="http://schemas.openxmlformats.org/officeDocument/2006/relationships" xmlns:p="http://schemas.openxmlformats.org/presentationml/2006/main">
   <p:cSld>
     <p:spTree>
@@ -27971,7 +28822,7 @@
 </p:sld>
 </file>
 
-<file path=ppt/slides/slide43.xml><?xml version="1.0" encoding="utf-8"?>
+<file path=ppt/slides/slide45.xml><?xml version="1.0" encoding="utf-8"?>
 <p:sld xmlns:a="http://schemas.openxmlformats.org/drawingml/2006/main" xmlns:r="http://schemas.openxmlformats.org/officeDocument/2006/relationships" xmlns:p="http://schemas.openxmlformats.org/presentationml/2006/main">
   <p:cSld>
     <p:spTree>
@@ -28315,7 +29166,7 @@
 </p:sld>
 </file>
 
-<file path=ppt/slides/slide44.xml><?xml version="1.0" encoding="utf-8"?>
+<file path=ppt/slides/slide46.xml><?xml version="1.0" encoding="utf-8"?>
 <p:sld xmlns:a="http://schemas.openxmlformats.org/drawingml/2006/main" xmlns:r="http://schemas.openxmlformats.org/officeDocument/2006/relationships" xmlns:p="http://schemas.openxmlformats.org/presentationml/2006/main">
   <p:cSld>
     <p:spTree>
@@ -28687,7 +29538,7 @@
 </p:sld>
 </file>
 
-<file path=ppt/slides/slide45.xml><?xml version="1.0" encoding="utf-8"?>
+<file path=ppt/slides/slide47.xml><?xml version="1.0" encoding="utf-8"?>
 <p:sld xmlns:a="http://schemas.openxmlformats.org/drawingml/2006/main" xmlns:r="http://schemas.openxmlformats.org/officeDocument/2006/relationships" xmlns:p="http://schemas.openxmlformats.org/presentationml/2006/main">
   <p:cSld>
     <p:spTree>
@@ -28833,7 +29684,7 @@
 </p:sld>
 </file>
 
-<file path=ppt/slides/slide46.xml><?xml version="1.0" encoding="utf-8"?>
+<file path=ppt/slides/slide48.xml><?xml version="1.0" encoding="utf-8"?>
 <p:sld xmlns:a="http://schemas.openxmlformats.org/drawingml/2006/main" xmlns:r="http://schemas.openxmlformats.org/officeDocument/2006/relationships" xmlns:p="http://schemas.openxmlformats.org/presentationml/2006/main">
   <p:cSld>
     <p:spTree>
@@ -29018,7 +29869,7 @@
 </p:sld>
 </file>
 
-<file path=ppt/slides/slide47.xml><?xml version="1.0" encoding="utf-8"?>
+<file path=ppt/slides/slide49.xml><?xml version="1.0" encoding="utf-8"?>
 <p:sld xmlns:a="http://schemas.openxmlformats.org/drawingml/2006/main" xmlns:r="http://schemas.openxmlformats.org/officeDocument/2006/relationships" xmlns:p="http://schemas.openxmlformats.org/presentationml/2006/main">
   <p:cSld>
     <p:spTree>
@@ -29172,7 +30023,204 @@
 </p:sld>
 </file>
 
-<file path=ppt/slides/slide48.xml><?xml version="1.0" encoding="utf-8"?>
+<file path=ppt/slides/slide5.xml><?xml version="1.0" encoding="utf-8"?>
+<p:sld xmlns:a="http://schemas.openxmlformats.org/drawingml/2006/main" xmlns:r="http://schemas.openxmlformats.org/officeDocument/2006/relationships" xmlns:p="http://schemas.openxmlformats.org/presentationml/2006/main">
+  <p:cSld>
+    <p:spTree>
+      <p:nvGrpSpPr>
+        <p:cNvPr id="1" name=""/>
+        <p:cNvGrpSpPr/>
+        <p:nvPr/>
+      </p:nvGrpSpPr>
+      <p:grpSpPr>
+        <a:xfrm>
+          <a:off x="0" y="0"/>
+          <a:ext cx="0" cy="0"/>
+          <a:chOff x="0" y="0"/>
+          <a:chExt cx="0" cy="0"/>
+        </a:xfrm>
+      </p:grpSpPr>
+      <p:sp>
+        <p:nvSpPr>
+          <p:cNvPr id="2" name="Title 1">
+            <a:extLst>
+              <a:ext uri="{FF2B5EF4-FFF2-40B4-BE49-F238E27FC236}">
+                <a16:creationId xmlns:a16="http://schemas.microsoft.com/office/drawing/2014/main" id="{6923B639-8CCB-CD48-8107-A5EE92024BAA}"/>
+              </a:ext>
+            </a:extLst>
+          </p:cNvPr>
+          <p:cNvSpPr>
+            <a:spLocks noGrp="1"/>
+          </p:cNvSpPr>
+          <p:nvPr>
+            <p:ph type="title"/>
+          </p:nvPr>
+        </p:nvSpPr>
+        <p:spPr/>
+        <p:txBody>
+          <a:bodyPr/>
+          <a:lstStyle/>
+          <a:p>
+            <a:r>
+              <a:rPr lang="en-US" dirty="0" err="1"/>
+              <a:t>Mmap</a:t>
+            </a:r>
+            <a:r>
+              <a:rPr lang="en-US" dirty="0"/>
+              <a:t> Metadata – Review </a:t>
+            </a:r>
+          </a:p>
+        </p:txBody>
+      </p:sp>
+      <p:sp>
+        <p:nvSpPr>
+          <p:cNvPr id="3" name="Content Placeholder 2">
+            <a:extLst>
+              <a:ext uri="{FF2B5EF4-FFF2-40B4-BE49-F238E27FC236}">
+                <a16:creationId xmlns:a16="http://schemas.microsoft.com/office/drawing/2014/main" id="{368AFBA9-6B50-D644-8592-1AC6DAD3973E}"/>
+              </a:ext>
+            </a:extLst>
+          </p:cNvPr>
+          <p:cNvSpPr>
+            <a:spLocks noGrp="1"/>
+          </p:cNvSpPr>
+          <p:nvPr>
+            <p:ph idx="1"/>
+          </p:nvPr>
+        </p:nvSpPr>
+        <p:spPr>
+          <a:xfrm>
+            <a:off x="628650" y="1236541"/>
+            <a:ext cx="6103423" cy="3263504"/>
+          </a:xfrm>
+        </p:spPr>
+        <p:txBody>
+          <a:bodyPr/>
+          <a:lstStyle/>
+          <a:p>
+            <a:r>
+              <a:rPr lang="en-US" dirty="0"/>
+              <a:t>…</a:t>
+            </a:r>
+          </a:p>
+          <a:p>
+            <a:r>
+              <a:rPr lang="en-US" b="1" dirty="0"/>
+              <a:t>M: Is this an </a:t>
+            </a:r>
+            <a:r>
+              <a:rPr lang="en-US" b="1" dirty="0" err="1"/>
+              <a:t>Mmap</a:t>
+            </a:r>
+            <a:r>
+              <a:rPr lang="en-US" b="1" dirty="0"/>
+              <a:t> chunk?</a:t>
+            </a:r>
+          </a:p>
+          <a:p>
+            <a:r>
+              <a:rPr lang="en-US" dirty="0"/>
+              <a:t>…</a:t>
+            </a:r>
+          </a:p>
+          <a:p>
+            <a:pPr lvl="1"/>
+            <a:endParaRPr lang="en-US" dirty="0"/>
+          </a:p>
+          <a:p>
+            <a:pPr lvl="1"/>
+            <a:endParaRPr lang="en-US" dirty="0"/>
+          </a:p>
+        </p:txBody>
+      </p:sp>
+      <p:pic>
+        <p:nvPicPr>
+          <p:cNvPr id="4" name="Picture 3" descr="Table&#10;&#10;Description automatically generated">
+            <a:extLst>
+              <a:ext uri="{FF2B5EF4-FFF2-40B4-BE49-F238E27FC236}">
+                <a16:creationId xmlns:a16="http://schemas.microsoft.com/office/drawing/2014/main" id="{E6D2E34C-5402-F840-A80B-F7BF9AF1995A}"/>
+              </a:ext>
+            </a:extLst>
+          </p:cNvPr>
+          <p:cNvPicPr>
+            <a:picLocks noChangeAspect="1"/>
+          </p:cNvPicPr>
+          <p:nvPr/>
+        </p:nvPicPr>
+        <p:blipFill>
+          <a:blip r:embed="rId2"/>
+          <a:stretch>
+            <a:fillRect/>
+          </a:stretch>
+        </p:blipFill>
+        <p:spPr>
+          <a:xfrm>
+            <a:off x="6838998" y="1131826"/>
+            <a:ext cx="1963519" cy="3263504"/>
+          </a:xfrm>
+          <a:prstGeom prst="rect">
+            <a:avLst/>
+          </a:prstGeom>
+          <a:noFill/>
+        </p:spPr>
+      </p:pic>
+      <p:cxnSp>
+        <p:nvCxnSpPr>
+          <p:cNvPr id="6" name="Straight Connector 5">
+            <a:extLst>
+              <a:ext uri="{FF2B5EF4-FFF2-40B4-BE49-F238E27FC236}">
+                <a16:creationId xmlns:a16="http://schemas.microsoft.com/office/drawing/2014/main" id="{EA7C5BC1-CA45-7D40-A74F-1B6FC81F453D}"/>
+              </a:ext>
+            </a:extLst>
+          </p:cNvPr>
+          <p:cNvCxnSpPr>
+            <a:cxnSpLocks/>
+          </p:cNvCxnSpPr>
+          <p:nvPr/>
+        </p:nvCxnSpPr>
+        <p:spPr>
+          <a:xfrm>
+            <a:off x="8221784" y="2426189"/>
+            <a:ext cx="293566" cy="0"/>
+          </a:xfrm>
+          <a:prstGeom prst="line">
+            <a:avLst/>
+          </a:prstGeom>
+          <a:ln w="38100">
+            <a:solidFill>
+              <a:srgbClr val="FF0000"/>
+            </a:solidFill>
+          </a:ln>
+        </p:spPr>
+        <p:style>
+          <a:lnRef idx="1">
+            <a:schemeClr val="accent1"/>
+          </a:lnRef>
+          <a:fillRef idx="0">
+            <a:schemeClr val="accent1"/>
+          </a:fillRef>
+          <a:effectRef idx="0">
+            <a:schemeClr val="accent1"/>
+          </a:effectRef>
+          <a:fontRef idx="minor">
+            <a:schemeClr val="tx1"/>
+          </a:fontRef>
+        </p:style>
+      </p:cxnSp>
+    </p:spTree>
+    <p:extLst>
+      <p:ext uri="{BB962C8B-B14F-4D97-AF65-F5344CB8AC3E}">
+        <p14:creationId xmlns:p14="http://schemas.microsoft.com/office/powerpoint/2010/main" val="1033320497"/>
+      </p:ext>
+    </p:extLst>
+  </p:cSld>
+  <p:clrMapOvr>
+    <a:masterClrMapping/>
+  </p:clrMapOvr>
+</p:sld>
+</file>
+
+<file path=ppt/slides/slide50.xml><?xml version="1.0" encoding="utf-8"?>
 <p:sld xmlns:a="http://schemas.openxmlformats.org/drawingml/2006/main" xmlns:r="http://schemas.openxmlformats.org/officeDocument/2006/relationships" xmlns:p="http://schemas.openxmlformats.org/presentationml/2006/main">
   <p:cSld>
     <p:spTree>
@@ -29479,7 +30527,7 @@
 </p:sld>
 </file>
 
-<file path=ppt/slides/slide49.xml><?xml version="1.0" encoding="utf-8"?>
+<file path=ppt/slides/slide51.xml><?xml version="1.0" encoding="utf-8"?>
 <p:sld xmlns:a="http://schemas.openxmlformats.org/drawingml/2006/main" xmlns:r="http://schemas.openxmlformats.org/officeDocument/2006/relationships" xmlns:p="http://schemas.openxmlformats.org/presentationml/2006/main">
   <p:cSld>
     <p:spTree>
@@ -29801,204 +30849,7 @@
 </p:sld>
 </file>
 
-<file path=ppt/slides/slide5.xml><?xml version="1.0" encoding="utf-8"?>
-<p:sld xmlns:a="http://schemas.openxmlformats.org/drawingml/2006/main" xmlns:r="http://schemas.openxmlformats.org/officeDocument/2006/relationships" xmlns:p="http://schemas.openxmlformats.org/presentationml/2006/main">
-  <p:cSld>
-    <p:spTree>
-      <p:nvGrpSpPr>
-        <p:cNvPr id="1" name=""/>
-        <p:cNvGrpSpPr/>
-        <p:nvPr/>
-      </p:nvGrpSpPr>
-      <p:grpSpPr>
-        <a:xfrm>
-          <a:off x="0" y="0"/>
-          <a:ext cx="0" cy="0"/>
-          <a:chOff x="0" y="0"/>
-          <a:chExt cx="0" cy="0"/>
-        </a:xfrm>
-      </p:grpSpPr>
-      <p:sp>
-        <p:nvSpPr>
-          <p:cNvPr id="2" name="Title 1">
-            <a:extLst>
-              <a:ext uri="{FF2B5EF4-FFF2-40B4-BE49-F238E27FC236}">
-                <a16:creationId xmlns:a16="http://schemas.microsoft.com/office/drawing/2014/main" id="{6923B639-8CCB-CD48-8107-A5EE92024BAA}"/>
-              </a:ext>
-            </a:extLst>
-          </p:cNvPr>
-          <p:cNvSpPr>
-            <a:spLocks noGrp="1"/>
-          </p:cNvSpPr>
-          <p:nvPr>
-            <p:ph type="title"/>
-          </p:nvPr>
-        </p:nvSpPr>
-        <p:spPr/>
-        <p:txBody>
-          <a:bodyPr/>
-          <a:lstStyle/>
-          <a:p>
-            <a:r>
-              <a:rPr lang="en-US" dirty="0" err="1"/>
-              <a:t>Mmap</a:t>
-            </a:r>
-            <a:r>
-              <a:rPr lang="en-US" dirty="0"/>
-              <a:t> Metadata – Review </a:t>
-            </a:r>
-          </a:p>
-        </p:txBody>
-      </p:sp>
-      <p:sp>
-        <p:nvSpPr>
-          <p:cNvPr id="3" name="Content Placeholder 2">
-            <a:extLst>
-              <a:ext uri="{FF2B5EF4-FFF2-40B4-BE49-F238E27FC236}">
-                <a16:creationId xmlns:a16="http://schemas.microsoft.com/office/drawing/2014/main" id="{368AFBA9-6B50-D644-8592-1AC6DAD3973E}"/>
-              </a:ext>
-            </a:extLst>
-          </p:cNvPr>
-          <p:cNvSpPr>
-            <a:spLocks noGrp="1"/>
-          </p:cNvSpPr>
-          <p:nvPr>
-            <p:ph idx="1"/>
-          </p:nvPr>
-        </p:nvSpPr>
-        <p:spPr>
-          <a:xfrm>
-            <a:off x="628650" y="1236541"/>
-            <a:ext cx="6103423" cy="3263504"/>
-          </a:xfrm>
-        </p:spPr>
-        <p:txBody>
-          <a:bodyPr/>
-          <a:lstStyle/>
-          <a:p>
-            <a:r>
-              <a:rPr lang="en-US" dirty="0"/>
-              <a:t>…</a:t>
-            </a:r>
-          </a:p>
-          <a:p>
-            <a:r>
-              <a:rPr lang="en-US" b="1" dirty="0"/>
-              <a:t>M: Is this an </a:t>
-            </a:r>
-            <a:r>
-              <a:rPr lang="en-US" b="1" dirty="0" err="1"/>
-              <a:t>Mmap</a:t>
-            </a:r>
-            <a:r>
-              <a:rPr lang="en-US" b="1" dirty="0"/>
-              <a:t> chunk?</a:t>
-            </a:r>
-          </a:p>
-          <a:p>
-            <a:r>
-              <a:rPr lang="en-US" dirty="0"/>
-              <a:t>…</a:t>
-            </a:r>
-          </a:p>
-          <a:p>
-            <a:pPr lvl="1"/>
-            <a:endParaRPr lang="en-US" dirty="0"/>
-          </a:p>
-          <a:p>
-            <a:pPr lvl="1"/>
-            <a:endParaRPr lang="en-US" dirty="0"/>
-          </a:p>
-        </p:txBody>
-      </p:sp>
-      <p:pic>
-        <p:nvPicPr>
-          <p:cNvPr id="4" name="Picture 3" descr="Table&#10;&#10;Description automatically generated">
-            <a:extLst>
-              <a:ext uri="{FF2B5EF4-FFF2-40B4-BE49-F238E27FC236}">
-                <a16:creationId xmlns:a16="http://schemas.microsoft.com/office/drawing/2014/main" id="{E6D2E34C-5402-F840-A80B-F7BF9AF1995A}"/>
-              </a:ext>
-            </a:extLst>
-          </p:cNvPr>
-          <p:cNvPicPr>
-            <a:picLocks noChangeAspect="1"/>
-          </p:cNvPicPr>
-          <p:nvPr/>
-        </p:nvPicPr>
-        <p:blipFill>
-          <a:blip r:embed="rId2"/>
-          <a:stretch>
-            <a:fillRect/>
-          </a:stretch>
-        </p:blipFill>
-        <p:spPr>
-          <a:xfrm>
-            <a:off x="6838998" y="1131826"/>
-            <a:ext cx="1963519" cy="3263504"/>
-          </a:xfrm>
-          <a:prstGeom prst="rect">
-            <a:avLst/>
-          </a:prstGeom>
-          <a:noFill/>
-        </p:spPr>
-      </p:pic>
-      <p:cxnSp>
-        <p:nvCxnSpPr>
-          <p:cNvPr id="6" name="Straight Connector 5">
-            <a:extLst>
-              <a:ext uri="{FF2B5EF4-FFF2-40B4-BE49-F238E27FC236}">
-                <a16:creationId xmlns:a16="http://schemas.microsoft.com/office/drawing/2014/main" id="{EA7C5BC1-CA45-7D40-A74F-1B6FC81F453D}"/>
-              </a:ext>
-            </a:extLst>
-          </p:cNvPr>
-          <p:cNvCxnSpPr>
-            <a:cxnSpLocks/>
-          </p:cNvCxnSpPr>
-          <p:nvPr/>
-        </p:nvCxnSpPr>
-        <p:spPr>
-          <a:xfrm>
-            <a:off x="8221784" y="2426189"/>
-            <a:ext cx="293566" cy="0"/>
-          </a:xfrm>
-          <a:prstGeom prst="line">
-            <a:avLst/>
-          </a:prstGeom>
-          <a:ln w="38100">
-            <a:solidFill>
-              <a:srgbClr val="FF0000"/>
-            </a:solidFill>
-          </a:ln>
-        </p:spPr>
-        <p:style>
-          <a:lnRef idx="1">
-            <a:schemeClr val="accent1"/>
-          </a:lnRef>
-          <a:fillRef idx="0">
-            <a:schemeClr val="accent1"/>
-          </a:fillRef>
-          <a:effectRef idx="0">
-            <a:schemeClr val="accent1"/>
-          </a:effectRef>
-          <a:fontRef idx="minor">
-            <a:schemeClr val="tx1"/>
-          </a:fontRef>
-        </p:style>
-      </p:cxnSp>
-    </p:spTree>
-    <p:extLst>
-      <p:ext uri="{BB962C8B-B14F-4D97-AF65-F5344CB8AC3E}">
-        <p14:creationId xmlns:p14="http://schemas.microsoft.com/office/powerpoint/2010/main" val="1033320497"/>
-      </p:ext>
-    </p:extLst>
-  </p:cSld>
-  <p:clrMapOvr>
-    <a:masterClrMapping/>
-  </p:clrMapOvr>
-</p:sld>
-</file>
-
-<file path=ppt/slides/slide50.xml><?xml version="1.0" encoding="utf-8"?>
+<file path=ppt/slides/slide52.xml><?xml version="1.0" encoding="utf-8"?>
 <p:sld xmlns:a="http://schemas.openxmlformats.org/drawingml/2006/main" xmlns:r="http://schemas.openxmlformats.org/officeDocument/2006/relationships" xmlns:p="http://schemas.openxmlformats.org/presentationml/2006/main">
   <p:cSld>
     <p:spTree>
@@ -30335,7 +31186,7 @@
 </p:sld>
 </file>
 
-<file path=ppt/slides/slide51.xml><?xml version="1.0" encoding="utf-8"?>
+<file path=ppt/slides/slide53.xml><?xml version="1.0" encoding="utf-8"?>
 <p:sld xmlns:a="http://schemas.openxmlformats.org/drawingml/2006/main" xmlns:r="http://schemas.openxmlformats.org/officeDocument/2006/relationships" xmlns:p="http://schemas.openxmlformats.org/presentationml/2006/main">
   <p:cSld>
     <p:spTree>
@@ -30431,7 +31282,7 @@
 </p:sld>
 </file>
 
-<file path=ppt/slides/slide52.xml><?xml version="1.0" encoding="utf-8"?>
+<file path=ppt/slides/slide54.xml><?xml version="1.0" encoding="utf-8"?>
 <p:sld xmlns:a="http://schemas.openxmlformats.org/drawingml/2006/main" xmlns:r="http://schemas.openxmlformats.org/officeDocument/2006/relationships" xmlns:p="http://schemas.openxmlformats.org/presentationml/2006/main">
   <p:cSld>
     <p:spTree>
@@ -30518,7 +31369,7 @@
 </p:sld>
 </file>
 
-<file path=ppt/slides/slide53.xml><?xml version="1.0" encoding="utf-8"?>
+<file path=ppt/slides/slide55.xml><?xml version="1.0" encoding="utf-8"?>
 <p:sld xmlns:a="http://schemas.openxmlformats.org/drawingml/2006/main" xmlns:r="http://schemas.openxmlformats.org/officeDocument/2006/relationships" xmlns:p="http://schemas.openxmlformats.org/presentationml/2006/main">
   <p:cSld>
     <p:spTree>
@@ -30623,7 +31474,7 @@
           <p:nvPr/>
         </p:nvPicPr>
         <p:blipFill rotWithShape="1">
-          <a:blip r:embed="rId2">
+          <a:blip r:embed="rId3">
             <a:extLst>
               <a:ext uri="{28A0092B-C50C-407E-A947-70E740481C1C}">
                 <a14:useLocalDpi xmlns:a14="http://schemas.microsoft.com/office/drawing/2010/main" val="0"/>
@@ -30659,7 +31510,7 @@
 </p:sld>
 </file>
 
-<file path=ppt/slides/slide54.xml><?xml version="1.0" encoding="utf-8"?>
+<file path=ppt/slides/slide56.xml><?xml version="1.0" encoding="utf-8"?>
 <p:sld xmlns:a="http://schemas.openxmlformats.org/drawingml/2006/main" xmlns:r="http://schemas.openxmlformats.org/officeDocument/2006/relationships" xmlns:p="http://schemas.openxmlformats.org/presentationml/2006/main">
   <p:cSld>
     <p:spTree>
@@ -30786,7 +31637,11 @@
             </a:r>
             <a:r>
               <a:rPr lang="en-US" dirty="0"/>
-              <a:t>of chunk 1 to overlap with chunk 2</a:t>
+              <a:t>of chunk 2 to overlap with </a:t>
+            </a:r>
+            <a:r>
+              <a:rPr lang="en-US"/>
+              <a:t>chunk 1</a:t>
             </a:r>
             <a:endParaRPr lang="en-US" b="1" i="1" dirty="0"/>
           </a:p>
@@ -30805,7 +31660,7 @@
 </p:sld>
 </file>
 
-<file path=ppt/slides/slide55.xml><?xml version="1.0" encoding="utf-8"?>
+<file path=ppt/slides/slide57.xml><?xml version="1.0" encoding="utf-8"?>
 <p:sld xmlns:a="http://schemas.openxmlformats.org/drawingml/2006/main" xmlns:r="http://schemas.openxmlformats.org/officeDocument/2006/relationships" xmlns:p="http://schemas.openxmlformats.org/presentationml/2006/main">
   <p:cSld>
     <p:spTree>
@@ -31028,7 +31883,7 @@
 </p:sld>
 </file>
 
-<file path=ppt/slides/slide56.xml><?xml version="1.0" encoding="utf-8"?>
+<file path=ppt/slides/slide58.xml><?xml version="1.0" encoding="utf-8"?>
 <p:sld xmlns:a="http://schemas.openxmlformats.org/drawingml/2006/main" xmlns:r="http://schemas.openxmlformats.org/officeDocument/2006/relationships" xmlns:p="http://schemas.openxmlformats.org/presentationml/2006/main">
   <p:cSld>
     <p:spTree>
@@ -31068,7 +31923,7 @@
           <a:p>
             <a:r>
               <a:rPr lang="en-US" dirty="0"/>
-              <a:t>Challenge Time!</a:t>
+              <a:t>Exercise Time!</a:t>
             </a:r>
           </a:p>
         </p:txBody>
@@ -31198,7 +32053,7 @@
 </p:sld>
 </file>
 
-<file path=ppt/slides/slide57.xml><?xml version="1.0" encoding="utf-8"?>
+<file path=ppt/slides/slide59.xml><?xml version="1.0" encoding="utf-8"?>
 <p:sld xmlns:a="http://schemas.openxmlformats.org/drawingml/2006/main" xmlns:r="http://schemas.openxmlformats.org/officeDocument/2006/relationships" xmlns:p="http://schemas.openxmlformats.org/presentationml/2006/main">
   <p:cSld>
     <p:spTree>
@@ -31297,196 +32152,6 @@
     <p:extLst>
       <p:ext uri="{BB962C8B-B14F-4D97-AF65-F5344CB8AC3E}">
         <p14:creationId xmlns:p14="http://schemas.microsoft.com/office/powerpoint/2010/main" val="2549599648"/>
-      </p:ext>
-    </p:extLst>
-  </p:cSld>
-  <p:clrMapOvr>
-    <a:masterClrMapping/>
-  </p:clrMapOvr>
-</p:sld>
-</file>
-
-<file path=ppt/slides/slide58.xml><?xml version="1.0" encoding="utf-8"?>
-<p:sld xmlns:a="http://schemas.openxmlformats.org/drawingml/2006/main" xmlns:r="http://schemas.openxmlformats.org/officeDocument/2006/relationships" xmlns:p="http://schemas.openxmlformats.org/presentationml/2006/main">
-  <p:cSld>
-    <p:spTree>
-      <p:nvGrpSpPr>
-        <p:cNvPr id="1" name=""/>
-        <p:cNvGrpSpPr/>
-        <p:nvPr/>
-      </p:nvGrpSpPr>
-      <p:grpSpPr>
-        <a:xfrm>
-          <a:off x="0" y="0"/>
-          <a:ext cx="0" cy="0"/>
-          <a:chOff x="0" y="0"/>
-          <a:chExt cx="0" cy="0"/>
-        </a:xfrm>
-      </p:grpSpPr>
-      <p:sp>
-        <p:nvSpPr>
-          <p:cNvPr id="2" name="Title 1">
-            <a:extLst>
-              <a:ext uri="{FF2B5EF4-FFF2-40B4-BE49-F238E27FC236}">
-                <a16:creationId xmlns:a16="http://schemas.microsoft.com/office/drawing/2014/main" id="{051E9AA5-D0DF-9C46-8FD3-ABEDB77687E1}"/>
-              </a:ext>
-            </a:extLst>
-          </p:cNvPr>
-          <p:cNvSpPr>
-            <a:spLocks noGrp="1"/>
-          </p:cNvSpPr>
-          <p:nvPr>
-            <p:ph type="title"/>
-          </p:nvPr>
-        </p:nvSpPr>
-        <p:spPr>
-          <a:xfrm>
-            <a:off x="628650" y="273847"/>
-            <a:ext cx="7886700" cy="994172"/>
-          </a:xfrm>
-        </p:spPr>
-        <p:txBody>
-          <a:bodyPr anchor="ctr">
-            <a:normAutofit/>
-          </a:bodyPr>
-          <a:lstStyle/>
-          <a:p>
-            <a:r>
-              <a:rPr lang="en-US" dirty="0"/>
-              <a:t>Current Memory Setup</a:t>
-            </a:r>
-          </a:p>
-        </p:txBody>
-      </p:sp>
-      <p:pic>
-        <p:nvPicPr>
-          <p:cNvPr id="5" name="Content Placeholder 4" descr="Mmap Overlapping chunks memory layout">
-            <a:extLst>
-              <a:ext uri="{FF2B5EF4-FFF2-40B4-BE49-F238E27FC236}">
-                <a16:creationId xmlns:a16="http://schemas.microsoft.com/office/drawing/2014/main" id="{F53B2FCA-8AA4-1C45-A703-7B32C08AA79D}"/>
-              </a:ext>
-            </a:extLst>
-          </p:cNvPr>
-          <p:cNvPicPr>
-            <a:picLocks noGrp="1" noChangeAspect="1"/>
-          </p:cNvPicPr>
-          <p:nvPr>
-            <p:ph idx="1"/>
-          </p:nvPr>
-        </p:nvPicPr>
-        <p:blipFill>
-          <a:blip r:embed="rId2"/>
-          <a:stretch>
-            <a:fillRect/>
-          </a:stretch>
-        </p:blipFill>
-        <p:spPr>
-          <a:xfrm>
-            <a:off x="2185870" y="1236541"/>
-            <a:ext cx="4772259" cy="3263504"/>
-          </a:xfrm>
-          <a:noFill/>
-        </p:spPr>
-      </p:pic>
-    </p:spTree>
-    <p:extLst>
-      <p:ext uri="{BB962C8B-B14F-4D97-AF65-F5344CB8AC3E}">
-        <p14:creationId xmlns:p14="http://schemas.microsoft.com/office/powerpoint/2010/main" val="2395713471"/>
-      </p:ext>
-    </p:extLst>
-  </p:cSld>
-  <p:clrMapOvr>
-    <a:masterClrMapping/>
-  </p:clrMapOvr>
-</p:sld>
-</file>
-
-<file path=ppt/slides/slide59.xml><?xml version="1.0" encoding="utf-8"?>
-<p:sld xmlns:a="http://schemas.openxmlformats.org/drawingml/2006/main" xmlns:r="http://schemas.openxmlformats.org/officeDocument/2006/relationships" xmlns:p="http://schemas.openxmlformats.org/presentationml/2006/main">
-  <p:cSld>
-    <p:spTree>
-      <p:nvGrpSpPr>
-        <p:cNvPr id="1" name=""/>
-        <p:cNvGrpSpPr/>
-        <p:nvPr/>
-      </p:nvGrpSpPr>
-      <p:grpSpPr>
-        <a:xfrm>
-          <a:off x="0" y="0"/>
-          <a:ext cx="0" cy="0"/>
-          <a:chOff x="0" y="0"/>
-          <a:chExt cx="0" cy="0"/>
-        </a:xfrm>
-      </p:grpSpPr>
-      <p:sp>
-        <p:nvSpPr>
-          <p:cNvPr id="2" name="Title 1">
-            <a:extLst>
-              <a:ext uri="{FF2B5EF4-FFF2-40B4-BE49-F238E27FC236}">
-                <a16:creationId xmlns:a16="http://schemas.microsoft.com/office/drawing/2014/main" id="{22306FA3-0A4E-164A-BF59-5F62290FC0E6}"/>
-              </a:ext>
-            </a:extLst>
-          </p:cNvPr>
-          <p:cNvSpPr>
-            <a:spLocks noGrp="1"/>
-          </p:cNvSpPr>
-          <p:nvPr>
-            <p:ph type="title"/>
-          </p:nvPr>
-        </p:nvSpPr>
-        <p:spPr>
-          <a:xfrm>
-            <a:off x="628650" y="273847"/>
-            <a:ext cx="7886700" cy="994172"/>
-          </a:xfrm>
-        </p:spPr>
-        <p:txBody>
-          <a:bodyPr anchor="ctr">
-            <a:normAutofit/>
-          </a:bodyPr>
-          <a:lstStyle/>
-          <a:p>
-            <a:r>
-              <a:rPr lang="en-US" dirty="0"/>
-              <a:t>Memory Overlap with prev_size</a:t>
-            </a:r>
-          </a:p>
-        </p:txBody>
-      </p:sp>
-      <p:pic>
-        <p:nvPicPr>
-          <p:cNvPr id="29" name="Content Placeholder 28" descr="Diagram&#10;&#10;Description automatically generated">
-            <a:extLst>
-              <a:ext uri="{FF2B5EF4-FFF2-40B4-BE49-F238E27FC236}">
-                <a16:creationId xmlns:a16="http://schemas.microsoft.com/office/drawing/2014/main" id="{264D79A6-D111-1A42-9609-63E52EDDE6DE}"/>
-              </a:ext>
-            </a:extLst>
-          </p:cNvPr>
-          <p:cNvPicPr>
-            <a:picLocks noGrp="1" noChangeAspect="1"/>
-          </p:cNvPicPr>
-          <p:nvPr>
-            <p:ph idx="1"/>
-          </p:nvPr>
-        </p:nvPicPr>
-        <p:blipFill>
-          <a:blip r:embed="rId2"/>
-          <a:stretch>
-            <a:fillRect/>
-          </a:stretch>
-        </p:blipFill>
-        <p:spPr>
-          <a:xfrm>
-            <a:off x="2209613" y="1236541"/>
-            <a:ext cx="4724774" cy="3263504"/>
-          </a:xfrm>
-          <a:noFill/>
-        </p:spPr>
-      </p:pic>
-    </p:spTree>
-    <p:extLst>
-      <p:ext uri="{BB962C8B-B14F-4D97-AF65-F5344CB8AC3E}">
-        <p14:creationId xmlns:p14="http://schemas.microsoft.com/office/powerpoint/2010/main" val="92812845"/>
       </p:ext>
     </p:extLst>
   </p:cSld>
@@ -31930,6 +32595,196 @@
           <p:cNvPr id="2" name="Title 1">
             <a:extLst>
               <a:ext uri="{FF2B5EF4-FFF2-40B4-BE49-F238E27FC236}">
+                <a16:creationId xmlns:a16="http://schemas.microsoft.com/office/drawing/2014/main" id="{051E9AA5-D0DF-9C46-8FD3-ABEDB77687E1}"/>
+              </a:ext>
+            </a:extLst>
+          </p:cNvPr>
+          <p:cNvSpPr>
+            <a:spLocks noGrp="1"/>
+          </p:cNvSpPr>
+          <p:nvPr>
+            <p:ph type="title"/>
+          </p:nvPr>
+        </p:nvSpPr>
+        <p:spPr>
+          <a:xfrm>
+            <a:off x="628650" y="273847"/>
+            <a:ext cx="7886700" cy="994172"/>
+          </a:xfrm>
+        </p:spPr>
+        <p:txBody>
+          <a:bodyPr anchor="ctr">
+            <a:normAutofit/>
+          </a:bodyPr>
+          <a:lstStyle/>
+          <a:p>
+            <a:r>
+              <a:rPr lang="en-US" dirty="0"/>
+              <a:t>Current Memory Setup</a:t>
+            </a:r>
+          </a:p>
+        </p:txBody>
+      </p:sp>
+      <p:pic>
+        <p:nvPicPr>
+          <p:cNvPr id="5" name="Content Placeholder 4" descr="Mmap Overlapping chunks memory layout">
+            <a:extLst>
+              <a:ext uri="{FF2B5EF4-FFF2-40B4-BE49-F238E27FC236}">
+                <a16:creationId xmlns:a16="http://schemas.microsoft.com/office/drawing/2014/main" id="{F53B2FCA-8AA4-1C45-A703-7B32C08AA79D}"/>
+              </a:ext>
+            </a:extLst>
+          </p:cNvPr>
+          <p:cNvPicPr>
+            <a:picLocks noGrp="1" noChangeAspect="1"/>
+          </p:cNvPicPr>
+          <p:nvPr>
+            <p:ph idx="1"/>
+          </p:nvPr>
+        </p:nvPicPr>
+        <p:blipFill>
+          <a:blip r:embed="rId2"/>
+          <a:stretch>
+            <a:fillRect/>
+          </a:stretch>
+        </p:blipFill>
+        <p:spPr>
+          <a:xfrm>
+            <a:off x="2185870" y="1236541"/>
+            <a:ext cx="4772259" cy="3263504"/>
+          </a:xfrm>
+          <a:noFill/>
+        </p:spPr>
+      </p:pic>
+    </p:spTree>
+    <p:extLst>
+      <p:ext uri="{BB962C8B-B14F-4D97-AF65-F5344CB8AC3E}">
+        <p14:creationId xmlns:p14="http://schemas.microsoft.com/office/powerpoint/2010/main" val="2395713471"/>
+      </p:ext>
+    </p:extLst>
+  </p:cSld>
+  <p:clrMapOvr>
+    <a:masterClrMapping/>
+  </p:clrMapOvr>
+</p:sld>
+</file>
+
+<file path=ppt/slides/slide61.xml><?xml version="1.0" encoding="utf-8"?>
+<p:sld xmlns:a="http://schemas.openxmlformats.org/drawingml/2006/main" xmlns:r="http://schemas.openxmlformats.org/officeDocument/2006/relationships" xmlns:p="http://schemas.openxmlformats.org/presentationml/2006/main">
+  <p:cSld>
+    <p:spTree>
+      <p:nvGrpSpPr>
+        <p:cNvPr id="1" name=""/>
+        <p:cNvGrpSpPr/>
+        <p:nvPr/>
+      </p:nvGrpSpPr>
+      <p:grpSpPr>
+        <a:xfrm>
+          <a:off x="0" y="0"/>
+          <a:ext cx="0" cy="0"/>
+          <a:chOff x="0" y="0"/>
+          <a:chExt cx="0" cy="0"/>
+        </a:xfrm>
+      </p:grpSpPr>
+      <p:sp>
+        <p:nvSpPr>
+          <p:cNvPr id="2" name="Title 1">
+            <a:extLst>
+              <a:ext uri="{FF2B5EF4-FFF2-40B4-BE49-F238E27FC236}">
+                <a16:creationId xmlns:a16="http://schemas.microsoft.com/office/drawing/2014/main" id="{22306FA3-0A4E-164A-BF59-5F62290FC0E6}"/>
+              </a:ext>
+            </a:extLst>
+          </p:cNvPr>
+          <p:cNvSpPr>
+            <a:spLocks noGrp="1"/>
+          </p:cNvSpPr>
+          <p:nvPr>
+            <p:ph type="title"/>
+          </p:nvPr>
+        </p:nvSpPr>
+        <p:spPr>
+          <a:xfrm>
+            <a:off x="628650" y="273847"/>
+            <a:ext cx="7886700" cy="994172"/>
+          </a:xfrm>
+        </p:spPr>
+        <p:txBody>
+          <a:bodyPr anchor="ctr">
+            <a:normAutofit/>
+          </a:bodyPr>
+          <a:lstStyle/>
+          <a:p>
+            <a:r>
+              <a:rPr lang="en-US" dirty="0"/>
+              <a:t>Memory Overlap with prev_size</a:t>
+            </a:r>
+          </a:p>
+        </p:txBody>
+      </p:sp>
+      <p:pic>
+        <p:nvPicPr>
+          <p:cNvPr id="29" name="Content Placeholder 28" descr="Diagram&#10;&#10;Description automatically generated">
+            <a:extLst>
+              <a:ext uri="{FF2B5EF4-FFF2-40B4-BE49-F238E27FC236}">
+                <a16:creationId xmlns:a16="http://schemas.microsoft.com/office/drawing/2014/main" id="{264D79A6-D111-1A42-9609-63E52EDDE6DE}"/>
+              </a:ext>
+            </a:extLst>
+          </p:cNvPr>
+          <p:cNvPicPr>
+            <a:picLocks noGrp="1" noChangeAspect="1"/>
+          </p:cNvPicPr>
+          <p:nvPr>
+            <p:ph idx="1"/>
+          </p:nvPr>
+        </p:nvPicPr>
+        <p:blipFill>
+          <a:blip r:embed="rId2"/>
+          <a:stretch>
+            <a:fillRect/>
+          </a:stretch>
+        </p:blipFill>
+        <p:spPr>
+          <a:xfrm>
+            <a:off x="2209613" y="1236541"/>
+            <a:ext cx="4724774" cy="3263504"/>
+          </a:xfrm>
+          <a:noFill/>
+        </p:spPr>
+      </p:pic>
+    </p:spTree>
+    <p:extLst>
+      <p:ext uri="{BB962C8B-B14F-4D97-AF65-F5344CB8AC3E}">
+        <p14:creationId xmlns:p14="http://schemas.microsoft.com/office/powerpoint/2010/main" val="92812845"/>
+      </p:ext>
+    </p:extLst>
+  </p:cSld>
+  <p:clrMapOvr>
+    <a:masterClrMapping/>
+  </p:clrMapOvr>
+</p:sld>
+</file>
+
+<file path=ppt/slides/slide62.xml><?xml version="1.0" encoding="utf-8"?>
+<p:sld xmlns:a="http://schemas.openxmlformats.org/drawingml/2006/main" xmlns:r="http://schemas.openxmlformats.org/officeDocument/2006/relationships" xmlns:p="http://schemas.openxmlformats.org/presentationml/2006/main">
+  <p:cSld>
+    <p:spTree>
+      <p:nvGrpSpPr>
+        <p:cNvPr id="1" name=""/>
+        <p:cNvGrpSpPr/>
+        <p:nvPr/>
+      </p:nvGrpSpPr>
+      <p:grpSpPr>
+        <a:xfrm>
+          <a:off x="0" y="0"/>
+          <a:ext cx="0" cy="0"/>
+          <a:chOff x="0" y="0"/>
+          <a:chExt cx="0" cy="0"/>
+        </a:xfrm>
+      </p:grpSpPr>
+      <p:sp>
+        <p:nvSpPr>
+          <p:cNvPr id="2" name="Title 1">
+            <a:extLst>
+              <a:ext uri="{FF2B5EF4-FFF2-40B4-BE49-F238E27FC236}">
                 <a16:creationId xmlns:a16="http://schemas.microsoft.com/office/drawing/2014/main" id="{22306FA3-0A4E-164A-BF59-5F62290FC0E6}"/>
               </a:ext>
             </a:extLst>
@@ -32070,7 +32925,7 @@
 </p:sld>
 </file>
 
-<file path=ppt/slides/slide61.xml><?xml version="1.0" encoding="utf-8"?>
+<file path=ppt/slides/slide63.xml><?xml version="1.0" encoding="utf-8"?>
 <p:sld xmlns:a="http://schemas.openxmlformats.org/drawingml/2006/main" xmlns:r="http://schemas.openxmlformats.org/officeDocument/2006/relationships" xmlns:p="http://schemas.openxmlformats.org/presentationml/2006/main">
   <p:cSld>
     <p:spTree>
@@ -32421,7 +33276,7 @@
 </p:sld>
 </file>
 
-<file path=ppt/slides/slide62.xml><?xml version="1.0" encoding="utf-8"?>
+<file path=ppt/slides/slide64.xml><?xml version="1.0" encoding="utf-8"?>
 <p:sld xmlns:a="http://schemas.openxmlformats.org/drawingml/2006/main" xmlns:r="http://schemas.openxmlformats.org/officeDocument/2006/relationships" xmlns:p="http://schemas.openxmlformats.org/presentationml/2006/main">
   <p:cSld>
     <p:spTree>
@@ -32580,7 +33435,7 @@
 </p:sld>
 </file>
 
-<file path=ppt/slides/slide63.xml><?xml version="1.0" encoding="utf-8"?>
+<file path=ppt/slides/slide65.xml><?xml version="1.0" encoding="utf-8"?>
 <p:sld xmlns:a="http://schemas.openxmlformats.org/drawingml/2006/main" xmlns:r="http://schemas.openxmlformats.org/officeDocument/2006/relationships" xmlns:p="http://schemas.openxmlformats.org/presentationml/2006/main">
   <p:cSld>
     <p:spTree>
@@ -32923,7 +33778,7 @@
 </p:sld>
 </file>
 
-<file path=ppt/slides/slide64.xml><?xml version="1.0" encoding="utf-8"?>
+<file path=ppt/slides/slide66.xml><?xml version="1.0" encoding="utf-8"?>
 <p:sld xmlns:a="http://schemas.openxmlformats.org/drawingml/2006/main" xmlns:r="http://schemas.openxmlformats.org/officeDocument/2006/relationships" xmlns:p="http://schemas.openxmlformats.org/presentationml/2006/main">
   <p:cSld>
     <p:spTree>
@@ -33074,7 +33929,7 @@
 </p:sld>
 </file>
 
-<file path=ppt/slides/slide65.xml><?xml version="1.0" encoding="utf-8"?>
+<file path=ppt/slides/slide67.xml><?xml version="1.0" encoding="utf-8"?>
 <p:sld xmlns:a="http://schemas.openxmlformats.org/drawingml/2006/main" xmlns:r="http://schemas.openxmlformats.org/officeDocument/2006/relationships" xmlns:p="http://schemas.openxmlformats.org/presentationml/2006/main">
   <p:cSld>
     <p:spTree>
@@ -33206,7 +34061,7 @@
 </p:sld>
 </file>
 
-<file path=ppt/slides/slide66.xml><?xml version="1.0" encoding="utf-8"?>
+<file path=ppt/slides/slide68.xml><?xml version="1.0" encoding="utf-8"?>
 <p:sld xmlns:a="http://schemas.openxmlformats.org/drawingml/2006/main" xmlns:r="http://schemas.openxmlformats.org/officeDocument/2006/relationships" xmlns:p="http://schemas.openxmlformats.org/presentationml/2006/main">
   <p:cSld>
     <p:spTree>
@@ -33363,7 +34218,7 @@
 </p:sld>
 </file>
 
-<file path=ppt/slides/slide67.xml><?xml version="1.0" encoding="utf-8"?>
+<file path=ppt/slides/slide69.xml><?xml version="1.0" encoding="utf-8"?>
 <p:sld xmlns:a="http://schemas.openxmlformats.org/drawingml/2006/main" xmlns:r="http://schemas.openxmlformats.org/officeDocument/2006/relationships" xmlns:p="http://schemas.openxmlformats.org/presentationml/2006/main">
   <p:cSld>
     <p:spTree>
@@ -33532,7 +34387,182 @@
 </p:sld>
 </file>
 
-<file path=ppt/slides/slide68.xml><?xml version="1.0" encoding="utf-8"?>
+<file path=ppt/slides/slide7.xml><?xml version="1.0" encoding="utf-8"?>
+<p:sld xmlns:a="http://schemas.openxmlformats.org/drawingml/2006/main" xmlns:r="http://schemas.openxmlformats.org/officeDocument/2006/relationships" xmlns:p="http://schemas.openxmlformats.org/presentationml/2006/main">
+  <p:cSld>
+    <p:spTree>
+      <p:nvGrpSpPr>
+        <p:cNvPr id="1" name=""/>
+        <p:cNvGrpSpPr/>
+        <p:nvPr/>
+      </p:nvGrpSpPr>
+      <p:grpSpPr>
+        <a:xfrm>
+          <a:off x="0" y="0"/>
+          <a:ext cx="0" cy="0"/>
+          <a:chOff x="0" y="0"/>
+          <a:chExt cx="0" cy="0"/>
+        </a:xfrm>
+      </p:grpSpPr>
+      <p:sp>
+        <p:nvSpPr>
+          <p:cNvPr id="2" name="Title 1">
+            <a:extLst>
+              <a:ext uri="{FF2B5EF4-FFF2-40B4-BE49-F238E27FC236}">
+                <a16:creationId xmlns:a16="http://schemas.microsoft.com/office/drawing/2014/main" id="{81ABDF07-9A2A-054C-B6DF-DFE1A7DC47FD}"/>
+              </a:ext>
+            </a:extLst>
+          </p:cNvPr>
+          <p:cNvSpPr>
+            <a:spLocks noGrp="1"/>
+          </p:cNvSpPr>
+          <p:nvPr>
+            <p:ph type="title"/>
+          </p:nvPr>
+        </p:nvSpPr>
+        <p:spPr>
+          <a:xfrm>
+            <a:off x="628650" y="273847"/>
+            <a:ext cx="7886700" cy="994172"/>
+          </a:xfrm>
+        </p:spPr>
+        <p:txBody>
+          <a:bodyPr anchor="ctr">
+            <a:normAutofit/>
+          </a:bodyPr>
+          <a:lstStyle/>
+          <a:p>
+            <a:r>
+              <a:rPr lang="en-US" dirty="0" err="1"/>
+              <a:t>Munmap</a:t>
+            </a:r>
+            <a:r>
+              <a:rPr lang="en-US" dirty="0"/>
+              <a:t> – Inverse of </a:t>
+            </a:r>
+            <a:r>
+              <a:rPr lang="en-US" dirty="0" err="1"/>
+              <a:t>Mmap</a:t>
+            </a:r>
+            <a:endParaRPr lang="en-US" dirty="0"/>
+          </a:p>
+        </p:txBody>
+      </p:sp>
+      <p:sp>
+        <p:nvSpPr>
+          <p:cNvPr id="3" name="Content Placeholder 2">
+            <a:extLst>
+              <a:ext uri="{FF2B5EF4-FFF2-40B4-BE49-F238E27FC236}">
+                <a16:creationId xmlns:a16="http://schemas.microsoft.com/office/drawing/2014/main" id="{B73F9910-32BB-104C-92C1-C14218E16885}"/>
+              </a:ext>
+            </a:extLst>
+          </p:cNvPr>
+          <p:cNvSpPr>
+            <a:spLocks noGrp="1"/>
+          </p:cNvSpPr>
+          <p:nvPr>
+            <p:ph sz="half" idx="1"/>
+          </p:nvPr>
+        </p:nvSpPr>
+        <p:spPr>
+          <a:xfrm>
+            <a:off x="628650" y="1369219"/>
+            <a:ext cx="3886200" cy="3263504"/>
+          </a:xfrm>
+        </p:spPr>
+        <p:txBody>
+          <a:bodyPr>
+            <a:normAutofit/>
+          </a:bodyPr>
+          <a:lstStyle/>
+          <a:p>
+            <a:r>
+              <a:rPr lang="en-US" dirty="0"/>
+              <a:t>“</a:t>
+            </a:r>
+            <a:r>
+              <a:rPr lang="en-US" b="1" i="1" dirty="0" err="1"/>
+              <a:t>Unmap</a:t>
+            </a:r>
+            <a:r>
+              <a:rPr lang="en-US" dirty="0"/>
+              <a:t> pages of memory” – </a:t>
+            </a:r>
+            <a:r>
+              <a:rPr lang="en-US" i="1" dirty="0"/>
+              <a:t>Man</a:t>
+            </a:r>
+            <a:r>
+              <a:rPr lang="en-US" dirty="0"/>
+              <a:t> </a:t>
+            </a:r>
+          </a:p>
+          <a:p>
+            <a:r>
+              <a:rPr lang="en-US" dirty="0"/>
+              <a:t>Remove the virtual memory allocated by </a:t>
+            </a:r>
+            <a:r>
+              <a:rPr lang="en-US" i="1" dirty="0" err="1"/>
+              <a:t>mmap</a:t>
+            </a:r>
+            <a:endParaRPr lang="en-US" dirty="0"/>
+          </a:p>
+        </p:txBody>
+      </p:sp>
+      <p:pic>
+        <p:nvPicPr>
+          <p:cNvPr id="1026" name="Picture 2" descr="Don't Throw Away Your Trash | Paperless Forms">
+            <a:extLst>
+              <a:ext uri="{FF2B5EF4-FFF2-40B4-BE49-F238E27FC236}">
+                <a16:creationId xmlns:a16="http://schemas.microsoft.com/office/drawing/2014/main" id="{9A5F889A-6781-224B-9A19-DFFA5C007008}"/>
+              </a:ext>
+            </a:extLst>
+          </p:cNvPr>
+          <p:cNvPicPr>
+            <a:picLocks noChangeAspect="1" noChangeArrowheads="1"/>
+          </p:cNvPicPr>
+          <p:nvPr/>
+        </p:nvPicPr>
+        <p:blipFill>
+          <a:blip r:embed="rId2">
+            <a:extLst>
+              <a:ext uri="{28A0092B-C50C-407E-A947-70E740481C1C}">
+                <a14:useLocalDpi xmlns:a14="http://schemas.microsoft.com/office/drawing/2010/main" val="0"/>
+              </a:ext>
+            </a:extLst>
+          </a:blip>
+          <a:stretch>
+            <a:fillRect/>
+          </a:stretch>
+        </p:blipFill>
+        <p:spPr bwMode="auto">
+          <a:xfrm>
+            <a:off x="4629150" y="1909196"/>
+            <a:ext cx="3886200" cy="2183550"/>
+          </a:xfrm>
+          <a:prstGeom prst="rect">
+            <a:avLst/>
+          </a:prstGeom>
+          <a:solidFill>
+            <a:srgbClr val="FFFFFF"/>
+          </a:solidFill>
+        </p:spPr>
+      </p:pic>
+    </p:spTree>
+    <p:extLst>
+      <p:ext uri="{BB962C8B-B14F-4D97-AF65-F5344CB8AC3E}">
+        <p14:creationId xmlns:p14="http://schemas.microsoft.com/office/powerpoint/2010/main" val="476507483"/>
+      </p:ext>
+    </p:extLst>
+  </p:cSld>
+  <p:clrMapOvr>
+    <a:masterClrMapping/>
+  </p:clrMapOvr>
+</p:sld>
+</file>
+
+<file path=ppt/slides/slide70.xml><?xml version="1.0" encoding="utf-8"?>
 <p:sld xmlns:a="http://schemas.openxmlformats.org/drawingml/2006/main" xmlns:r="http://schemas.openxmlformats.org/officeDocument/2006/relationships" xmlns:p="http://schemas.openxmlformats.org/presentationml/2006/main">
   <p:cSld>
     <p:spTree>
@@ -33625,7 +34655,15 @@
             </a:pPr>
             <a:r>
               <a:rPr lang="en-US" dirty="0"/>
-              <a:t>Corrupt size of chunk</a:t>
+              <a:t>Corrupt size of </a:t>
+            </a:r>
+            <a:r>
+              <a:rPr lang="en-US" dirty="0" err="1"/>
+              <a:t>mmap</a:t>
+            </a:r>
+            <a:r>
+              <a:rPr lang="en-US" dirty="0"/>
+              <a:t> chunk</a:t>
             </a:r>
           </a:p>
           <a:p>
@@ -33639,13 +34677,17 @@
             </a:r>
             <a:r>
               <a:rPr lang="en-US" dirty="0"/>
-              <a:t> with Part of </a:t>
-            </a:r>
-            <a:r>
-              <a:rPr lang="en-US" dirty="0" err="1"/>
+              <a:t> with </a:t>
+            </a:r>
+            <a:r>
+              <a:rPr lang="en-US" b="1" i="1" dirty="0"/>
+              <a:t>Part of </a:t>
+            </a:r>
+            <a:r>
+              <a:rPr lang="en-US" b="1" i="1" dirty="0" err="1"/>
               <a:t>LibC</a:t>
             </a:r>
-            <a:endParaRPr lang="en-US" dirty="0"/>
+            <a:endParaRPr lang="en-US" b="1" i="1" dirty="0"/>
           </a:p>
           <a:p>
             <a:pPr marL="457200" indent="-457200">
@@ -33730,7 +34772,7 @@
 </p:sld>
 </file>
 
-<file path=ppt/slides/slide69.xml><?xml version="1.0" encoding="utf-8"?>
+<file path=ppt/slides/slide71.xml><?xml version="1.0" encoding="utf-8"?>
 <p:sld xmlns:a="http://schemas.openxmlformats.org/drawingml/2006/main" xmlns:r="http://schemas.openxmlformats.org/officeDocument/2006/relationships" xmlns:p="http://schemas.openxmlformats.org/presentationml/2006/main">
   <p:cSld>
     <p:spTree>
@@ -33933,182 +34975,7 @@
 </p:sld>
 </file>
 
-<file path=ppt/slides/slide7.xml><?xml version="1.0" encoding="utf-8"?>
-<p:sld xmlns:a="http://schemas.openxmlformats.org/drawingml/2006/main" xmlns:r="http://schemas.openxmlformats.org/officeDocument/2006/relationships" xmlns:p="http://schemas.openxmlformats.org/presentationml/2006/main">
-  <p:cSld>
-    <p:spTree>
-      <p:nvGrpSpPr>
-        <p:cNvPr id="1" name=""/>
-        <p:cNvGrpSpPr/>
-        <p:nvPr/>
-      </p:nvGrpSpPr>
-      <p:grpSpPr>
-        <a:xfrm>
-          <a:off x="0" y="0"/>
-          <a:ext cx="0" cy="0"/>
-          <a:chOff x="0" y="0"/>
-          <a:chExt cx="0" cy="0"/>
-        </a:xfrm>
-      </p:grpSpPr>
-      <p:sp>
-        <p:nvSpPr>
-          <p:cNvPr id="2" name="Title 1">
-            <a:extLst>
-              <a:ext uri="{FF2B5EF4-FFF2-40B4-BE49-F238E27FC236}">
-                <a16:creationId xmlns:a16="http://schemas.microsoft.com/office/drawing/2014/main" id="{81ABDF07-9A2A-054C-B6DF-DFE1A7DC47FD}"/>
-              </a:ext>
-            </a:extLst>
-          </p:cNvPr>
-          <p:cNvSpPr>
-            <a:spLocks noGrp="1"/>
-          </p:cNvSpPr>
-          <p:nvPr>
-            <p:ph type="title"/>
-          </p:nvPr>
-        </p:nvSpPr>
-        <p:spPr>
-          <a:xfrm>
-            <a:off x="628650" y="273847"/>
-            <a:ext cx="7886700" cy="994172"/>
-          </a:xfrm>
-        </p:spPr>
-        <p:txBody>
-          <a:bodyPr anchor="ctr">
-            <a:normAutofit/>
-          </a:bodyPr>
-          <a:lstStyle/>
-          <a:p>
-            <a:r>
-              <a:rPr lang="en-US" dirty="0" err="1"/>
-              <a:t>Munmap</a:t>
-            </a:r>
-            <a:r>
-              <a:rPr lang="en-US" dirty="0"/>
-              <a:t> – Inverse of </a:t>
-            </a:r>
-            <a:r>
-              <a:rPr lang="en-US" dirty="0" err="1"/>
-              <a:t>Mmap</a:t>
-            </a:r>
-            <a:endParaRPr lang="en-US" dirty="0"/>
-          </a:p>
-        </p:txBody>
-      </p:sp>
-      <p:sp>
-        <p:nvSpPr>
-          <p:cNvPr id="3" name="Content Placeholder 2">
-            <a:extLst>
-              <a:ext uri="{FF2B5EF4-FFF2-40B4-BE49-F238E27FC236}">
-                <a16:creationId xmlns:a16="http://schemas.microsoft.com/office/drawing/2014/main" id="{B73F9910-32BB-104C-92C1-C14218E16885}"/>
-              </a:ext>
-            </a:extLst>
-          </p:cNvPr>
-          <p:cNvSpPr>
-            <a:spLocks noGrp="1"/>
-          </p:cNvSpPr>
-          <p:nvPr>
-            <p:ph sz="half" idx="1"/>
-          </p:nvPr>
-        </p:nvSpPr>
-        <p:spPr>
-          <a:xfrm>
-            <a:off x="628650" y="1369219"/>
-            <a:ext cx="3886200" cy="3263504"/>
-          </a:xfrm>
-        </p:spPr>
-        <p:txBody>
-          <a:bodyPr>
-            <a:normAutofit/>
-          </a:bodyPr>
-          <a:lstStyle/>
-          <a:p>
-            <a:r>
-              <a:rPr lang="en-US" dirty="0"/>
-              <a:t>“</a:t>
-            </a:r>
-            <a:r>
-              <a:rPr lang="en-US" dirty="0" err="1"/>
-              <a:t>Unmap</a:t>
-            </a:r>
-            <a:r>
-              <a:rPr lang="en-US" dirty="0"/>
-              <a:t> pages of memory” – </a:t>
-            </a:r>
-            <a:r>
-              <a:rPr lang="en-US" i="1" dirty="0"/>
-              <a:t>Man</a:t>
-            </a:r>
-            <a:r>
-              <a:rPr lang="en-US" dirty="0"/>
-              <a:t> </a:t>
-            </a:r>
-          </a:p>
-          <a:p>
-            <a:r>
-              <a:rPr lang="en-US" dirty="0"/>
-              <a:t>Remove the virtual memory allocated by </a:t>
-            </a:r>
-            <a:r>
-              <a:rPr lang="en-US" i="1" dirty="0" err="1"/>
-              <a:t>mmap</a:t>
-            </a:r>
-            <a:endParaRPr lang="en-US" dirty="0"/>
-          </a:p>
-        </p:txBody>
-      </p:sp>
-      <p:pic>
-        <p:nvPicPr>
-          <p:cNvPr id="1026" name="Picture 2" descr="Don't Throw Away Your Trash | Paperless Forms">
-            <a:extLst>
-              <a:ext uri="{FF2B5EF4-FFF2-40B4-BE49-F238E27FC236}">
-                <a16:creationId xmlns:a16="http://schemas.microsoft.com/office/drawing/2014/main" id="{9A5F889A-6781-224B-9A19-DFFA5C007008}"/>
-              </a:ext>
-            </a:extLst>
-          </p:cNvPr>
-          <p:cNvPicPr>
-            <a:picLocks noChangeAspect="1" noChangeArrowheads="1"/>
-          </p:cNvPicPr>
-          <p:nvPr/>
-        </p:nvPicPr>
-        <p:blipFill>
-          <a:blip r:embed="rId2">
-            <a:extLst>
-              <a:ext uri="{28A0092B-C50C-407E-A947-70E740481C1C}">
-                <a14:useLocalDpi xmlns:a14="http://schemas.microsoft.com/office/drawing/2010/main" val="0"/>
-              </a:ext>
-            </a:extLst>
-          </a:blip>
-          <a:stretch>
-            <a:fillRect/>
-          </a:stretch>
-        </p:blipFill>
-        <p:spPr bwMode="auto">
-          <a:xfrm>
-            <a:off x="4629150" y="1909196"/>
-            <a:ext cx="3886200" cy="2183550"/>
-          </a:xfrm>
-          <a:prstGeom prst="rect">
-            <a:avLst/>
-          </a:prstGeom>
-          <a:solidFill>
-            <a:srgbClr val="FFFFFF"/>
-          </a:solidFill>
-        </p:spPr>
-      </p:pic>
-    </p:spTree>
-    <p:extLst>
-      <p:ext uri="{BB962C8B-B14F-4D97-AF65-F5344CB8AC3E}">
-        <p14:creationId xmlns:p14="http://schemas.microsoft.com/office/powerpoint/2010/main" val="476507483"/>
-      </p:ext>
-    </p:extLst>
-  </p:cSld>
-  <p:clrMapOvr>
-    <a:masterClrMapping/>
-  </p:clrMapOvr>
-</p:sld>
-</file>
-
-<file path=ppt/slides/slide70.xml><?xml version="1.0" encoding="utf-8"?>
+<file path=ppt/slides/slide72.xml><?xml version="1.0" encoding="utf-8"?>
 <p:sld xmlns:a="http://schemas.openxmlformats.org/drawingml/2006/main" xmlns:r="http://schemas.openxmlformats.org/officeDocument/2006/relationships" xmlns:p="http://schemas.openxmlformats.org/presentationml/2006/main">
   <p:cSld>
     <p:spTree>
@@ -34179,7 +35046,7 @@
 </p:sld>
 </file>
 
-<file path=ppt/slides/slide71.xml><?xml version="1.0" encoding="utf-8"?>
+<file path=ppt/slides/slide73.xml><?xml version="1.0" encoding="utf-8"?>
 <p:sld xmlns:a="http://schemas.openxmlformats.org/drawingml/2006/main" xmlns:r="http://schemas.openxmlformats.org/officeDocument/2006/relationships" xmlns:p="http://schemas.openxmlformats.org/presentationml/2006/main">
   <p:cSld>
     <p:spTree>
@@ -34334,7 +35201,7 @@
             </a:r>
             <a:r>
               <a:rPr lang="en-US" i="1" dirty="0"/>
-              <a:t>challenge2</a:t>
+              <a:t>challenge1</a:t>
             </a:r>
             <a:endParaRPr lang="en-US" dirty="0"/>
           </a:p>
@@ -34376,7 +35243,7 @@
 </p:sld>
 </file>
 
-<file path=ppt/slides/slide72.xml><?xml version="1.0" encoding="utf-8"?>
+<file path=ppt/slides/slide74.xml><?xml version="1.0" encoding="utf-8"?>
 <p:sld xmlns:a="http://schemas.openxmlformats.org/drawingml/2006/main" xmlns:r="http://schemas.openxmlformats.org/officeDocument/2006/relationships" xmlns:p="http://schemas.openxmlformats.org/presentationml/2006/main">
   <p:cSld>
     <p:spTree>
@@ -34482,105 +35349,7 @@
 </p:sld>
 </file>
 
-<file path=ppt/slides/slide73.xml><?xml version="1.0" encoding="utf-8"?>
-<p:sld xmlns:a="http://schemas.openxmlformats.org/drawingml/2006/main" xmlns:r="http://schemas.openxmlformats.org/officeDocument/2006/relationships" xmlns:p="http://schemas.openxmlformats.org/presentationml/2006/main">
-  <p:cSld>
-    <p:spTree>
-      <p:nvGrpSpPr>
-        <p:cNvPr id="1" name=""/>
-        <p:cNvGrpSpPr/>
-        <p:nvPr/>
-      </p:nvGrpSpPr>
-      <p:grpSpPr>
-        <a:xfrm>
-          <a:off x="0" y="0"/>
-          <a:ext cx="0" cy="0"/>
-          <a:chOff x="0" y="0"/>
-          <a:chExt cx="0" cy="0"/>
-        </a:xfrm>
-      </p:grpSpPr>
-      <p:sp>
-        <p:nvSpPr>
-          <p:cNvPr id="2" name="Title 1">
-            <a:extLst>
-              <a:ext uri="{FF2B5EF4-FFF2-40B4-BE49-F238E27FC236}">
-                <a16:creationId xmlns:a16="http://schemas.microsoft.com/office/drawing/2014/main" id="{30E83A2C-FF2D-DA41-9284-4E394FB22C34}"/>
-              </a:ext>
-            </a:extLst>
-          </p:cNvPr>
-          <p:cNvSpPr>
-            <a:spLocks noGrp="1"/>
-          </p:cNvSpPr>
-          <p:nvPr>
-            <p:ph type="title"/>
-          </p:nvPr>
-        </p:nvSpPr>
-        <p:spPr/>
-        <p:txBody>
-          <a:bodyPr/>
-          <a:lstStyle/>
-          <a:p>
-            <a:r>
-              <a:rPr lang="en-US" dirty="0"/>
-              <a:t>Challenge Slides for challenge2</a:t>
-            </a:r>
-          </a:p>
-        </p:txBody>
-      </p:sp>
-      <p:sp>
-        <p:nvSpPr>
-          <p:cNvPr id="3" name="Content Placeholder 2">
-            <a:extLst>
-              <a:ext uri="{FF2B5EF4-FFF2-40B4-BE49-F238E27FC236}">
-                <a16:creationId xmlns:a16="http://schemas.microsoft.com/office/drawing/2014/main" id="{FD23DA88-9929-4C41-9BA6-056B51556343}"/>
-              </a:ext>
-            </a:extLst>
-          </p:cNvPr>
-          <p:cNvSpPr>
-            <a:spLocks noGrp="1"/>
-          </p:cNvSpPr>
-          <p:nvPr>
-            <p:ph idx="1"/>
-          </p:nvPr>
-        </p:nvSpPr>
-        <p:spPr/>
-        <p:txBody>
-          <a:bodyPr/>
-          <a:lstStyle/>
-          <a:p>
-            <a:r>
-              <a:rPr lang="en-US" dirty="0"/>
-              <a:t>Both regular and House of </a:t>
-            </a:r>
-            <a:r>
-              <a:rPr lang="en-US" dirty="0" err="1"/>
-              <a:t>Muney</a:t>
-            </a:r>
-            <a:endParaRPr lang="en-US" dirty="0"/>
-          </a:p>
-          <a:p>
-            <a:r>
-              <a:rPr lang="en-US"/>
-              <a:t>TODO</a:t>
-            </a:r>
-            <a:endParaRPr lang="en-US" dirty="0"/>
-          </a:p>
-        </p:txBody>
-      </p:sp>
-    </p:spTree>
-    <p:extLst>
-      <p:ext uri="{BB962C8B-B14F-4D97-AF65-F5344CB8AC3E}">
-        <p14:creationId xmlns:p14="http://schemas.microsoft.com/office/powerpoint/2010/main" val="3957597888"/>
-      </p:ext>
-    </p:extLst>
-  </p:cSld>
-  <p:clrMapOvr>
-    <a:masterClrMapping/>
-  </p:clrMapOvr>
-</p:sld>
-</file>
-
-<file path=ppt/slides/slide74.xml><?xml version="1.0" encoding="utf-8"?>
+<file path=ppt/slides/slide75.xml><?xml version="1.0" encoding="utf-8"?>
 <p:sld xmlns:a="http://schemas.openxmlformats.org/drawingml/2006/main" xmlns:r="http://schemas.openxmlformats.org/officeDocument/2006/relationships" xmlns:p="http://schemas.openxmlformats.org/presentationml/2006/main">
   <p:cSld>
     <p:spTree>
@@ -34939,7 +35708,7 @@
             <p:ph idx="1"/>
             <p:extLst>
               <p:ext uri="{D42A27DB-BD31-4B8C-83A1-F6EECF244321}">
-                <p14:modId xmlns:p14="http://schemas.microsoft.com/office/powerpoint/2010/main" val="1107838593"/>
+                <p14:modId xmlns:p14="http://schemas.microsoft.com/office/powerpoint/2010/main" val="3614957681"/>
               </p:ext>
             </p:extLst>
           </p:nvPr>
